--- a/RaciocinioAlgoritmico/Tópico 05 - Estruturas de Repetição (FOR)/Tópico 05 - Estruturas de Repetição (FOR).pptx
+++ b/RaciocinioAlgoritmico/Tópico 05 - Estruturas de Repetição (FOR)/Tópico 05 - Estruturas de Repetição (FOR).pptx
@@ -5,24 +5,26 @@
     <p:sldMasterId id="2147483648" r:id="rId2"/>
     <p:sldMasterId id="2147483661" r:id="rId3"/>
     <p:sldMasterId id="2147483674" r:id="rId4"/>
+    <p:sldMasterId id="2147483687" r:id="rId5"/>
   </p:sldMasterIdLst>
   <p:notesMasterIdLst>
-    <p:notesMasterId r:id="rId5"/>
+    <p:notesMasterId r:id="rId6"/>
   </p:notesMasterIdLst>
   <p:sldIdLst>
-    <p:sldId id="256" r:id="rId6"/>
-    <p:sldId id="257" r:id="rId7"/>
-    <p:sldId id="258" r:id="rId8"/>
-    <p:sldId id="259" r:id="rId9"/>
-    <p:sldId id="260" r:id="rId10"/>
-    <p:sldId id="261" r:id="rId11"/>
-    <p:sldId id="262" r:id="rId12"/>
-    <p:sldId id="263" r:id="rId13"/>
-    <p:sldId id="264" r:id="rId14"/>
-    <p:sldId id="265" r:id="rId15"/>
-    <p:sldId id="266" r:id="rId16"/>
-    <p:sldId id="267" r:id="rId17"/>
-    <p:sldId id="268" r:id="rId18"/>
+    <p:sldId id="256" r:id="rId7"/>
+    <p:sldId id="257" r:id="rId8"/>
+    <p:sldId id="258" r:id="rId9"/>
+    <p:sldId id="259" r:id="rId10"/>
+    <p:sldId id="260" r:id="rId11"/>
+    <p:sldId id="261" r:id="rId12"/>
+    <p:sldId id="262" r:id="rId13"/>
+    <p:sldId id="263" r:id="rId14"/>
+    <p:sldId id="264" r:id="rId15"/>
+    <p:sldId id="265" r:id="rId16"/>
+    <p:sldId id="266" r:id="rId17"/>
+    <p:sldId id="267" r:id="rId18"/>
+    <p:sldId id="268" r:id="rId19"/>
+    <p:sldId id="269" r:id="rId20"/>
   </p:sldIdLst>
   <p:sldSz cx="10080625" cy="7559675"/>
   <p:notesSz cx="7315200" cy="9601200"/>
@@ -48,7 +50,7 @@
       </p:grpSpPr>
       <p:sp>
         <p:nvSpPr>
-          <p:cNvPr id="123" name="PlaceHolder 1"/>
+          <p:cNvPr id="165" name="PlaceHolder 1"/>
           <p:cNvSpPr>
             <a:spLocks noGrp="1"/>
           </p:cNvSpPr>
@@ -91,7 +93,7 @@
       </p:sp>
       <p:sp>
         <p:nvSpPr>
-          <p:cNvPr id="124" name="PlaceHolder 2"/>
+          <p:cNvPr id="166" name="PlaceHolder 2"/>
           <p:cNvSpPr>
             <a:spLocks noGrp="1"/>
           </p:cNvSpPr>
@@ -131,7 +133,7 @@
       </p:sp>
       <p:sp>
         <p:nvSpPr>
-          <p:cNvPr id="125" name="PlaceHolder 3"/>
+          <p:cNvPr id="167" name="PlaceHolder 3"/>
           <p:cNvSpPr>
             <a:spLocks noGrp="1"/>
           </p:cNvSpPr>
@@ -171,7 +173,7 @@
       </p:sp>
       <p:sp>
         <p:nvSpPr>
-          <p:cNvPr id="126" name="PlaceHolder 4"/>
+          <p:cNvPr id="168" name="PlaceHolder 4"/>
           <p:cNvSpPr>
             <a:spLocks noGrp="1"/>
           </p:cNvSpPr>
@@ -222,7 +224,7 @@
       </p:sp>
       <p:sp>
         <p:nvSpPr>
-          <p:cNvPr id="127" name="PlaceHolder 5"/>
+          <p:cNvPr id="169" name="PlaceHolder 5"/>
           <p:cNvSpPr>
             <a:spLocks noGrp="1"/>
           </p:cNvSpPr>
@@ -269,7 +271,7 @@
       </p:sp>
       <p:sp>
         <p:nvSpPr>
-          <p:cNvPr id="128" name="PlaceHolder 6"/>
+          <p:cNvPr id="170" name="PlaceHolder 6"/>
           <p:cNvSpPr>
             <a:spLocks noGrp="1"/>
           </p:cNvSpPr>
@@ -306,7 +308,7 @@
             <a:pPr algn="r">
               <a:buNone/>
             </a:pPr>
-            <a:fld id="{D85A4F9D-0630-4EC9-B805-0DC061A87BA3}" type="slidenum">
+            <a:fld id="{F6D8E7BC-772A-4944-914C-09569A2481BC}" type="slidenum">
               <a:rPr b="0" lang="pt-BR" sz="1400" spc="-1" strike="noStrike">
                 <a:latin typeface="Times New Roman"/>
               </a:rPr>
@@ -343,7 +345,7 @@
       </p:grpSpPr>
       <p:sp>
         <p:nvSpPr>
-          <p:cNvPr id="284" name="PlaceHolder 1"/>
+          <p:cNvPr id="332" name="PlaceHolder 1"/>
           <p:cNvSpPr>
             <a:spLocks noGrp="1"/>
           </p:cNvSpPr>
@@ -354,19 +356,19 @@
         <p:spPr>
           <a:xfrm>
             <a:off x="1498680" y="1200240"/>
-            <a:ext cx="4310640" cy="3232800"/>
-          </a:xfrm>
-          <a:prstGeom prst="rect">
-            <a:avLst/>
-          </a:prstGeom>
-          <a:ln w="0">
-            <a:noFill/>
-          </a:ln>
-        </p:spPr>
-      </p:sp>
-      <p:sp>
-        <p:nvSpPr>
-          <p:cNvPr id="285" name="PlaceHolder 2"/>
+            <a:ext cx="4310280" cy="3232440"/>
+          </a:xfrm>
+          <a:prstGeom prst="rect">
+            <a:avLst/>
+          </a:prstGeom>
+          <a:ln w="0">
+            <a:noFill/>
+          </a:ln>
+        </p:spPr>
+      </p:sp>
+      <p:sp>
+        <p:nvSpPr>
+          <p:cNvPr id="333" name="PlaceHolder 2"/>
           <p:cNvSpPr>
             <a:spLocks noGrp="1"/>
           </p:cNvSpPr>
@@ -377,7 +379,7 @@
         <p:spPr>
           <a:xfrm>
             <a:off x="731520" y="4620240"/>
-            <a:ext cx="5843520" cy="3772440"/>
+            <a:ext cx="5843160" cy="3772080"/>
           </a:xfrm>
           <a:prstGeom prst="rect">
             <a:avLst/>
@@ -400,14 +402,14 @@
       </p:sp>
       <p:sp>
         <p:nvSpPr>
-          <p:cNvPr id="286" name="CustomShape 3"/>
+          <p:cNvPr id="334" name="CustomShape 3"/>
           <p:cNvSpPr/>
           <p:nvPr/>
         </p:nvSpPr>
         <p:spPr>
           <a:xfrm>
             <a:off x="0" y="9119520"/>
-            <a:ext cx="3161520" cy="473760"/>
+            <a:ext cx="3161160" cy="473400"/>
           </a:xfrm>
           <a:prstGeom prst="rect">
             <a:avLst/>
@@ -474,7 +476,7 @@
       </p:grpSpPr>
       <p:sp>
         <p:nvSpPr>
-          <p:cNvPr id="311" name="PlaceHolder 1"/>
+          <p:cNvPr id="359" name="PlaceHolder 1"/>
           <p:cNvSpPr>
             <a:spLocks noGrp="1"/>
           </p:cNvSpPr>
@@ -485,19 +487,19 @@
         <p:spPr>
           <a:xfrm>
             <a:off x="1498680" y="1200240"/>
-            <a:ext cx="4310640" cy="3232800"/>
-          </a:xfrm>
-          <a:prstGeom prst="rect">
-            <a:avLst/>
-          </a:prstGeom>
-          <a:ln w="0">
-            <a:noFill/>
-          </a:ln>
-        </p:spPr>
-      </p:sp>
-      <p:sp>
-        <p:nvSpPr>
-          <p:cNvPr id="312" name="PlaceHolder 2"/>
+            <a:ext cx="4310280" cy="3232440"/>
+          </a:xfrm>
+          <a:prstGeom prst="rect">
+            <a:avLst/>
+          </a:prstGeom>
+          <a:ln w="0">
+            <a:noFill/>
+          </a:ln>
+        </p:spPr>
+      </p:sp>
+      <p:sp>
+        <p:nvSpPr>
+          <p:cNvPr id="360" name="PlaceHolder 2"/>
           <p:cNvSpPr>
             <a:spLocks noGrp="1"/>
           </p:cNvSpPr>
@@ -508,7 +510,7 @@
         <p:spPr>
           <a:xfrm>
             <a:off x="731520" y="4620240"/>
-            <a:ext cx="5843520" cy="3772440"/>
+            <a:ext cx="5843160" cy="3772080"/>
           </a:xfrm>
           <a:prstGeom prst="rect">
             <a:avLst/>
@@ -531,14 +533,14 @@
       </p:sp>
       <p:sp>
         <p:nvSpPr>
-          <p:cNvPr id="313" name="CustomShape 3"/>
+          <p:cNvPr id="361" name="CustomShape 3"/>
           <p:cNvSpPr/>
           <p:nvPr/>
         </p:nvSpPr>
         <p:spPr>
           <a:xfrm>
             <a:off x="0" y="9119520"/>
-            <a:ext cx="3161520" cy="473760"/>
+            <a:ext cx="3161160" cy="473400"/>
           </a:xfrm>
           <a:prstGeom prst="rect">
             <a:avLst/>
@@ -605,7 +607,7 @@
       </p:grpSpPr>
       <p:sp>
         <p:nvSpPr>
-          <p:cNvPr id="314" name="PlaceHolder 1"/>
+          <p:cNvPr id="362" name="PlaceHolder 1"/>
           <p:cNvSpPr>
             <a:spLocks noGrp="1"/>
           </p:cNvSpPr>
@@ -616,19 +618,19 @@
         <p:spPr>
           <a:xfrm>
             <a:off x="1498680" y="1200240"/>
-            <a:ext cx="4310640" cy="3232800"/>
-          </a:xfrm>
-          <a:prstGeom prst="rect">
-            <a:avLst/>
-          </a:prstGeom>
-          <a:ln w="0">
-            <a:noFill/>
-          </a:ln>
-        </p:spPr>
-      </p:sp>
-      <p:sp>
-        <p:nvSpPr>
-          <p:cNvPr id="315" name="PlaceHolder 2"/>
+            <a:ext cx="4310280" cy="3232440"/>
+          </a:xfrm>
+          <a:prstGeom prst="rect">
+            <a:avLst/>
+          </a:prstGeom>
+          <a:ln w="0">
+            <a:noFill/>
+          </a:ln>
+        </p:spPr>
+      </p:sp>
+      <p:sp>
+        <p:nvSpPr>
+          <p:cNvPr id="363" name="PlaceHolder 2"/>
           <p:cNvSpPr>
             <a:spLocks noGrp="1"/>
           </p:cNvSpPr>
@@ -639,7 +641,7 @@
         <p:spPr>
           <a:xfrm>
             <a:off x="731520" y="4620240"/>
-            <a:ext cx="5843520" cy="3772440"/>
+            <a:ext cx="5843160" cy="3772080"/>
           </a:xfrm>
           <a:prstGeom prst="rect">
             <a:avLst/>
@@ -662,14 +664,14 @@
       </p:sp>
       <p:sp>
         <p:nvSpPr>
-          <p:cNvPr id="316" name="CustomShape 3"/>
+          <p:cNvPr id="364" name="CustomShape 3"/>
           <p:cNvSpPr/>
           <p:nvPr/>
         </p:nvSpPr>
         <p:spPr>
           <a:xfrm>
             <a:off x="0" y="9119520"/>
-            <a:ext cx="3161520" cy="473760"/>
+            <a:ext cx="3161160" cy="473400"/>
           </a:xfrm>
           <a:prstGeom prst="rect">
             <a:avLst/>
@@ -736,7 +738,7 @@
       </p:grpSpPr>
       <p:sp>
         <p:nvSpPr>
-          <p:cNvPr id="317" name="PlaceHolder 1"/>
+          <p:cNvPr id="365" name="PlaceHolder 1"/>
           <p:cNvSpPr>
             <a:spLocks noGrp="1"/>
           </p:cNvSpPr>
@@ -747,19 +749,19 @@
         <p:spPr>
           <a:xfrm>
             <a:off x="1498680" y="1200240"/>
-            <a:ext cx="4310640" cy="3232800"/>
-          </a:xfrm>
-          <a:prstGeom prst="rect">
-            <a:avLst/>
-          </a:prstGeom>
-          <a:ln w="0">
-            <a:noFill/>
-          </a:ln>
-        </p:spPr>
-      </p:sp>
-      <p:sp>
-        <p:nvSpPr>
-          <p:cNvPr id="318" name="PlaceHolder 2"/>
+            <a:ext cx="4310280" cy="3232440"/>
+          </a:xfrm>
+          <a:prstGeom prst="rect">
+            <a:avLst/>
+          </a:prstGeom>
+          <a:ln w="0">
+            <a:noFill/>
+          </a:ln>
+        </p:spPr>
+      </p:sp>
+      <p:sp>
+        <p:nvSpPr>
+          <p:cNvPr id="366" name="PlaceHolder 2"/>
           <p:cNvSpPr>
             <a:spLocks noGrp="1"/>
           </p:cNvSpPr>
@@ -770,7 +772,7 @@
         <p:spPr>
           <a:xfrm>
             <a:off x="731520" y="4620240"/>
-            <a:ext cx="5843520" cy="3772440"/>
+            <a:ext cx="5843160" cy="3772080"/>
           </a:xfrm>
           <a:prstGeom prst="rect">
             <a:avLst/>
@@ -793,14 +795,14 @@
       </p:sp>
       <p:sp>
         <p:nvSpPr>
-          <p:cNvPr id="319" name="CustomShape 3"/>
+          <p:cNvPr id="367" name="CustomShape 3"/>
           <p:cNvSpPr/>
           <p:nvPr/>
         </p:nvSpPr>
         <p:spPr>
           <a:xfrm>
             <a:off x="0" y="9119520"/>
-            <a:ext cx="3161520" cy="473760"/>
+            <a:ext cx="3161160" cy="473400"/>
           </a:xfrm>
           <a:prstGeom prst="rect">
             <a:avLst/>
@@ -867,7 +869,7 @@
       </p:grpSpPr>
       <p:sp>
         <p:nvSpPr>
-          <p:cNvPr id="320" name="PlaceHolder 1"/>
+          <p:cNvPr id="368" name="PlaceHolder 1"/>
           <p:cNvSpPr>
             <a:spLocks noGrp="1"/>
           </p:cNvSpPr>
@@ -878,19 +880,19 @@
         <p:spPr>
           <a:xfrm>
             <a:off x="1498680" y="1200240"/>
-            <a:ext cx="4310640" cy="3232800"/>
-          </a:xfrm>
-          <a:prstGeom prst="rect">
-            <a:avLst/>
-          </a:prstGeom>
-          <a:ln w="0">
-            <a:noFill/>
-          </a:ln>
-        </p:spPr>
-      </p:sp>
-      <p:sp>
-        <p:nvSpPr>
-          <p:cNvPr id="321" name="PlaceHolder 2"/>
+            <a:ext cx="4310280" cy="3232440"/>
+          </a:xfrm>
+          <a:prstGeom prst="rect">
+            <a:avLst/>
+          </a:prstGeom>
+          <a:ln w="0">
+            <a:noFill/>
+          </a:ln>
+        </p:spPr>
+      </p:sp>
+      <p:sp>
+        <p:nvSpPr>
+          <p:cNvPr id="369" name="PlaceHolder 2"/>
           <p:cNvSpPr>
             <a:spLocks noGrp="1"/>
           </p:cNvSpPr>
@@ -901,7 +903,7 @@
         <p:spPr>
           <a:xfrm>
             <a:off x="731520" y="4620240"/>
-            <a:ext cx="5843520" cy="3772440"/>
+            <a:ext cx="5843160" cy="3772080"/>
           </a:xfrm>
           <a:prstGeom prst="rect">
             <a:avLst/>
@@ -924,14 +926,145 @@
       </p:sp>
       <p:sp>
         <p:nvSpPr>
-          <p:cNvPr id="322" name="CustomShape 3"/>
+          <p:cNvPr id="370" name="CustomShape 3"/>
           <p:cNvSpPr/>
           <p:nvPr/>
         </p:nvSpPr>
         <p:spPr>
           <a:xfrm>
             <a:off x="0" y="9119520"/>
-            <a:ext cx="3161520" cy="473760"/>
+            <a:ext cx="3161160" cy="473400"/>
+          </a:xfrm>
+          <a:prstGeom prst="rect">
+            <a:avLst/>
+          </a:prstGeom>
+          <a:noFill/>
+          <a:ln w="0">
+            <a:noFill/>
+          </a:ln>
+        </p:spPr>
+        <p:style>
+          <a:lnRef idx="0"/>
+          <a:fillRef idx="0"/>
+          <a:effectRef idx="0"/>
+          <a:fontRef idx="minor"/>
+        </p:style>
+        <p:txBody>
+          <a:bodyPr lIns="83520" rIns="83520" tIns="41760" bIns="41760" anchor="b">
+            <a:noAutofit/>
+          </a:bodyPr>
+          <a:p>
+            <a:pPr>
+              <a:lnSpc>
+                <a:spcPct val="100000"/>
+              </a:lnSpc>
+              <a:buNone/>
+            </a:pPr>
+            <a:r>
+              <a:rPr b="0" lang="pt-BR" sz="1100" spc="-1" strike="noStrike">
+                <a:solidFill>
+                  <a:srgbClr val="000000"/>
+                </a:solidFill>
+                <a:latin typeface="Times New Roman"/>
+                <a:ea typeface="+mn-ea"/>
+              </a:rPr>
+              <a:t>Prof. André Hochuli</a:t>
+            </a:r>
+            <a:endParaRPr b="0" lang="pt-BR" sz="1100" spc="-1" strike="noStrike">
+              <a:latin typeface="Arial"/>
+            </a:endParaRPr>
+          </a:p>
+        </p:txBody>
+      </p:sp>
+    </p:spTree>
+  </p:cSld>
+</p:notes>
+</file>
+
+<file path=ppt/notesSlides/notesSlide14.xml><?xml version="1.0" encoding="utf-8"?>
+<p:notes xmlns:a="http://schemas.openxmlformats.org/drawingml/2006/main" xmlns:p="http://schemas.openxmlformats.org/presentationml/2006/main" xmlns:r="http://schemas.openxmlformats.org/officeDocument/2006/relationships" xmlns:p14="http://schemas.microsoft.com/office/powerpoint/2010/main" xmlns:p15="http://schemas.microsoft.com/office/powerpoint/2012/main" xmlns:mc="http://schemas.openxmlformats.org/markup-compatibility/2006">
+  <p:cSld>
+    <p:spTree>
+      <p:nvGrpSpPr>
+        <p:cNvPr id="1" name=""/>
+        <p:cNvGrpSpPr/>
+        <p:nvPr/>
+      </p:nvGrpSpPr>
+      <p:grpSpPr>
+        <a:xfrm>
+          <a:off x="0" y="0"/>
+          <a:ext cx="0" cy="0"/>
+          <a:chOff x="0" y="0"/>
+          <a:chExt cx="0" cy="0"/>
+        </a:xfrm>
+      </p:grpSpPr>
+      <p:sp>
+        <p:nvSpPr>
+          <p:cNvPr id="371" name="PlaceHolder 1"/>
+          <p:cNvSpPr>
+            <a:spLocks noGrp="1"/>
+          </p:cNvSpPr>
+          <p:nvPr>
+            <p:ph type="sldImg"/>
+          </p:nvPr>
+        </p:nvSpPr>
+        <p:spPr>
+          <a:xfrm>
+            <a:off x="1498680" y="1200240"/>
+            <a:ext cx="4310280" cy="3232440"/>
+          </a:xfrm>
+          <a:prstGeom prst="rect">
+            <a:avLst/>
+          </a:prstGeom>
+          <a:ln w="0">
+            <a:noFill/>
+          </a:ln>
+        </p:spPr>
+      </p:sp>
+      <p:sp>
+        <p:nvSpPr>
+          <p:cNvPr id="372" name="PlaceHolder 2"/>
+          <p:cNvSpPr>
+            <a:spLocks noGrp="1"/>
+          </p:cNvSpPr>
+          <p:nvPr>
+            <p:ph type="body"/>
+          </p:nvPr>
+        </p:nvSpPr>
+        <p:spPr>
+          <a:xfrm>
+            <a:off x="731520" y="4620240"/>
+            <a:ext cx="5843160" cy="3772080"/>
+          </a:xfrm>
+          <a:prstGeom prst="rect">
+            <a:avLst/>
+          </a:prstGeom>
+          <a:noFill/>
+          <a:ln w="0">
+            <a:noFill/>
+          </a:ln>
+        </p:spPr>
+        <p:txBody>
+          <a:bodyPr lIns="0" rIns="0" tIns="0" bIns="0" anchor="t">
+            <a:noAutofit/>
+          </a:bodyPr>
+          <a:p>
+            <a:endParaRPr b="0" lang="pt-BR" sz="2000" spc="-1" strike="noStrike">
+              <a:latin typeface="Arial"/>
+            </a:endParaRPr>
+          </a:p>
+        </p:txBody>
+      </p:sp>
+      <p:sp>
+        <p:nvSpPr>
+          <p:cNvPr id="373" name="CustomShape 3"/>
+          <p:cNvSpPr/>
+          <p:nvPr/>
+        </p:nvSpPr>
+        <p:spPr>
+          <a:xfrm>
+            <a:off x="0" y="9119520"/>
+            <a:ext cx="3161160" cy="473400"/>
           </a:xfrm>
           <a:prstGeom prst="rect">
             <a:avLst/>
@@ -998,7 +1131,7 @@
       </p:grpSpPr>
       <p:sp>
         <p:nvSpPr>
-          <p:cNvPr id="287" name="PlaceHolder 1"/>
+          <p:cNvPr id="335" name="PlaceHolder 1"/>
           <p:cNvSpPr>
             <a:spLocks noGrp="1"/>
           </p:cNvSpPr>
@@ -1009,19 +1142,19 @@
         <p:spPr>
           <a:xfrm>
             <a:off x="1498680" y="1200240"/>
-            <a:ext cx="4310640" cy="3232800"/>
-          </a:xfrm>
-          <a:prstGeom prst="rect">
-            <a:avLst/>
-          </a:prstGeom>
-          <a:ln w="0">
-            <a:noFill/>
-          </a:ln>
-        </p:spPr>
-      </p:sp>
-      <p:sp>
-        <p:nvSpPr>
-          <p:cNvPr id="288" name="PlaceHolder 2"/>
+            <a:ext cx="4310280" cy="3232440"/>
+          </a:xfrm>
+          <a:prstGeom prst="rect">
+            <a:avLst/>
+          </a:prstGeom>
+          <a:ln w="0">
+            <a:noFill/>
+          </a:ln>
+        </p:spPr>
+      </p:sp>
+      <p:sp>
+        <p:nvSpPr>
+          <p:cNvPr id="336" name="PlaceHolder 2"/>
           <p:cNvSpPr>
             <a:spLocks noGrp="1"/>
           </p:cNvSpPr>
@@ -1032,7 +1165,7 @@
         <p:spPr>
           <a:xfrm>
             <a:off x="731520" y="4620240"/>
-            <a:ext cx="5843160" cy="3772080"/>
+            <a:ext cx="5842800" cy="3771720"/>
           </a:xfrm>
           <a:prstGeom prst="rect">
             <a:avLst/>
@@ -1055,14 +1188,14 @@
       </p:sp>
       <p:sp>
         <p:nvSpPr>
-          <p:cNvPr id="289" name="CustomShape 3"/>
+          <p:cNvPr id="337" name="CustomShape 3"/>
           <p:cNvSpPr/>
           <p:nvPr/>
         </p:nvSpPr>
         <p:spPr>
           <a:xfrm>
             <a:off x="0" y="9119520"/>
-            <a:ext cx="3161160" cy="473400"/>
+            <a:ext cx="3160800" cy="473040"/>
           </a:xfrm>
           <a:prstGeom prst="rect">
             <a:avLst/>
@@ -1129,7 +1262,7 @@
       </p:grpSpPr>
       <p:sp>
         <p:nvSpPr>
-          <p:cNvPr id="290" name="PlaceHolder 1"/>
+          <p:cNvPr id="338" name="PlaceHolder 1"/>
           <p:cNvSpPr>
             <a:spLocks noGrp="1"/>
           </p:cNvSpPr>
@@ -1140,19 +1273,19 @@
         <p:spPr>
           <a:xfrm>
             <a:off x="1498680" y="1200240"/>
-            <a:ext cx="4310640" cy="3232800"/>
-          </a:xfrm>
-          <a:prstGeom prst="rect">
-            <a:avLst/>
-          </a:prstGeom>
-          <a:ln w="0">
-            <a:noFill/>
-          </a:ln>
-        </p:spPr>
-      </p:sp>
-      <p:sp>
-        <p:nvSpPr>
-          <p:cNvPr id="291" name="PlaceHolder 2"/>
+            <a:ext cx="4310280" cy="3232440"/>
+          </a:xfrm>
+          <a:prstGeom prst="rect">
+            <a:avLst/>
+          </a:prstGeom>
+          <a:ln w="0">
+            <a:noFill/>
+          </a:ln>
+        </p:spPr>
+      </p:sp>
+      <p:sp>
+        <p:nvSpPr>
+          <p:cNvPr id="339" name="PlaceHolder 2"/>
           <p:cNvSpPr>
             <a:spLocks noGrp="1"/>
           </p:cNvSpPr>
@@ -1163,7 +1296,7 @@
         <p:spPr>
           <a:xfrm>
             <a:off x="731520" y="4620240"/>
-            <a:ext cx="5843520" cy="3772440"/>
+            <a:ext cx="5843160" cy="3772080"/>
           </a:xfrm>
           <a:prstGeom prst="rect">
             <a:avLst/>
@@ -1186,14 +1319,14 @@
       </p:sp>
       <p:sp>
         <p:nvSpPr>
-          <p:cNvPr id="292" name="CustomShape 3"/>
+          <p:cNvPr id="340" name="CustomShape 6"/>
           <p:cNvSpPr/>
           <p:nvPr/>
         </p:nvSpPr>
         <p:spPr>
           <a:xfrm>
             <a:off x="0" y="9119520"/>
-            <a:ext cx="3161520" cy="473760"/>
+            <a:ext cx="3161160" cy="473400"/>
           </a:xfrm>
           <a:prstGeom prst="rect">
             <a:avLst/>
@@ -1260,7 +1393,7 @@
       </p:grpSpPr>
       <p:sp>
         <p:nvSpPr>
-          <p:cNvPr id="293" name="PlaceHolder 1"/>
+          <p:cNvPr id="341" name="PlaceHolder 1"/>
           <p:cNvSpPr>
             <a:spLocks noGrp="1"/>
           </p:cNvSpPr>
@@ -1271,19 +1404,19 @@
         <p:spPr>
           <a:xfrm>
             <a:off x="1498680" y="1200240"/>
-            <a:ext cx="4310640" cy="3232800"/>
-          </a:xfrm>
-          <a:prstGeom prst="rect">
-            <a:avLst/>
-          </a:prstGeom>
-          <a:ln w="0">
-            <a:noFill/>
-          </a:ln>
-        </p:spPr>
-      </p:sp>
-      <p:sp>
-        <p:nvSpPr>
-          <p:cNvPr id="294" name="PlaceHolder 2"/>
+            <a:ext cx="4310280" cy="3232440"/>
+          </a:xfrm>
+          <a:prstGeom prst="rect">
+            <a:avLst/>
+          </a:prstGeom>
+          <a:ln w="0">
+            <a:noFill/>
+          </a:ln>
+        </p:spPr>
+      </p:sp>
+      <p:sp>
+        <p:nvSpPr>
+          <p:cNvPr id="342" name="PlaceHolder 2"/>
           <p:cNvSpPr>
             <a:spLocks noGrp="1"/>
           </p:cNvSpPr>
@@ -1294,7 +1427,7 @@
         <p:spPr>
           <a:xfrm>
             <a:off x="731520" y="4620240"/>
-            <a:ext cx="5843520" cy="3772440"/>
+            <a:ext cx="5843160" cy="3772080"/>
           </a:xfrm>
           <a:prstGeom prst="rect">
             <a:avLst/>
@@ -1317,14 +1450,14 @@
       </p:sp>
       <p:sp>
         <p:nvSpPr>
-          <p:cNvPr id="295" name="CustomShape 3"/>
+          <p:cNvPr id="343" name="CustomShape 3"/>
           <p:cNvSpPr/>
           <p:nvPr/>
         </p:nvSpPr>
         <p:spPr>
           <a:xfrm>
             <a:off x="0" y="9119520"/>
-            <a:ext cx="3161520" cy="473760"/>
+            <a:ext cx="3161160" cy="473400"/>
           </a:xfrm>
           <a:prstGeom prst="rect">
             <a:avLst/>
@@ -1391,7 +1524,7 @@
       </p:grpSpPr>
       <p:sp>
         <p:nvSpPr>
-          <p:cNvPr id="296" name="PlaceHolder 1"/>
+          <p:cNvPr id="344" name="PlaceHolder 1"/>
           <p:cNvSpPr>
             <a:spLocks noGrp="1"/>
           </p:cNvSpPr>
@@ -1402,19 +1535,19 @@
         <p:spPr>
           <a:xfrm>
             <a:off x="1498680" y="1200240"/>
-            <a:ext cx="4310640" cy="3232800"/>
-          </a:xfrm>
-          <a:prstGeom prst="rect">
-            <a:avLst/>
-          </a:prstGeom>
-          <a:ln w="0">
-            <a:noFill/>
-          </a:ln>
-        </p:spPr>
-      </p:sp>
-      <p:sp>
-        <p:nvSpPr>
-          <p:cNvPr id="297" name="PlaceHolder 2"/>
+            <a:ext cx="4310280" cy="3232440"/>
+          </a:xfrm>
+          <a:prstGeom prst="rect">
+            <a:avLst/>
+          </a:prstGeom>
+          <a:ln w="0">
+            <a:noFill/>
+          </a:ln>
+        </p:spPr>
+      </p:sp>
+      <p:sp>
+        <p:nvSpPr>
+          <p:cNvPr id="345" name="PlaceHolder 2"/>
           <p:cNvSpPr>
             <a:spLocks noGrp="1"/>
           </p:cNvSpPr>
@@ -1425,7 +1558,7 @@
         <p:spPr>
           <a:xfrm>
             <a:off x="731520" y="4620240"/>
-            <a:ext cx="5843520" cy="3772440"/>
+            <a:ext cx="5843160" cy="3772080"/>
           </a:xfrm>
           <a:prstGeom prst="rect">
             <a:avLst/>
@@ -1448,14 +1581,14 @@
       </p:sp>
       <p:sp>
         <p:nvSpPr>
-          <p:cNvPr id="298" name="CustomShape 3"/>
+          <p:cNvPr id="346" name="CustomShape 3"/>
           <p:cNvSpPr/>
           <p:nvPr/>
         </p:nvSpPr>
         <p:spPr>
           <a:xfrm>
             <a:off x="0" y="9119520"/>
-            <a:ext cx="3161520" cy="473760"/>
+            <a:ext cx="3161160" cy="473400"/>
           </a:xfrm>
           <a:prstGeom prst="rect">
             <a:avLst/>
@@ -1522,7 +1655,7 @@
       </p:grpSpPr>
       <p:sp>
         <p:nvSpPr>
-          <p:cNvPr id="299" name="PlaceHolder 1"/>
+          <p:cNvPr id="347" name="PlaceHolder 1"/>
           <p:cNvSpPr>
             <a:spLocks noGrp="1"/>
           </p:cNvSpPr>
@@ -1533,19 +1666,19 @@
         <p:spPr>
           <a:xfrm>
             <a:off x="1498680" y="1200240"/>
-            <a:ext cx="4310640" cy="3232800"/>
-          </a:xfrm>
-          <a:prstGeom prst="rect">
-            <a:avLst/>
-          </a:prstGeom>
-          <a:ln w="0">
-            <a:noFill/>
-          </a:ln>
-        </p:spPr>
-      </p:sp>
-      <p:sp>
-        <p:nvSpPr>
-          <p:cNvPr id="300" name="PlaceHolder 2"/>
+            <a:ext cx="4310280" cy="3232440"/>
+          </a:xfrm>
+          <a:prstGeom prst="rect">
+            <a:avLst/>
+          </a:prstGeom>
+          <a:ln w="0">
+            <a:noFill/>
+          </a:ln>
+        </p:spPr>
+      </p:sp>
+      <p:sp>
+        <p:nvSpPr>
+          <p:cNvPr id="348" name="PlaceHolder 2"/>
           <p:cNvSpPr>
             <a:spLocks noGrp="1"/>
           </p:cNvSpPr>
@@ -1556,7 +1689,7 @@
         <p:spPr>
           <a:xfrm>
             <a:off x="731520" y="4620240"/>
-            <a:ext cx="5843520" cy="3772440"/>
+            <a:ext cx="5843160" cy="3772080"/>
           </a:xfrm>
           <a:prstGeom prst="rect">
             <a:avLst/>
@@ -1579,14 +1712,14 @@
       </p:sp>
       <p:sp>
         <p:nvSpPr>
-          <p:cNvPr id="301" name="CustomShape 3"/>
+          <p:cNvPr id="349" name="CustomShape 3"/>
           <p:cNvSpPr/>
           <p:nvPr/>
         </p:nvSpPr>
         <p:spPr>
           <a:xfrm>
             <a:off x="0" y="9119520"/>
-            <a:ext cx="3161520" cy="473760"/>
+            <a:ext cx="3161160" cy="473400"/>
           </a:xfrm>
           <a:prstGeom prst="rect">
             <a:avLst/>
@@ -1653,7 +1786,7 @@
       </p:grpSpPr>
       <p:sp>
         <p:nvSpPr>
-          <p:cNvPr id="302" name="PlaceHolder 1"/>
+          <p:cNvPr id="350" name="PlaceHolder 1"/>
           <p:cNvSpPr>
             <a:spLocks noGrp="1"/>
           </p:cNvSpPr>
@@ -1664,19 +1797,19 @@
         <p:spPr>
           <a:xfrm>
             <a:off x="1498680" y="1200240"/>
-            <a:ext cx="4310640" cy="3232800"/>
-          </a:xfrm>
-          <a:prstGeom prst="rect">
-            <a:avLst/>
-          </a:prstGeom>
-          <a:ln w="0">
-            <a:noFill/>
-          </a:ln>
-        </p:spPr>
-      </p:sp>
-      <p:sp>
-        <p:nvSpPr>
-          <p:cNvPr id="303" name="PlaceHolder 2"/>
+            <a:ext cx="4310280" cy="3232440"/>
+          </a:xfrm>
+          <a:prstGeom prst="rect">
+            <a:avLst/>
+          </a:prstGeom>
+          <a:ln w="0">
+            <a:noFill/>
+          </a:ln>
+        </p:spPr>
+      </p:sp>
+      <p:sp>
+        <p:nvSpPr>
+          <p:cNvPr id="351" name="PlaceHolder 2"/>
           <p:cNvSpPr>
             <a:spLocks noGrp="1"/>
           </p:cNvSpPr>
@@ -1687,7 +1820,7 @@
         <p:spPr>
           <a:xfrm>
             <a:off x="731520" y="4620240"/>
-            <a:ext cx="5843520" cy="3772440"/>
+            <a:ext cx="5843160" cy="3772080"/>
           </a:xfrm>
           <a:prstGeom prst="rect">
             <a:avLst/>
@@ -1710,14 +1843,14 @@
       </p:sp>
       <p:sp>
         <p:nvSpPr>
-          <p:cNvPr id="304" name="CustomShape 3"/>
+          <p:cNvPr id="352" name="CustomShape 3"/>
           <p:cNvSpPr/>
           <p:nvPr/>
         </p:nvSpPr>
         <p:spPr>
           <a:xfrm>
             <a:off x="0" y="9119520"/>
-            <a:ext cx="3161520" cy="473760"/>
+            <a:ext cx="3161160" cy="473400"/>
           </a:xfrm>
           <a:prstGeom prst="rect">
             <a:avLst/>
@@ -1784,7 +1917,7 @@
       </p:grpSpPr>
       <p:sp>
         <p:nvSpPr>
-          <p:cNvPr id="305" name="PlaceHolder 1"/>
+          <p:cNvPr id="353" name="PlaceHolder 1"/>
           <p:cNvSpPr>
             <a:spLocks noGrp="1"/>
           </p:cNvSpPr>
@@ -1795,19 +1928,19 @@
         <p:spPr>
           <a:xfrm>
             <a:off x="1498680" y="1200240"/>
-            <a:ext cx="4310640" cy="3232800"/>
-          </a:xfrm>
-          <a:prstGeom prst="rect">
-            <a:avLst/>
-          </a:prstGeom>
-          <a:ln w="0">
-            <a:noFill/>
-          </a:ln>
-        </p:spPr>
-      </p:sp>
-      <p:sp>
-        <p:nvSpPr>
-          <p:cNvPr id="306" name="PlaceHolder 2"/>
+            <a:ext cx="4310280" cy="3232440"/>
+          </a:xfrm>
+          <a:prstGeom prst="rect">
+            <a:avLst/>
+          </a:prstGeom>
+          <a:ln w="0">
+            <a:noFill/>
+          </a:ln>
+        </p:spPr>
+      </p:sp>
+      <p:sp>
+        <p:nvSpPr>
+          <p:cNvPr id="354" name="PlaceHolder 2"/>
           <p:cNvSpPr>
             <a:spLocks noGrp="1"/>
           </p:cNvSpPr>
@@ -1818,7 +1951,7 @@
         <p:spPr>
           <a:xfrm>
             <a:off x="731520" y="4620240"/>
-            <a:ext cx="5843520" cy="3772440"/>
+            <a:ext cx="5843160" cy="3772080"/>
           </a:xfrm>
           <a:prstGeom prst="rect">
             <a:avLst/>
@@ -1841,14 +1974,14 @@
       </p:sp>
       <p:sp>
         <p:nvSpPr>
-          <p:cNvPr id="307" name="CustomShape 3"/>
+          <p:cNvPr id="355" name="CustomShape 3"/>
           <p:cNvSpPr/>
           <p:nvPr/>
         </p:nvSpPr>
         <p:spPr>
           <a:xfrm>
             <a:off x="0" y="9119520"/>
-            <a:ext cx="3161520" cy="473760"/>
+            <a:ext cx="3161160" cy="473400"/>
           </a:xfrm>
           <a:prstGeom prst="rect">
             <a:avLst/>
@@ -1915,7 +2048,7 @@
       </p:grpSpPr>
       <p:sp>
         <p:nvSpPr>
-          <p:cNvPr id="308" name="PlaceHolder 1"/>
+          <p:cNvPr id="356" name="PlaceHolder 1"/>
           <p:cNvSpPr>
             <a:spLocks noGrp="1"/>
           </p:cNvSpPr>
@@ -1926,19 +2059,19 @@
         <p:spPr>
           <a:xfrm>
             <a:off x="1498680" y="1200240"/>
-            <a:ext cx="4310640" cy="3232800"/>
-          </a:xfrm>
-          <a:prstGeom prst="rect">
-            <a:avLst/>
-          </a:prstGeom>
-          <a:ln w="0">
-            <a:noFill/>
-          </a:ln>
-        </p:spPr>
-      </p:sp>
-      <p:sp>
-        <p:nvSpPr>
-          <p:cNvPr id="309" name="PlaceHolder 2"/>
+            <a:ext cx="4310280" cy="3232440"/>
+          </a:xfrm>
+          <a:prstGeom prst="rect">
+            <a:avLst/>
+          </a:prstGeom>
+          <a:ln w="0">
+            <a:noFill/>
+          </a:ln>
+        </p:spPr>
+      </p:sp>
+      <p:sp>
+        <p:nvSpPr>
+          <p:cNvPr id="357" name="PlaceHolder 2"/>
           <p:cNvSpPr>
             <a:spLocks noGrp="1"/>
           </p:cNvSpPr>
@@ -1949,7 +2082,7 @@
         <p:spPr>
           <a:xfrm>
             <a:off x="731520" y="4620240"/>
-            <a:ext cx="5843520" cy="3772440"/>
+            <a:ext cx="5843160" cy="3772080"/>
           </a:xfrm>
           <a:prstGeom prst="rect">
             <a:avLst/>
@@ -1972,14 +2105,14 @@
       </p:sp>
       <p:sp>
         <p:nvSpPr>
-          <p:cNvPr id="310" name="CustomShape 3"/>
+          <p:cNvPr id="358" name="CustomShape 3"/>
           <p:cNvSpPr/>
           <p:nvPr/>
         </p:nvSpPr>
         <p:spPr>
           <a:xfrm>
             <a:off x="0" y="9119520"/>
-            <a:ext cx="3161520" cy="473760"/>
+            <a:ext cx="3161160" cy="473400"/>
           </a:xfrm>
           <a:prstGeom prst="rect">
             <a:avLst/>
@@ -5871,6 +6004,217 @@
 </p:sldLayout>
 </file>
 
+<file path=ppt/slideLayouts/slideLayout37.xml><?xml version="1.0" encoding="utf-8"?>
+<p:sldLayout xmlns:a="http://schemas.openxmlformats.org/drawingml/2006/main" xmlns:p="http://schemas.openxmlformats.org/presentationml/2006/main" xmlns:r="http://schemas.openxmlformats.org/officeDocument/2006/relationships" xmlns:p14="http://schemas.microsoft.com/office/powerpoint/2010/main" xmlns:p15="http://schemas.microsoft.com/office/powerpoint/2012/main" xmlns:mc="http://schemas.openxmlformats.org/markup-compatibility/2006" type="blank" preserve="1">
+  <p:cSld name="Blank Slide">
+    <p:spTree>
+      <p:nvGrpSpPr>
+        <p:cNvPr id="1" name=""/>
+        <p:cNvGrpSpPr/>
+        <p:nvPr/>
+      </p:nvGrpSpPr>
+      <p:grpSpPr>
+        <a:xfrm>
+          <a:off x="0" y="0"/>
+          <a:ext cx="0" cy="0"/>
+          <a:chOff x="0" y="0"/>
+          <a:chExt cx="0" cy="0"/>
+        </a:xfrm>
+      </p:grpSpPr>
+    </p:spTree>
+  </p:cSld>
+</p:sldLayout>
+</file>
+
+<file path=ppt/slideLayouts/slideLayout38.xml><?xml version="1.0" encoding="utf-8"?>
+<p:sldLayout xmlns:a="http://schemas.openxmlformats.org/drawingml/2006/main" xmlns:p="http://schemas.openxmlformats.org/presentationml/2006/main" xmlns:r="http://schemas.openxmlformats.org/officeDocument/2006/relationships" xmlns:p14="http://schemas.microsoft.com/office/powerpoint/2010/main" xmlns:p15="http://schemas.microsoft.com/office/powerpoint/2012/main" xmlns:mc="http://schemas.openxmlformats.org/markup-compatibility/2006" type="tx" preserve="1">
+  <p:cSld name="Title Slide">
+    <p:spTree>
+      <p:nvGrpSpPr>
+        <p:cNvPr id="1" name=""/>
+        <p:cNvGrpSpPr/>
+        <p:nvPr/>
+      </p:nvGrpSpPr>
+      <p:grpSpPr>
+        <a:xfrm>
+          <a:off x="0" y="0"/>
+          <a:ext cx="0" cy="0"/>
+          <a:chOff x="0" y="0"/>
+          <a:chExt cx="0" cy="0"/>
+        </a:xfrm>
+      </p:grpSpPr>
+      <p:sp>
+        <p:nvSpPr>
+          <p:cNvPr id="129" name="PlaceHolder 1"/>
+          <p:cNvSpPr>
+            <a:spLocks noGrp="1"/>
+          </p:cNvSpPr>
+          <p:nvPr>
+            <p:ph type="title"/>
+          </p:nvPr>
+        </p:nvSpPr>
+        <p:spPr>
+          <a:xfrm>
+            <a:off x="504000" y="301320"/>
+            <a:ext cx="9072000" cy="1261800"/>
+          </a:xfrm>
+          <a:prstGeom prst="rect">
+            <a:avLst/>
+          </a:prstGeom>
+          <a:noFill/>
+          <a:ln w="0">
+            <a:noFill/>
+          </a:ln>
+        </p:spPr>
+        <p:txBody>
+          <a:bodyPr lIns="0" rIns="0" tIns="0" bIns="0" anchor="ctr">
+            <a:noAutofit/>
+          </a:bodyPr>
+          <a:p>
+            <a:pPr algn="ctr">
+              <a:buNone/>
+            </a:pPr>
+            <a:endParaRPr b="0" lang="pt-BR" sz="4400" spc="-1" strike="noStrike">
+              <a:latin typeface="Arial"/>
+            </a:endParaRPr>
+          </a:p>
+        </p:txBody>
+      </p:sp>
+      <p:sp>
+        <p:nvSpPr>
+          <p:cNvPr id="130" name="PlaceHolder 2"/>
+          <p:cNvSpPr>
+            <a:spLocks noGrp="1"/>
+          </p:cNvSpPr>
+          <p:nvPr>
+            <p:ph type="subTitle"/>
+          </p:nvPr>
+        </p:nvSpPr>
+        <p:spPr>
+          <a:xfrm>
+            <a:off x="504000" y="1768680"/>
+            <a:ext cx="9072000" cy="4384080"/>
+          </a:xfrm>
+          <a:prstGeom prst="rect">
+            <a:avLst/>
+          </a:prstGeom>
+          <a:noFill/>
+          <a:ln w="0">
+            <a:noFill/>
+          </a:ln>
+        </p:spPr>
+        <p:txBody>
+          <a:bodyPr lIns="0" rIns="0" tIns="0" bIns="0" anchor="ctr">
+            <a:noAutofit/>
+          </a:bodyPr>
+          <a:p>
+            <a:pPr algn="ctr">
+              <a:buNone/>
+            </a:pPr>
+            <a:endParaRPr b="0" lang="pt-BR" sz="3200" spc="-1" strike="noStrike">
+              <a:latin typeface="Arial"/>
+            </a:endParaRPr>
+          </a:p>
+        </p:txBody>
+      </p:sp>
+    </p:spTree>
+  </p:cSld>
+</p:sldLayout>
+</file>
+
+<file path=ppt/slideLayouts/slideLayout39.xml><?xml version="1.0" encoding="utf-8"?>
+<p:sldLayout xmlns:a="http://schemas.openxmlformats.org/drawingml/2006/main" xmlns:p="http://schemas.openxmlformats.org/presentationml/2006/main" xmlns:r="http://schemas.openxmlformats.org/officeDocument/2006/relationships" xmlns:p14="http://schemas.microsoft.com/office/powerpoint/2010/main" xmlns:p15="http://schemas.microsoft.com/office/powerpoint/2012/main" xmlns:mc="http://schemas.openxmlformats.org/markup-compatibility/2006" type="obj" preserve="1">
+  <p:cSld name="Title, Content">
+    <p:spTree>
+      <p:nvGrpSpPr>
+        <p:cNvPr id="1" name=""/>
+        <p:cNvGrpSpPr/>
+        <p:nvPr/>
+      </p:nvGrpSpPr>
+      <p:grpSpPr>
+        <a:xfrm>
+          <a:off x="0" y="0"/>
+          <a:ext cx="0" cy="0"/>
+          <a:chOff x="0" y="0"/>
+          <a:chExt cx="0" cy="0"/>
+        </a:xfrm>
+      </p:grpSpPr>
+      <p:sp>
+        <p:nvSpPr>
+          <p:cNvPr id="131" name="PlaceHolder 1"/>
+          <p:cNvSpPr>
+            <a:spLocks noGrp="1"/>
+          </p:cNvSpPr>
+          <p:nvPr>
+            <p:ph type="title"/>
+          </p:nvPr>
+        </p:nvSpPr>
+        <p:spPr>
+          <a:xfrm>
+            <a:off x="504000" y="301320"/>
+            <a:ext cx="9072000" cy="1261800"/>
+          </a:xfrm>
+          <a:prstGeom prst="rect">
+            <a:avLst/>
+          </a:prstGeom>
+          <a:noFill/>
+          <a:ln w="0">
+            <a:noFill/>
+          </a:ln>
+        </p:spPr>
+        <p:txBody>
+          <a:bodyPr lIns="0" rIns="0" tIns="0" bIns="0" anchor="ctr">
+            <a:noAutofit/>
+          </a:bodyPr>
+          <a:p>
+            <a:pPr algn="ctr">
+              <a:buNone/>
+            </a:pPr>
+            <a:endParaRPr b="0" lang="pt-BR" sz="4400" spc="-1" strike="noStrike">
+              <a:latin typeface="Arial"/>
+            </a:endParaRPr>
+          </a:p>
+        </p:txBody>
+      </p:sp>
+      <p:sp>
+        <p:nvSpPr>
+          <p:cNvPr id="132" name="PlaceHolder 2"/>
+          <p:cNvSpPr>
+            <a:spLocks noGrp="1"/>
+          </p:cNvSpPr>
+          <p:nvPr>
+            <p:ph/>
+          </p:nvPr>
+        </p:nvSpPr>
+        <p:spPr>
+          <a:xfrm>
+            <a:off x="504000" y="1768680"/>
+            <a:ext cx="9072000" cy="4384080"/>
+          </a:xfrm>
+          <a:prstGeom prst="rect">
+            <a:avLst/>
+          </a:prstGeom>
+          <a:noFill/>
+          <a:ln w="0">
+            <a:noFill/>
+          </a:ln>
+        </p:spPr>
+        <p:txBody>
+          <a:bodyPr lIns="0" rIns="0" tIns="0" bIns="0" anchor="t">
+            <a:normAutofit/>
+          </a:bodyPr>
+          <a:p>
+            <a:endParaRPr b="0" lang="pt-BR" sz="3200" spc="-1" strike="noStrike">
+              <a:latin typeface="Arial"/>
+            </a:endParaRPr>
+          </a:p>
+        </p:txBody>
+      </p:sp>
+    </p:spTree>
+  </p:cSld>
+</p:sldLayout>
+</file>
+
 <file path=ppt/slideLayouts/slideLayout4.xml><?xml version="1.0" encoding="utf-8"?>
 <p:sldLayout xmlns:a="http://schemas.openxmlformats.org/drawingml/2006/main" xmlns:p="http://schemas.openxmlformats.org/presentationml/2006/main" xmlns:r="http://schemas.openxmlformats.org/officeDocument/2006/relationships" xmlns:p14="http://schemas.microsoft.com/office/powerpoint/2010/main" xmlns:p15="http://schemas.microsoft.com/office/powerpoint/2012/main" xmlns:mc="http://schemas.openxmlformats.org/markup-compatibility/2006" type="twoObj" preserve="1">
   <p:cSld name="Title, 2 Content">
@@ -5973,6 +6317,1319 @@
           <a:xfrm>
             <a:off x="5152680" y="1768680"/>
             <a:ext cx="4426920" cy="4384080"/>
+          </a:xfrm>
+          <a:prstGeom prst="rect">
+            <a:avLst/>
+          </a:prstGeom>
+          <a:noFill/>
+          <a:ln w="0">
+            <a:noFill/>
+          </a:ln>
+        </p:spPr>
+        <p:txBody>
+          <a:bodyPr lIns="0" rIns="0" tIns="0" bIns="0" anchor="t">
+            <a:normAutofit/>
+          </a:bodyPr>
+          <a:p>
+            <a:endParaRPr b="0" lang="pt-BR" sz="3200" spc="-1" strike="noStrike">
+              <a:latin typeface="Arial"/>
+            </a:endParaRPr>
+          </a:p>
+        </p:txBody>
+      </p:sp>
+    </p:spTree>
+  </p:cSld>
+</p:sldLayout>
+</file>
+
+<file path=ppt/slideLayouts/slideLayout40.xml><?xml version="1.0" encoding="utf-8"?>
+<p:sldLayout xmlns:a="http://schemas.openxmlformats.org/drawingml/2006/main" xmlns:p="http://schemas.openxmlformats.org/presentationml/2006/main" xmlns:r="http://schemas.openxmlformats.org/officeDocument/2006/relationships" xmlns:p14="http://schemas.microsoft.com/office/powerpoint/2010/main" xmlns:p15="http://schemas.microsoft.com/office/powerpoint/2012/main" xmlns:mc="http://schemas.openxmlformats.org/markup-compatibility/2006" type="twoObj" preserve="1">
+  <p:cSld name="Title, 2 Content">
+    <p:spTree>
+      <p:nvGrpSpPr>
+        <p:cNvPr id="1" name=""/>
+        <p:cNvGrpSpPr/>
+        <p:nvPr/>
+      </p:nvGrpSpPr>
+      <p:grpSpPr>
+        <a:xfrm>
+          <a:off x="0" y="0"/>
+          <a:ext cx="0" cy="0"/>
+          <a:chOff x="0" y="0"/>
+          <a:chExt cx="0" cy="0"/>
+        </a:xfrm>
+      </p:grpSpPr>
+      <p:sp>
+        <p:nvSpPr>
+          <p:cNvPr id="133" name="PlaceHolder 1"/>
+          <p:cNvSpPr>
+            <a:spLocks noGrp="1"/>
+          </p:cNvSpPr>
+          <p:nvPr>
+            <p:ph type="title"/>
+          </p:nvPr>
+        </p:nvSpPr>
+        <p:spPr>
+          <a:xfrm>
+            <a:off x="504000" y="301320"/>
+            <a:ext cx="9072000" cy="1261800"/>
+          </a:xfrm>
+          <a:prstGeom prst="rect">
+            <a:avLst/>
+          </a:prstGeom>
+          <a:noFill/>
+          <a:ln w="0">
+            <a:noFill/>
+          </a:ln>
+        </p:spPr>
+        <p:txBody>
+          <a:bodyPr lIns="0" rIns="0" tIns="0" bIns="0" anchor="ctr">
+            <a:noAutofit/>
+          </a:bodyPr>
+          <a:p>
+            <a:pPr algn="ctr">
+              <a:buNone/>
+            </a:pPr>
+            <a:endParaRPr b="0" lang="pt-BR" sz="4400" spc="-1" strike="noStrike">
+              <a:latin typeface="Arial"/>
+            </a:endParaRPr>
+          </a:p>
+        </p:txBody>
+      </p:sp>
+      <p:sp>
+        <p:nvSpPr>
+          <p:cNvPr id="134" name="PlaceHolder 2"/>
+          <p:cNvSpPr>
+            <a:spLocks noGrp="1"/>
+          </p:cNvSpPr>
+          <p:nvPr>
+            <p:ph/>
+          </p:nvPr>
+        </p:nvSpPr>
+        <p:spPr>
+          <a:xfrm>
+            <a:off x="504000" y="1768680"/>
+            <a:ext cx="4426920" cy="4384080"/>
+          </a:xfrm>
+          <a:prstGeom prst="rect">
+            <a:avLst/>
+          </a:prstGeom>
+          <a:noFill/>
+          <a:ln w="0">
+            <a:noFill/>
+          </a:ln>
+        </p:spPr>
+        <p:txBody>
+          <a:bodyPr lIns="0" rIns="0" tIns="0" bIns="0" anchor="t">
+            <a:normAutofit/>
+          </a:bodyPr>
+          <a:p>
+            <a:endParaRPr b="0" lang="pt-BR" sz="3200" spc="-1" strike="noStrike">
+              <a:latin typeface="Arial"/>
+            </a:endParaRPr>
+          </a:p>
+        </p:txBody>
+      </p:sp>
+      <p:sp>
+        <p:nvSpPr>
+          <p:cNvPr id="135" name="PlaceHolder 3"/>
+          <p:cNvSpPr>
+            <a:spLocks noGrp="1"/>
+          </p:cNvSpPr>
+          <p:nvPr>
+            <p:ph/>
+          </p:nvPr>
+        </p:nvSpPr>
+        <p:spPr>
+          <a:xfrm>
+            <a:off x="5152680" y="1768680"/>
+            <a:ext cx="4426920" cy="4384080"/>
+          </a:xfrm>
+          <a:prstGeom prst="rect">
+            <a:avLst/>
+          </a:prstGeom>
+          <a:noFill/>
+          <a:ln w="0">
+            <a:noFill/>
+          </a:ln>
+        </p:spPr>
+        <p:txBody>
+          <a:bodyPr lIns="0" rIns="0" tIns="0" bIns="0" anchor="t">
+            <a:normAutofit/>
+          </a:bodyPr>
+          <a:p>
+            <a:endParaRPr b="0" lang="pt-BR" sz="3200" spc="-1" strike="noStrike">
+              <a:latin typeface="Arial"/>
+            </a:endParaRPr>
+          </a:p>
+        </p:txBody>
+      </p:sp>
+    </p:spTree>
+  </p:cSld>
+</p:sldLayout>
+</file>
+
+<file path=ppt/slideLayouts/slideLayout41.xml><?xml version="1.0" encoding="utf-8"?>
+<p:sldLayout xmlns:a="http://schemas.openxmlformats.org/drawingml/2006/main" xmlns:p="http://schemas.openxmlformats.org/presentationml/2006/main" xmlns:r="http://schemas.openxmlformats.org/officeDocument/2006/relationships" xmlns:p14="http://schemas.microsoft.com/office/powerpoint/2010/main" xmlns:p15="http://schemas.microsoft.com/office/powerpoint/2012/main" xmlns:mc="http://schemas.openxmlformats.org/markup-compatibility/2006" type="titleOnly" preserve="1">
+  <p:cSld name="Title Only">
+    <p:spTree>
+      <p:nvGrpSpPr>
+        <p:cNvPr id="1" name=""/>
+        <p:cNvGrpSpPr/>
+        <p:nvPr/>
+      </p:nvGrpSpPr>
+      <p:grpSpPr>
+        <a:xfrm>
+          <a:off x="0" y="0"/>
+          <a:ext cx="0" cy="0"/>
+          <a:chOff x="0" y="0"/>
+          <a:chExt cx="0" cy="0"/>
+        </a:xfrm>
+      </p:grpSpPr>
+      <p:sp>
+        <p:nvSpPr>
+          <p:cNvPr id="136" name="PlaceHolder 1"/>
+          <p:cNvSpPr>
+            <a:spLocks noGrp="1"/>
+          </p:cNvSpPr>
+          <p:nvPr>
+            <p:ph type="title"/>
+          </p:nvPr>
+        </p:nvSpPr>
+        <p:spPr>
+          <a:xfrm>
+            <a:off x="504000" y="301320"/>
+            <a:ext cx="9072000" cy="1261800"/>
+          </a:xfrm>
+          <a:prstGeom prst="rect">
+            <a:avLst/>
+          </a:prstGeom>
+          <a:noFill/>
+          <a:ln w="0">
+            <a:noFill/>
+          </a:ln>
+        </p:spPr>
+        <p:txBody>
+          <a:bodyPr lIns="0" rIns="0" tIns="0" bIns="0" anchor="ctr">
+            <a:noAutofit/>
+          </a:bodyPr>
+          <a:p>
+            <a:pPr algn="ctr">
+              <a:buNone/>
+            </a:pPr>
+            <a:endParaRPr b="0" lang="pt-BR" sz="4400" spc="-1" strike="noStrike">
+              <a:latin typeface="Arial"/>
+            </a:endParaRPr>
+          </a:p>
+        </p:txBody>
+      </p:sp>
+    </p:spTree>
+  </p:cSld>
+</p:sldLayout>
+</file>
+
+<file path=ppt/slideLayouts/slideLayout42.xml><?xml version="1.0" encoding="utf-8"?>
+<p:sldLayout xmlns:a="http://schemas.openxmlformats.org/drawingml/2006/main" xmlns:p="http://schemas.openxmlformats.org/presentationml/2006/main" xmlns:r="http://schemas.openxmlformats.org/officeDocument/2006/relationships" xmlns:p14="http://schemas.microsoft.com/office/powerpoint/2010/main" xmlns:p15="http://schemas.microsoft.com/office/powerpoint/2012/main" xmlns:mc="http://schemas.openxmlformats.org/markup-compatibility/2006" type="objOnly" preserve="1">
+  <p:cSld name="Centered Text">
+    <p:spTree>
+      <p:nvGrpSpPr>
+        <p:cNvPr id="1" name=""/>
+        <p:cNvGrpSpPr/>
+        <p:nvPr/>
+      </p:nvGrpSpPr>
+      <p:grpSpPr>
+        <a:xfrm>
+          <a:off x="0" y="0"/>
+          <a:ext cx="0" cy="0"/>
+          <a:chOff x="0" y="0"/>
+          <a:chExt cx="0" cy="0"/>
+        </a:xfrm>
+      </p:grpSpPr>
+      <p:sp>
+        <p:nvSpPr>
+          <p:cNvPr id="137" name="PlaceHolder 1"/>
+          <p:cNvSpPr>
+            <a:spLocks noGrp="1"/>
+          </p:cNvSpPr>
+          <p:nvPr>
+            <p:ph type="subTitle"/>
+          </p:nvPr>
+        </p:nvSpPr>
+        <p:spPr>
+          <a:xfrm>
+            <a:off x="504000" y="301320"/>
+            <a:ext cx="9072000" cy="5850360"/>
+          </a:xfrm>
+          <a:prstGeom prst="rect">
+            <a:avLst/>
+          </a:prstGeom>
+          <a:noFill/>
+          <a:ln w="0">
+            <a:noFill/>
+          </a:ln>
+        </p:spPr>
+        <p:txBody>
+          <a:bodyPr lIns="0" rIns="0" tIns="0" bIns="0" anchor="ctr">
+            <a:noAutofit/>
+          </a:bodyPr>
+          <a:p>
+            <a:pPr algn="ctr">
+              <a:buNone/>
+            </a:pPr>
+            <a:endParaRPr b="0" lang="pt-BR" sz="3200" spc="-1" strike="noStrike">
+              <a:latin typeface="Arial"/>
+            </a:endParaRPr>
+          </a:p>
+        </p:txBody>
+      </p:sp>
+    </p:spTree>
+  </p:cSld>
+</p:sldLayout>
+</file>
+
+<file path=ppt/slideLayouts/slideLayout43.xml><?xml version="1.0" encoding="utf-8"?>
+<p:sldLayout xmlns:a="http://schemas.openxmlformats.org/drawingml/2006/main" xmlns:p="http://schemas.openxmlformats.org/presentationml/2006/main" xmlns:r="http://schemas.openxmlformats.org/officeDocument/2006/relationships" xmlns:p14="http://schemas.microsoft.com/office/powerpoint/2010/main" xmlns:p15="http://schemas.microsoft.com/office/powerpoint/2012/main" xmlns:mc="http://schemas.openxmlformats.org/markup-compatibility/2006" type="twoObjAndObj" preserve="1">
+  <p:cSld name="Title, 2 Content and Content">
+    <p:spTree>
+      <p:nvGrpSpPr>
+        <p:cNvPr id="1" name=""/>
+        <p:cNvGrpSpPr/>
+        <p:nvPr/>
+      </p:nvGrpSpPr>
+      <p:grpSpPr>
+        <a:xfrm>
+          <a:off x="0" y="0"/>
+          <a:ext cx="0" cy="0"/>
+          <a:chOff x="0" y="0"/>
+          <a:chExt cx="0" cy="0"/>
+        </a:xfrm>
+      </p:grpSpPr>
+      <p:sp>
+        <p:nvSpPr>
+          <p:cNvPr id="138" name="PlaceHolder 1"/>
+          <p:cNvSpPr>
+            <a:spLocks noGrp="1"/>
+          </p:cNvSpPr>
+          <p:nvPr>
+            <p:ph type="title"/>
+          </p:nvPr>
+        </p:nvSpPr>
+        <p:spPr>
+          <a:xfrm>
+            <a:off x="504000" y="301320"/>
+            <a:ext cx="9072000" cy="1261800"/>
+          </a:xfrm>
+          <a:prstGeom prst="rect">
+            <a:avLst/>
+          </a:prstGeom>
+          <a:noFill/>
+          <a:ln w="0">
+            <a:noFill/>
+          </a:ln>
+        </p:spPr>
+        <p:txBody>
+          <a:bodyPr lIns="0" rIns="0" tIns="0" bIns="0" anchor="ctr">
+            <a:noAutofit/>
+          </a:bodyPr>
+          <a:p>
+            <a:pPr algn="ctr">
+              <a:buNone/>
+            </a:pPr>
+            <a:endParaRPr b="0" lang="pt-BR" sz="4400" spc="-1" strike="noStrike">
+              <a:latin typeface="Arial"/>
+            </a:endParaRPr>
+          </a:p>
+        </p:txBody>
+      </p:sp>
+      <p:sp>
+        <p:nvSpPr>
+          <p:cNvPr id="139" name="PlaceHolder 2"/>
+          <p:cNvSpPr>
+            <a:spLocks noGrp="1"/>
+          </p:cNvSpPr>
+          <p:nvPr>
+            <p:ph/>
+          </p:nvPr>
+        </p:nvSpPr>
+        <p:spPr>
+          <a:xfrm>
+            <a:off x="504000" y="1768680"/>
+            <a:ext cx="4426920" cy="2090880"/>
+          </a:xfrm>
+          <a:prstGeom prst="rect">
+            <a:avLst/>
+          </a:prstGeom>
+          <a:noFill/>
+          <a:ln w="0">
+            <a:noFill/>
+          </a:ln>
+        </p:spPr>
+        <p:txBody>
+          <a:bodyPr lIns="0" rIns="0" tIns="0" bIns="0" anchor="t">
+            <a:normAutofit/>
+          </a:bodyPr>
+          <a:p>
+            <a:endParaRPr b="0" lang="pt-BR" sz="3200" spc="-1" strike="noStrike">
+              <a:latin typeface="Arial"/>
+            </a:endParaRPr>
+          </a:p>
+        </p:txBody>
+      </p:sp>
+      <p:sp>
+        <p:nvSpPr>
+          <p:cNvPr id="140" name="PlaceHolder 3"/>
+          <p:cNvSpPr>
+            <a:spLocks noGrp="1"/>
+          </p:cNvSpPr>
+          <p:nvPr>
+            <p:ph/>
+          </p:nvPr>
+        </p:nvSpPr>
+        <p:spPr>
+          <a:xfrm>
+            <a:off x="5152680" y="1768680"/>
+            <a:ext cx="4426920" cy="4384080"/>
+          </a:xfrm>
+          <a:prstGeom prst="rect">
+            <a:avLst/>
+          </a:prstGeom>
+          <a:noFill/>
+          <a:ln w="0">
+            <a:noFill/>
+          </a:ln>
+        </p:spPr>
+        <p:txBody>
+          <a:bodyPr lIns="0" rIns="0" tIns="0" bIns="0" anchor="t">
+            <a:normAutofit/>
+          </a:bodyPr>
+          <a:p>
+            <a:endParaRPr b="0" lang="pt-BR" sz="3200" spc="-1" strike="noStrike">
+              <a:latin typeface="Arial"/>
+            </a:endParaRPr>
+          </a:p>
+        </p:txBody>
+      </p:sp>
+      <p:sp>
+        <p:nvSpPr>
+          <p:cNvPr id="141" name="PlaceHolder 4"/>
+          <p:cNvSpPr>
+            <a:spLocks noGrp="1"/>
+          </p:cNvSpPr>
+          <p:nvPr>
+            <p:ph/>
+          </p:nvPr>
+        </p:nvSpPr>
+        <p:spPr>
+          <a:xfrm>
+            <a:off x="504000" y="4058640"/>
+            <a:ext cx="4426920" cy="2090880"/>
+          </a:xfrm>
+          <a:prstGeom prst="rect">
+            <a:avLst/>
+          </a:prstGeom>
+          <a:noFill/>
+          <a:ln w="0">
+            <a:noFill/>
+          </a:ln>
+        </p:spPr>
+        <p:txBody>
+          <a:bodyPr lIns="0" rIns="0" tIns="0" bIns="0" anchor="t">
+            <a:normAutofit/>
+          </a:bodyPr>
+          <a:p>
+            <a:endParaRPr b="0" lang="pt-BR" sz="3200" spc="-1" strike="noStrike">
+              <a:latin typeface="Arial"/>
+            </a:endParaRPr>
+          </a:p>
+        </p:txBody>
+      </p:sp>
+    </p:spTree>
+  </p:cSld>
+</p:sldLayout>
+</file>
+
+<file path=ppt/slideLayouts/slideLayout44.xml><?xml version="1.0" encoding="utf-8"?>
+<p:sldLayout xmlns:a="http://schemas.openxmlformats.org/drawingml/2006/main" xmlns:p="http://schemas.openxmlformats.org/presentationml/2006/main" xmlns:r="http://schemas.openxmlformats.org/officeDocument/2006/relationships" xmlns:p14="http://schemas.microsoft.com/office/powerpoint/2010/main" xmlns:p15="http://schemas.microsoft.com/office/powerpoint/2012/main" xmlns:mc="http://schemas.openxmlformats.org/markup-compatibility/2006" type="objAndTwoObj" preserve="1">
+  <p:cSld name="Title Content and 2 Content">
+    <p:spTree>
+      <p:nvGrpSpPr>
+        <p:cNvPr id="1" name=""/>
+        <p:cNvGrpSpPr/>
+        <p:nvPr/>
+      </p:nvGrpSpPr>
+      <p:grpSpPr>
+        <a:xfrm>
+          <a:off x="0" y="0"/>
+          <a:ext cx="0" cy="0"/>
+          <a:chOff x="0" y="0"/>
+          <a:chExt cx="0" cy="0"/>
+        </a:xfrm>
+      </p:grpSpPr>
+      <p:sp>
+        <p:nvSpPr>
+          <p:cNvPr id="142" name="PlaceHolder 1"/>
+          <p:cNvSpPr>
+            <a:spLocks noGrp="1"/>
+          </p:cNvSpPr>
+          <p:nvPr>
+            <p:ph type="title"/>
+          </p:nvPr>
+        </p:nvSpPr>
+        <p:spPr>
+          <a:xfrm>
+            <a:off x="504000" y="301320"/>
+            <a:ext cx="9072000" cy="1261800"/>
+          </a:xfrm>
+          <a:prstGeom prst="rect">
+            <a:avLst/>
+          </a:prstGeom>
+          <a:noFill/>
+          <a:ln w="0">
+            <a:noFill/>
+          </a:ln>
+        </p:spPr>
+        <p:txBody>
+          <a:bodyPr lIns="0" rIns="0" tIns="0" bIns="0" anchor="ctr">
+            <a:noAutofit/>
+          </a:bodyPr>
+          <a:p>
+            <a:pPr algn="ctr">
+              <a:buNone/>
+            </a:pPr>
+            <a:endParaRPr b="0" lang="pt-BR" sz="4400" spc="-1" strike="noStrike">
+              <a:latin typeface="Arial"/>
+            </a:endParaRPr>
+          </a:p>
+        </p:txBody>
+      </p:sp>
+      <p:sp>
+        <p:nvSpPr>
+          <p:cNvPr id="143" name="PlaceHolder 2"/>
+          <p:cNvSpPr>
+            <a:spLocks noGrp="1"/>
+          </p:cNvSpPr>
+          <p:nvPr>
+            <p:ph/>
+          </p:nvPr>
+        </p:nvSpPr>
+        <p:spPr>
+          <a:xfrm>
+            <a:off x="504000" y="1768680"/>
+            <a:ext cx="4426920" cy="4384080"/>
+          </a:xfrm>
+          <a:prstGeom prst="rect">
+            <a:avLst/>
+          </a:prstGeom>
+          <a:noFill/>
+          <a:ln w="0">
+            <a:noFill/>
+          </a:ln>
+        </p:spPr>
+        <p:txBody>
+          <a:bodyPr lIns="0" rIns="0" tIns="0" bIns="0" anchor="t">
+            <a:normAutofit/>
+          </a:bodyPr>
+          <a:p>
+            <a:endParaRPr b="0" lang="pt-BR" sz="3200" spc="-1" strike="noStrike">
+              <a:latin typeface="Arial"/>
+            </a:endParaRPr>
+          </a:p>
+        </p:txBody>
+      </p:sp>
+      <p:sp>
+        <p:nvSpPr>
+          <p:cNvPr id="144" name="PlaceHolder 3"/>
+          <p:cNvSpPr>
+            <a:spLocks noGrp="1"/>
+          </p:cNvSpPr>
+          <p:nvPr>
+            <p:ph/>
+          </p:nvPr>
+        </p:nvSpPr>
+        <p:spPr>
+          <a:xfrm>
+            <a:off x="5152680" y="1768680"/>
+            <a:ext cx="4426920" cy="2090880"/>
+          </a:xfrm>
+          <a:prstGeom prst="rect">
+            <a:avLst/>
+          </a:prstGeom>
+          <a:noFill/>
+          <a:ln w="0">
+            <a:noFill/>
+          </a:ln>
+        </p:spPr>
+        <p:txBody>
+          <a:bodyPr lIns="0" rIns="0" tIns="0" bIns="0" anchor="t">
+            <a:normAutofit/>
+          </a:bodyPr>
+          <a:p>
+            <a:endParaRPr b="0" lang="pt-BR" sz="3200" spc="-1" strike="noStrike">
+              <a:latin typeface="Arial"/>
+            </a:endParaRPr>
+          </a:p>
+        </p:txBody>
+      </p:sp>
+      <p:sp>
+        <p:nvSpPr>
+          <p:cNvPr id="145" name="PlaceHolder 4"/>
+          <p:cNvSpPr>
+            <a:spLocks noGrp="1"/>
+          </p:cNvSpPr>
+          <p:nvPr>
+            <p:ph/>
+          </p:nvPr>
+        </p:nvSpPr>
+        <p:spPr>
+          <a:xfrm>
+            <a:off x="5152680" y="4058640"/>
+            <a:ext cx="4426920" cy="2090880"/>
+          </a:xfrm>
+          <a:prstGeom prst="rect">
+            <a:avLst/>
+          </a:prstGeom>
+          <a:noFill/>
+          <a:ln w="0">
+            <a:noFill/>
+          </a:ln>
+        </p:spPr>
+        <p:txBody>
+          <a:bodyPr lIns="0" rIns="0" tIns="0" bIns="0" anchor="t">
+            <a:normAutofit/>
+          </a:bodyPr>
+          <a:p>
+            <a:endParaRPr b="0" lang="pt-BR" sz="3200" spc="-1" strike="noStrike">
+              <a:latin typeface="Arial"/>
+            </a:endParaRPr>
+          </a:p>
+        </p:txBody>
+      </p:sp>
+    </p:spTree>
+  </p:cSld>
+</p:sldLayout>
+</file>
+
+<file path=ppt/slideLayouts/slideLayout45.xml><?xml version="1.0" encoding="utf-8"?>
+<p:sldLayout xmlns:a="http://schemas.openxmlformats.org/drawingml/2006/main" xmlns:p="http://schemas.openxmlformats.org/presentationml/2006/main" xmlns:r="http://schemas.openxmlformats.org/officeDocument/2006/relationships" xmlns:p14="http://schemas.microsoft.com/office/powerpoint/2010/main" xmlns:p15="http://schemas.microsoft.com/office/powerpoint/2012/main" xmlns:mc="http://schemas.openxmlformats.org/markup-compatibility/2006" type="twoObjOverTx" preserve="1">
+  <p:cSld name="Title, 2 Content over Content">
+    <p:spTree>
+      <p:nvGrpSpPr>
+        <p:cNvPr id="1" name=""/>
+        <p:cNvGrpSpPr/>
+        <p:nvPr/>
+      </p:nvGrpSpPr>
+      <p:grpSpPr>
+        <a:xfrm>
+          <a:off x="0" y="0"/>
+          <a:ext cx="0" cy="0"/>
+          <a:chOff x="0" y="0"/>
+          <a:chExt cx="0" cy="0"/>
+        </a:xfrm>
+      </p:grpSpPr>
+      <p:sp>
+        <p:nvSpPr>
+          <p:cNvPr id="146" name="PlaceHolder 1"/>
+          <p:cNvSpPr>
+            <a:spLocks noGrp="1"/>
+          </p:cNvSpPr>
+          <p:nvPr>
+            <p:ph type="title"/>
+          </p:nvPr>
+        </p:nvSpPr>
+        <p:spPr>
+          <a:xfrm>
+            <a:off x="504000" y="301320"/>
+            <a:ext cx="9072000" cy="1261800"/>
+          </a:xfrm>
+          <a:prstGeom prst="rect">
+            <a:avLst/>
+          </a:prstGeom>
+          <a:noFill/>
+          <a:ln w="0">
+            <a:noFill/>
+          </a:ln>
+        </p:spPr>
+        <p:txBody>
+          <a:bodyPr lIns="0" rIns="0" tIns="0" bIns="0" anchor="ctr">
+            <a:noAutofit/>
+          </a:bodyPr>
+          <a:p>
+            <a:pPr algn="ctr">
+              <a:buNone/>
+            </a:pPr>
+            <a:endParaRPr b="0" lang="pt-BR" sz="4400" spc="-1" strike="noStrike">
+              <a:latin typeface="Arial"/>
+            </a:endParaRPr>
+          </a:p>
+        </p:txBody>
+      </p:sp>
+      <p:sp>
+        <p:nvSpPr>
+          <p:cNvPr id="147" name="PlaceHolder 2"/>
+          <p:cNvSpPr>
+            <a:spLocks noGrp="1"/>
+          </p:cNvSpPr>
+          <p:nvPr>
+            <p:ph/>
+          </p:nvPr>
+        </p:nvSpPr>
+        <p:spPr>
+          <a:xfrm>
+            <a:off x="504000" y="1768680"/>
+            <a:ext cx="4426920" cy="2090880"/>
+          </a:xfrm>
+          <a:prstGeom prst="rect">
+            <a:avLst/>
+          </a:prstGeom>
+          <a:noFill/>
+          <a:ln w="0">
+            <a:noFill/>
+          </a:ln>
+        </p:spPr>
+        <p:txBody>
+          <a:bodyPr lIns="0" rIns="0" tIns="0" bIns="0" anchor="t">
+            <a:normAutofit/>
+          </a:bodyPr>
+          <a:p>
+            <a:endParaRPr b="0" lang="pt-BR" sz="3200" spc="-1" strike="noStrike">
+              <a:latin typeface="Arial"/>
+            </a:endParaRPr>
+          </a:p>
+        </p:txBody>
+      </p:sp>
+      <p:sp>
+        <p:nvSpPr>
+          <p:cNvPr id="148" name="PlaceHolder 3"/>
+          <p:cNvSpPr>
+            <a:spLocks noGrp="1"/>
+          </p:cNvSpPr>
+          <p:nvPr>
+            <p:ph/>
+          </p:nvPr>
+        </p:nvSpPr>
+        <p:spPr>
+          <a:xfrm>
+            <a:off x="5152680" y="1768680"/>
+            <a:ext cx="4426920" cy="2090880"/>
+          </a:xfrm>
+          <a:prstGeom prst="rect">
+            <a:avLst/>
+          </a:prstGeom>
+          <a:noFill/>
+          <a:ln w="0">
+            <a:noFill/>
+          </a:ln>
+        </p:spPr>
+        <p:txBody>
+          <a:bodyPr lIns="0" rIns="0" tIns="0" bIns="0" anchor="t">
+            <a:normAutofit/>
+          </a:bodyPr>
+          <a:p>
+            <a:endParaRPr b="0" lang="pt-BR" sz="3200" spc="-1" strike="noStrike">
+              <a:latin typeface="Arial"/>
+            </a:endParaRPr>
+          </a:p>
+        </p:txBody>
+      </p:sp>
+      <p:sp>
+        <p:nvSpPr>
+          <p:cNvPr id="149" name="PlaceHolder 4"/>
+          <p:cNvSpPr>
+            <a:spLocks noGrp="1"/>
+          </p:cNvSpPr>
+          <p:nvPr>
+            <p:ph/>
+          </p:nvPr>
+        </p:nvSpPr>
+        <p:spPr>
+          <a:xfrm>
+            <a:off x="504000" y="4058640"/>
+            <a:ext cx="9072000" cy="2090880"/>
+          </a:xfrm>
+          <a:prstGeom prst="rect">
+            <a:avLst/>
+          </a:prstGeom>
+          <a:noFill/>
+          <a:ln w="0">
+            <a:noFill/>
+          </a:ln>
+        </p:spPr>
+        <p:txBody>
+          <a:bodyPr lIns="0" rIns="0" tIns="0" bIns="0" anchor="t">
+            <a:normAutofit/>
+          </a:bodyPr>
+          <a:p>
+            <a:endParaRPr b="0" lang="pt-BR" sz="3200" spc="-1" strike="noStrike">
+              <a:latin typeface="Arial"/>
+            </a:endParaRPr>
+          </a:p>
+        </p:txBody>
+      </p:sp>
+    </p:spTree>
+  </p:cSld>
+</p:sldLayout>
+</file>
+
+<file path=ppt/slideLayouts/slideLayout46.xml><?xml version="1.0" encoding="utf-8"?>
+<p:sldLayout xmlns:a="http://schemas.openxmlformats.org/drawingml/2006/main" xmlns:p="http://schemas.openxmlformats.org/presentationml/2006/main" xmlns:r="http://schemas.openxmlformats.org/officeDocument/2006/relationships" xmlns:p14="http://schemas.microsoft.com/office/powerpoint/2010/main" xmlns:p15="http://schemas.microsoft.com/office/powerpoint/2012/main" xmlns:mc="http://schemas.openxmlformats.org/markup-compatibility/2006" type="objOverTx" preserve="1">
+  <p:cSld name="Title, Content over Content">
+    <p:spTree>
+      <p:nvGrpSpPr>
+        <p:cNvPr id="1" name=""/>
+        <p:cNvGrpSpPr/>
+        <p:nvPr/>
+      </p:nvGrpSpPr>
+      <p:grpSpPr>
+        <a:xfrm>
+          <a:off x="0" y="0"/>
+          <a:ext cx="0" cy="0"/>
+          <a:chOff x="0" y="0"/>
+          <a:chExt cx="0" cy="0"/>
+        </a:xfrm>
+      </p:grpSpPr>
+      <p:sp>
+        <p:nvSpPr>
+          <p:cNvPr id="150" name="PlaceHolder 1"/>
+          <p:cNvSpPr>
+            <a:spLocks noGrp="1"/>
+          </p:cNvSpPr>
+          <p:nvPr>
+            <p:ph type="title"/>
+          </p:nvPr>
+        </p:nvSpPr>
+        <p:spPr>
+          <a:xfrm>
+            <a:off x="504000" y="301320"/>
+            <a:ext cx="9072000" cy="1261800"/>
+          </a:xfrm>
+          <a:prstGeom prst="rect">
+            <a:avLst/>
+          </a:prstGeom>
+          <a:noFill/>
+          <a:ln w="0">
+            <a:noFill/>
+          </a:ln>
+        </p:spPr>
+        <p:txBody>
+          <a:bodyPr lIns="0" rIns="0" tIns="0" bIns="0" anchor="ctr">
+            <a:noAutofit/>
+          </a:bodyPr>
+          <a:p>
+            <a:pPr algn="ctr">
+              <a:buNone/>
+            </a:pPr>
+            <a:endParaRPr b="0" lang="pt-BR" sz="4400" spc="-1" strike="noStrike">
+              <a:latin typeface="Arial"/>
+            </a:endParaRPr>
+          </a:p>
+        </p:txBody>
+      </p:sp>
+      <p:sp>
+        <p:nvSpPr>
+          <p:cNvPr id="151" name="PlaceHolder 2"/>
+          <p:cNvSpPr>
+            <a:spLocks noGrp="1"/>
+          </p:cNvSpPr>
+          <p:nvPr>
+            <p:ph/>
+          </p:nvPr>
+        </p:nvSpPr>
+        <p:spPr>
+          <a:xfrm>
+            <a:off x="504000" y="1768680"/>
+            <a:ext cx="9072000" cy="2090880"/>
+          </a:xfrm>
+          <a:prstGeom prst="rect">
+            <a:avLst/>
+          </a:prstGeom>
+          <a:noFill/>
+          <a:ln w="0">
+            <a:noFill/>
+          </a:ln>
+        </p:spPr>
+        <p:txBody>
+          <a:bodyPr lIns="0" rIns="0" tIns="0" bIns="0" anchor="t">
+            <a:normAutofit/>
+          </a:bodyPr>
+          <a:p>
+            <a:endParaRPr b="0" lang="pt-BR" sz="3200" spc="-1" strike="noStrike">
+              <a:latin typeface="Arial"/>
+            </a:endParaRPr>
+          </a:p>
+        </p:txBody>
+      </p:sp>
+      <p:sp>
+        <p:nvSpPr>
+          <p:cNvPr id="152" name="PlaceHolder 3"/>
+          <p:cNvSpPr>
+            <a:spLocks noGrp="1"/>
+          </p:cNvSpPr>
+          <p:nvPr>
+            <p:ph/>
+          </p:nvPr>
+        </p:nvSpPr>
+        <p:spPr>
+          <a:xfrm>
+            <a:off x="504000" y="4058640"/>
+            <a:ext cx="9072000" cy="2090880"/>
+          </a:xfrm>
+          <a:prstGeom prst="rect">
+            <a:avLst/>
+          </a:prstGeom>
+          <a:noFill/>
+          <a:ln w="0">
+            <a:noFill/>
+          </a:ln>
+        </p:spPr>
+        <p:txBody>
+          <a:bodyPr lIns="0" rIns="0" tIns="0" bIns="0" anchor="t">
+            <a:normAutofit/>
+          </a:bodyPr>
+          <a:p>
+            <a:endParaRPr b="0" lang="pt-BR" sz="3200" spc="-1" strike="noStrike">
+              <a:latin typeface="Arial"/>
+            </a:endParaRPr>
+          </a:p>
+        </p:txBody>
+      </p:sp>
+    </p:spTree>
+  </p:cSld>
+</p:sldLayout>
+</file>
+
+<file path=ppt/slideLayouts/slideLayout47.xml><?xml version="1.0" encoding="utf-8"?>
+<p:sldLayout xmlns:a="http://schemas.openxmlformats.org/drawingml/2006/main" xmlns:p="http://schemas.openxmlformats.org/presentationml/2006/main" xmlns:r="http://schemas.openxmlformats.org/officeDocument/2006/relationships" xmlns:p14="http://schemas.microsoft.com/office/powerpoint/2010/main" xmlns:p15="http://schemas.microsoft.com/office/powerpoint/2012/main" xmlns:mc="http://schemas.openxmlformats.org/markup-compatibility/2006" type="fourObj" preserve="1">
+  <p:cSld name="Title, 4 Content">
+    <p:spTree>
+      <p:nvGrpSpPr>
+        <p:cNvPr id="1" name=""/>
+        <p:cNvGrpSpPr/>
+        <p:nvPr/>
+      </p:nvGrpSpPr>
+      <p:grpSpPr>
+        <a:xfrm>
+          <a:off x="0" y="0"/>
+          <a:ext cx="0" cy="0"/>
+          <a:chOff x="0" y="0"/>
+          <a:chExt cx="0" cy="0"/>
+        </a:xfrm>
+      </p:grpSpPr>
+      <p:sp>
+        <p:nvSpPr>
+          <p:cNvPr id="153" name="PlaceHolder 1"/>
+          <p:cNvSpPr>
+            <a:spLocks noGrp="1"/>
+          </p:cNvSpPr>
+          <p:nvPr>
+            <p:ph type="title"/>
+          </p:nvPr>
+        </p:nvSpPr>
+        <p:spPr>
+          <a:xfrm>
+            <a:off x="504000" y="301320"/>
+            <a:ext cx="9072000" cy="1261800"/>
+          </a:xfrm>
+          <a:prstGeom prst="rect">
+            <a:avLst/>
+          </a:prstGeom>
+          <a:noFill/>
+          <a:ln w="0">
+            <a:noFill/>
+          </a:ln>
+        </p:spPr>
+        <p:txBody>
+          <a:bodyPr lIns="0" rIns="0" tIns="0" bIns="0" anchor="ctr">
+            <a:noAutofit/>
+          </a:bodyPr>
+          <a:p>
+            <a:pPr algn="ctr">
+              <a:buNone/>
+            </a:pPr>
+            <a:endParaRPr b="0" lang="pt-BR" sz="4400" spc="-1" strike="noStrike">
+              <a:latin typeface="Arial"/>
+            </a:endParaRPr>
+          </a:p>
+        </p:txBody>
+      </p:sp>
+      <p:sp>
+        <p:nvSpPr>
+          <p:cNvPr id="154" name="PlaceHolder 2"/>
+          <p:cNvSpPr>
+            <a:spLocks noGrp="1"/>
+          </p:cNvSpPr>
+          <p:nvPr>
+            <p:ph/>
+          </p:nvPr>
+        </p:nvSpPr>
+        <p:spPr>
+          <a:xfrm>
+            <a:off x="504000" y="1768680"/>
+            <a:ext cx="4426920" cy="2090880"/>
+          </a:xfrm>
+          <a:prstGeom prst="rect">
+            <a:avLst/>
+          </a:prstGeom>
+          <a:noFill/>
+          <a:ln w="0">
+            <a:noFill/>
+          </a:ln>
+        </p:spPr>
+        <p:txBody>
+          <a:bodyPr lIns="0" rIns="0" tIns="0" bIns="0" anchor="t">
+            <a:normAutofit/>
+          </a:bodyPr>
+          <a:p>
+            <a:endParaRPr b="0" lang="pt-BR" sz="3200" spc="-1" strike="noStrike">
+              <a:latin typeface="Arial"/>
+            </a:endParaRPr>
+          </a:p>
+        </p:txBody>
+      </p:sp>
+      <p:sp>
+        <p:nvSpPr>
+          <p:cNvPr id="155" name="PlaceHolder 3"/>
+          <p:cNvSpPr>
+            <a:spLocks noGrp="1"/>
+          </p:cNvSpPr>
+          <p:nvPr>
+            <p:ph/>
+          </p:nvPr>
+        </p:nvSpPr>
+        <p:spPr>
+          <a:xfrm>
+            <a:off x="5152680" y="1768680"/>
+            <a:ext cx="4426920" cy="2090880"/>
+          </a:xfrm>
+          <a:prstGeom prst="rect">
+            <a:avLst/>
+          </a:prstGeom>
+          <a:noFill/>
+          <a:ln w="0">
+            <a:noFill/>
+          </a:ln>
+        </p:spPr>
+        <p:txBody>
+          <a:bodyPr lIns="0" rIns="0" tIns="0" bIns="0" anchor="t">
+            <a:normAutofit/>
+          </a:bodyPr>
+          <a:p>
+            <a:endParaRPr b="0" lang="pt-BR" sz="3200" spc="-1" strike="noStrike">
+              <a:latin typeface="Arial"/>
+            </a:endParaRPr>
+          </a:p>
+        </p:txBody>
+      </p:sp>
+      <p:sp>
+        <p:nvSpPr>
+          <p:cNvPr id="156" name="PlaceHolder 4"/>
+          <p:cNvSpPr>
+            <a:spLocks noGrp="1"/>
+          </p:cNvSpPr>
+          <p:nvPr>
+            <p:ph/>
+          </p:nvPr>
+        </p:nvSpPr>
+        <p:spPr>
+          <a:xfrm>
+            <a:off x="504000" y="4058640"/>
+            <a:ext cx="4426920" cy="2090880"/>
+          </a:xfrm>
+          <a:prstGeom prst="rect">
+            <a:avLst/>
+          </a:prstGeom>
+          <a:noFill/>
+          <a:ln w="0">
+            <a:noFill/>
+          </a:ln>
+        </p:spPr>
+        <p:txBody>
+          <a:bodyPr lIns="0" rIns="0" tIns="0" bIns="0" anchor="t">
+            <a:normAutofit/>
+          </a:bodyPr>
+          <a:p>
+            <a:endParaRPr b="0" lang="pt-BR" sz="3200" spc="-1" strike="noStrike">
+              <a:latin typeface="Arial"/>
+            </a:endParaRPr>
+          </a:p>
+        </p:txBody>
+      </p:sp>
+      <p:sp>
+        <p:nvSpPr>
+          <p:cNvPr id="157" name="PlaceHolder 5"/>
+          <p:cNvSpPr>
+            <a:spLocks noGrp="1"/>
+          </p:cNvSpPr>
+          <p:nvPr>
+            <p:ph/>
+          </p:nvPr>
+        </p:nvSpPr>
+        <p:spPr>
+          <a:xfrm>
+            <a:off x="5152680" y="4058640"/>
+            <a:ext cx="4426920" cy="2090880"/>
+          </a:xfrm>
+          <a:prstGeom prst="rect">
+            <a:avLst/>
+          </a:prstGeom>
+          <a:noFill/>
+          <a:ln w="0">
+            <a:noFill/>
+          </a:ln>
+        </p:spPr>
+        <p:txBody>
+          <a:bodyPr lIns="0" rIns="0" tIns="0" bIns="0" anchor="t">
+            <a:normAutofit/>
+          </a:bodyPr>
+          <a:p>
+            <a:endParaRPr b="0" lang="pt-BR" sz="3200" spc="-1" strike="noStrike">
+              <a:latin typeface="Arial"/>
+            </a:endParaRPr>
+          </a:p>
+        </p:txBody>
+      </p:sp>
+    </p:spTree>
+  </p:cSld>
+</p:sldLayout>
+</file>
+
+<file path=ppt/slideLayouts/slideLayout48.xml><?xml version="1.0" encoding="utf-8"?>
+<p:sldLayout xmlns:a="http://schemas.openxmlformats.org/drawingml/2006/main" xmlns:p="http://schemas.openxmlformats.org/presentationml/2006/main" xmlns:r="http://schemas.openxmlformats.org/officeDocument/2006/relationships" xmlns:p14="http://schemas.microsoft.com/office/powerpoint/2010/main" xmlns:p15="http://schemas.microsoft.com/office/powerpoint/2012/main" xmlns:mc="http://schemas.openxmlformats.org/markup-compatibility/2006" type="blank" preserve="1">
+  <p:cSld name="Title, 6 Content">
+    <p:spTree>
+      <p:nvGrpSpPr>
+        <p:cNvPr id="1" name=""/>
+        <p:cNvGrpSpPr/>
+        <p:nvPr/>
+      </p:nvGrpSpPr>
+      <p:grpSpPr>
+        <a:xfrm>
+          <a:off x="0" y="0"/>
+          <a:ext cx="0" cy="0"/>
+          <a:chOff x="0" y="0"/>
+          <a:chExt cx="0" cy="0"/>
+        </a:xfrm>
+      </p:grpSpPr>
+      <p:sp>
+        <p:nvSpPr>
+          <p:cNvPr id="158" name="PlaceHolder 1"/>
+          <p:cNvSpPr>
+            <a:spLocks noGrp="1"/>
+          </p:cNvSpPr>
+          <p:nvPr>
+            <p:ph type="title"/>
+          </p:nvPr>
+        </p:nvSpPr>
+        <p:spPr>
+          <a:xfrm>
+            <a:off x="504000" y="301320"/>
+            <a:ext cx="9072000" cy="1261800"/>
+          </a:xfrm>
+          <a:prstGeom prst="rect">
+            <a:avLst/>
+          </a:prstGeom>
+          <a:noFill/>
+          <a:ln w="0">
+            <a:noFill/>
+          </a:ln>
+        </p:spPr>
+        <p:txBody>
+          <a:bodyPr lIns="0" rIns="0" tIns="0" bIns="0" anchor="ctr">
+            <a:noAutofit/>
+          </a:bodyPr>
+          <a:p>
+            <a:pPr algn="ctr">
+              <a:buNone/>
+            </a:pPr>
+            <a:endParaRPr b="0" lang="pt-BR" sz="4400" spc="-1" strike="noStrike">
+              <a:latin typeface="Arial"/>
+            </a:endParaRPr>
+          </a:p>
+        </p:txBody>
+      </p:sp>
+      <p:sp>
+        <p:nvSpPr>
+          <p:cNvPr id="159" name="PlaceHolder 2"/>
+          <p:cNvSpPr>
+            <a:spLocks noGrp="1"/>
+          </p:cNvSpPr>
+          <p:nvPr>
+            <p:ph/>
+          </p:nvPr>
+        </p:nvSpPr>
+        <p:spPr>
+          <a:xfrm>
+            <a:off x="504000" y="1768680"/>
+            <a:ext cx="2921040" cy="2090880"/>
+          </a:xfrm>
+          <a:prstGeom prst="rect">
+            <a:avLst/>
+          </a:prstGeom>
+          <a:noFill/>
+          <a:ln w="0">
+            <a:noFill/>
+          </a:ln>
+        </p:spPr>
+        <p:txBody>
+          <a:bodyPr lIns="0" rIns="0" tIns="0" bIns="0" anchor="t">
+            <a:normAutofit/>
+          </a:bodyPr>
+          <a:p>
+            <a:endParaRPr b="0" lang="pt-BR" sz="3200" spc="-1" strike="noStrike">
+              <a:latin typeface="Arial"/>
+            </a:endParaRPr>
+          </a:p>
+        </p:txBody>
+      </p:sp>
+      <p:sp>
+        <p:nvSpPr>
+          <p:cNvPr id="160" name="PlaceHolder 3"/>
+          <p:cNvSpPr>
+            <a:spLocks noGrp="1"/>
+          </p:cNvSpPr>
+          <p:nvPr>
+            <p:ph/>
+          </p:nvPr>
+        </p:nvSpPr>
+        <p:spPr>
+          <a:xfrm>
+            <a:off x="3571560" y="1768680"/>
+            <a:ext cx="2921040" cy="2090880"/>
+          </a:xfrm>
+          <a:prstGeom prst="rect">
+            <a:avLst/>
+          </a:prstGeom>
+          <a:noFill/>
+          <a:ln w="0">
+            <a:noFill/>
+          </a:ln>
+        </p:spPr>
+        <p:txBody>
+          <a:bodyPr lIns="0" rIns="0" tIns="0" bIns="0" anchor="t">
+            <a:normAutofit/>
+          </a:bodyPr>
+          <a:p>
+            <a:endParaRPr b="0" lang="pt-BR" sz="3200" spc="-1" strike="noStrike">
+              <a:latin typeface="Arial"/>
+            </a:endParaRPr>
+          </a:p>
+        </p:txBody>
+      </p:sp>
+      <p:sp>
+        <p:nvSpPr>
+          <p:cNvPr id="161" name="PlaceHolder 4"/>
+          <p:cNvSpPr>
+            <a:spLocks noGrp="1"/>
+          </p:cNvSpPr>
+          <p:nvPr>
+            <p:ph/>
+          </p:nvPr>
+        </p:nvSpPr>
+        <p:spPr>
+          <a:xfrm>
+            <a:off x="6639120" y="1768680"/>
+            <a:ext cx="2921040" cy="2090880"/>
+          </a:xfrm>
+          <a:prstGeom prst="rect">
+            <a:avLst/>
+          </a:prstGeom>
+          <a:noFill/>
+          <a:ln w="0">
+            <a:noFill/>
+          </a:ln>
+        </p:spPr>
+        <p:txBody>
+          <a:bodyPr lIns="0" rIns="0" tIns="0" bIns="0" anchor="t">
+            <a:normAutofit/>
+          </a:bodyPr>
+          <a:p>
+            <a:endParaRPr b="0" lang="pt-BR" sz="3200" spc="-1" strike="noStrike">
+              <a:latin typeface="Arial"/>
+            </a:endParaRPr>
+          </a:p>
+        </p:txBody>
+      </p:sp>
+      <p:sp>
+        <p:nvSpPr>
+          <p:cNvPr id="162" name="PlaceHolder 5"/>
+          <p:cNvSpPr>
+            <a:spLocks noGrp="1"/>
+          </p:cNvSpPr>
+          <p:nvPr>
+            <p:ph/>
+          </p:nvPr>
+        </p:nvSpPr>
+        <p:spPr>
+          <a:xfrm>
+            <a:off x="504000" y="4058640"/>
+            <a:ext cx="2921040" cy="2090880"/>
+          </a:xfrm>
+          <a:prstGeom prst="rect">
+            <a:avLst/>
+          </a:prstGeom>
+          <a:noFill/>
+          <a:ln w="0">
+            <a:noFill/>
+          </a:ln>
+        </p:spPr>
+        <p:txBody>
+          <a:bodyPr lIns="0" rIns="0" tIns="0" bIns="0" anchor="t">
+            <a:normAutofit/>
+          </a:bodyPr>
+          <a:p>
+            <a:endParaRPr b="0" lang="pt-BR" sz="3200" spc="-1" strike="noStrike">
+              <a:latin typeface="Arial"/>
+            </a:endParaRPr>
+          </a:p>
+        </p:txBody>
+      </p:sp>
+      <p:sp>
+        <p:nvSpPr>
+          <p:cNvPr id="163" name="PlaceHolder 6"/>
+          <p:cNvSpPr>
+            <a:spLocks noGrp="1"/>
+          </p:cNvSpPr>
+          <p:nvPr>
+            <p:ph/>
+          </p:nvPr>
+        </p:nvSpPr>
+        <p:spPr>
+          <a:xfrm>
+            <a:off x="3571560" y="4058640"/>
+            <a:ext cx="2921040" cy="2090880"/>
+          </a:xfrm>
+          <a:prstGeom prst="rect">
+            <a:avLst/>
+          </a:prstGeom>
+          <a:noFill/>
+          <a:ln w="0">
+            <a:noFill/>
+          </a:ln>
+        </p:spPr>
+        <p:txBody>
+          <a:bodyPr lIns="0" rIns="0" tIns="0" bIns="0" anchor="t">
+            <a:normAutofit/>
+          </a:bodyPr>
+          <a:p>
+            <a:endParaRPr b="0" lang="pt-BR" sz="3200" spc="-1" strike="noStrike">
+              <a:latin typeface="Arial"/>
+            </a:endParaRPr>
+          </a:p>
+        </p:txBody>
+      </p:sp>
+      <p:sp>
+        <p:nvSpPr>
+          <p:cNvPr id="164" name="PlaceHolder 7"/>
+          <p:cNvSpPr>
+            <a:spLocks noGrp="1"/>
+          </p:cNvSpPr>
+          <p:nvPr>
+            <p:ph/>
+          </p:nvPr>
+        </p:nvSpPr>
+        <p:spPr>
+          <a:xfrm>
+            <a:off x="6639120" y="4058640"/>
+            <a:ext cx="2921040" cy="2090880"/>
           </a:xfrm>
           <a:prstGeom prst="rect">
             <a:avLst/>
@@ -6632,7 +8289,7 @@
         <p:spPr>
           <a:xfrm>
             <a:off x="0" y="3150000"/>
-            <a:ext cx="9711360" cy="1251360"/>
+            <a:ext cx="9711000" cy="1251000"/>
           </a:xfrm>
           <a:prstGeom prst="rect">
             <a:avLst/>
@@ -6686,7 +8343,13 @@
               <a:rPr b="0" lang="pt-BR" sz="4400" spc="-1" strike="noStrike">
                 <a:latin typeface="Arial"/>
               </a:rPr>
-              <a:t>Click to edit the title text format</a:t>
+              <a:t>Click to edit the title text </a:t>
+            </a:r>
+            <a:r>
+              <a:rPr b="0" lang="pt-BR" sz="4400" spc="-1" strike="noStrike">
+                <a:latin typeface="Arial"/>
+              </a:rPr>
+              <a:t>format</a:t>
             </a:r>
             <a:endParaRPr b="0" lang="pt-BR" sz="4400" spc="-1" strike="noStrike">
               <a:latin typeface="Arial"/>
@@ -6930,7 +8593,7 @@
         <p:spPr>
           <a:xfrm>
             <a:off x="0" y="180000"/>
-            <a:ext cx="9711000" cy="1251000"/>
+            <a:ext cx="9710640" cy="1250640"/>
           </a:xfrm>
           <a:prstGeom prst="rect">
             <a:avLst/>
@@ -6958,7 +8621,7 @@
         <p:spPr>
           <a:xfrm>
             <a:off x="7560000" y="6840000"/>
-            <a:ext cx="2511000" cy="531000"/>
+            <a:ext cx="2510640" cy="530640"/>
           </a:xfrm>
           <a:prstGeom prst="rect">
             <a:avLst/>
@@ -6986,7 +8649,7 @@
         <p:spPr>
           <a:xfrm>
             <a:off x="900000" y="6840000"/>
-            <a:ext cx="6471000" cy="531000"/>
+            <a:ext cx="6470640" cy="530640"/>
           </a:xfrm>
           <a:prstGeom prst="rect">
             <a:avLst/>
@@ -7014,7 +8677,7 @@
         <p:spPr>
           <a:xfrm>
             <a:off x="180000" y="6840000"/>
-            <a:ext cx="531000" cy="531000"/>
+            <a:ext cx="530640" cy="530640"/>
           </a:xfrm>
           <a:prstGeom prst="rect">
             <a:avLst/>
@@ -7310,7 +8973,7 @@
         <p:spPr>
           <a:xfrm>
             <a:off x="0" y="180000"/>
-            <a:ext cx="9711360" cy="1251360"/>
+            <a:ext cx="9711000" cy="1251000"/>
           </a:xfrm>
           <a:prstGeom prst="rect">
             <a:avLst/>
@@ -7338,7 +9001,7 @@
         <p:spPr>
           <a:xfrm>
             <a:off x="7560000" y="6840000"/>
-            <a:ext cx="2511360" cy="531360"/>
+            <a:ext cx="2511000" cy="531000"/>
           </a:xfrm>
           <a:prstGeom prst="rect">
             <a:avLst/>
@@ -7366,7 +9029,7 @@
         <p:spPr>
           <a:xfrm>
             <a:off x="900000" y="6840000"/>
-            <a:ext cx="6471360" cy="531360"/>
+            <a:ext cx="6471000" cy="531000"/>
           </a:xfrm>
           <a:prstGeom prst="rect">
             <a:avLst/>
@@ -7394,7 +9057,7 @@
         <p:spPr>
           <a:xfrm>
             <a:off x="180000" y="6840000"/>
-            <a:ext cx="531360" cy="531360"/>
+            <a:ext cx="531000" cy="531000"/>
           </a:xfrm>
           <a:prstGeom prst="rect">
             <a:avLst/>
@@ -7446,7 +9109,25 @@
               <a:rPr b="0" lang="pt-BR" sz="4400" spc="-1" strike="noStrike">
                 <a:latin typeface="Arial"/>
               </a:rPr>
-              <a:t>Click to edit the title text format</a:t>
+              <a:t>Click to </a:t>
+            </a:r>
+            <a:r>
+              <a:rPr b="0" lang="pt-BR" sz="4400" spc="-1" strike="noStrike">
+                <a:latin typeface="Arial"/>
+              </a:rPr>
+              <a:t>edit the </a:t>
+            </a:r>
+            <a:r>
+              <a:rPr b="0" lang="pt-BR" sz="4400" spc="-1" strike="noStrike">
+                <a:latin typeface="Arial"/>
+              </a:rPr>
+              <a:t>title text </a:t>
+            </a:r>
+            <a:r>
+              <a:rPr b="0" lang="pt-BR" sz="4400" spc="-1" strike="noStrike">
+                <a:latin typeface="Arial"/>
+              </a:rPr>
+              <a:t>format</a:t>
             </a:r>
             <a:endParaRPr b="0" lang="pt-BR" sz="4400" spc="-1" strike="noStrike">
               <a:latin typeface="Arial"/>
@@ -7653,6 +9334,392 @@
     <p:sldLayoutId id="2147483684" r:id="rId11"/>
     <p:sldLayoutId id="2147483685" r:id="rId12"/>
     <p:sldLayoutId id="2147483686" r:id="rId13"/>
+  </p:sldLayoutIdLst>
+</p:sldMaster>
+</file>
+
+<file path=ppt/slideMasters/slideMaster4.xml><?xml version="1.0" encoding="utf-8"?>
+<p:sldMaster xmlns:a="http://schemas.openxmlformats.org/drawingml/2006/main" xmlns:p="http://schemas.openxmlformats.org/presentationml/2006/main" xmlns:r="http://schemas.openxmlformats.org/officeDocument/2006/relationships" xmlns:p14="http://schemas.microsoft.com/office/powerpoint/2010/main" xmlns:p15="http://schemas.microsoft.com/office/powerpoint/2012/main" xmlns:mc="http://schemas.openxmlformats.org/markup-compatibility/2006">
+  <p:cSld>
+    <p:bg>
+      <p:bgPr>
+        <a:solidFill>
+          <a:srgbClr val="ffffff"/>
+        </a:solidFill>
+      </p:bgPr>
+    </p:bg>
+    <p:spTree>
+      <p:nvGrpSpPr>
+        <p:cNvPr id="1" name=""/>
+        <p:cNvGrpSpPr/>
+        <p:nvPr/>
+      </p:nvGrpSpPr>
+      <p:grpSpPr>
+        <a:xfrm>
+          <a:off x="0" y="0"/>
+          <a:ext cx="0" cy="0"/>
+          <a:chOff x="0" y="0"/>
+          <a:chExt cx="0" cy="0"/>
+        </a:xfrm>
+      </p:grpSpPr>
+      <p:sp>
+        <p:nvSpPr>
+          <p:cNvPr id="123" name="CustomShape 1"/>
+          <p:cNvSpPr/>
+          <p:nvPr/>
+        </p:nvSpPr>
+        <p:spPr>
+          <a:xfrm>
+            <a:off x="0" y="180000"/>
+            <a:ext cx="9711000" cy="1251000"/>
+          </a:xfrm>
+          <a:prstGeom prst="rect">
+            <a:avLst/>
+          </a:prstGeom>
+          <a:solidFill>
+            <a:srgbClr val="e74c3c"/>
+          </a:solidFill>
+          <a:ln w="72000">
+            <a:noFill/>
+          </a:ln>
+        </p:spPr>
+        <p:style>
+          <a:lnRef idx="0"/>
+          <a:fillRef idx="0"/>
+          <a:effectRef idx="0"/>
+          <a:fontRef idx="minor"/>
+        </p:style>
+      </p:sp>
+      <p:sp>
+        <p:nvSpPr>
+          <p:cNvPr id="124" name="CustomShape 2"/>
+          <p:cNvSpPr/>
+          <p:nvPr/>
+        </p:nvSpPr>
+        <p:spPr>
+          <a:xfrm>
+            <a:off x="7560000" y="6840000"/>
+            <a:ext cx="2511000" cy="531000"/>
+          </a:xfrm>
+          <a:prstGeom prst="rect">
+            <a:avLst/>
+          </a:prstGeom>
+          <a:solidFill>
+            <a:srgbClr val="e74c3c"/>
+          </a:solidFill>
+          <a:ln w="72000">
+            <a:noFill/>
+          </a:ln>
+        </p:spPr>
+        <p:style>
+          <a:lnRef idx="0"/>
+          <a:fillRef idx="0"/>
+          <a:effectRef idx="0"/>
+          <a:fontRef idx="minor"/>
+        </p:style>
+      </p:sp>
+      <p:sp>
+        <p:nvSpPr>
+          <p:cNvPr id="125" name="CustomShape 3"/>
+          <p:cNvSpPr/>
+          <p:nvPr/>
+        </p:nvSpPr>
+        <p:spPr>
+          <a:xfrm>
+            <a:off x="900000" y="6840000"/>
+            <a:ext cx="6471000" cy="531000"/>
+          </a:xfrm>
+          <a:prstGeom prst="rect">
+            <a:avLst/>
+          </a:prstGeom>
+          <a:solidFill>
+            <a:srgbClr val="bdc3c7"/>
+          </a:solidFill>
+          <a:ln w="72000">
+            <a:noFill/>
+          </a:ln>
+        </p:spPr>
+        <p:style>
+          <a:lnRef idx="0"/>
+          <a:fillRef idx="0"/>
+          <a:effectRef idx="0"/>
+          <a:fontRef idx="minor"/>
+        </p:style>
+      </p:sp>
+      <p:sp>
+        <p:nvSpPr>
+          <p:cNvPr id="126" name="CustomShape 4"/>
+          <p:cNvSpPr/>
+          <p:nvPr/>
+        </p:nvSpPr>
+        <p:spPr>
+          <a:xfrm>
+            <a:off x="180000" y="6840000"/>
+            <a:ext cx="531000" cy="531000"/>
+          </a:xfrm>
+          <a:prstGeom prst="rect">
+            <a:avLst/>
+          </a:prstGeom>
+          <a:noFill/>
+          <a:ln w="72000">
+            <a:noFill/>
+          </a:ln>
+        </p:spPr>
+        <p:style>
+          <a:lnRef idx="0"/>
+          <a:fillRef idx="0"/>
+          <a:effectRef idx="0"/>
+          <a:fontRef idx="minor"/>
+        </p:style>
+      </p:sp>
+      <p:sp>
+        <p:nvSpPr>
+          <p:cNvPr id="127" name="PlaceHolder 1"/>
+          <p:cNvSpPr>
+            <a:spLocks noGrp="1"/>
+          </p:cNvSpPr>
+          <p:nvPr>
+            <p:ph type="title"/>
+          </p:nvPr>
+        </p:nvSpPr>
+        <p:spPr>
+          <a:xfrm>
+            <a:off x="504000" y="301320"/>
+            <a:ext cx="9072000" cy="1261800"/>
+          </a:xfrm>
+          <a:prstGeom prst="rect">
+            <a:avLst/>
+          </a:prstGeom>
+          <a:noFill/>
+          <a:ln w="0">
+            <a:noFill/>
+          </a:ln>
+        </p:spPr>
+        <p:txBody>
+          <a:bodyPr lIns="0" rIns="0" tIns="0" bIns="0" anchor="ctr">
+            <a:noAutofit/>
+          </a:bodyPr>
+          <a:p>
+            <a:pPr algn="ctr">
+              <a:buNone/>
+            </a:pPr>
+            <a:r>
+              <a:rPr b="0" lang="pt-BR" sz="4400" spc="-1" strike="noStrike">
+                <a:latin typeface="Arial"/>
+              </a:rPr>
+              <a:t>Click to edit the title text </a:t>
+            </a:r>
+            <a:r>
+              <a:rPr b="0" lang="pt-BR" sz="4400" spc="-1" strike="noStrike">
+                <a:latin typeface="Arial"/>
+              </a:rPr>
+              <a:t>format</a:t>
+            </a:r>
+            <a:endParaRPr b="0" lang="pt-BR" sz="4400" spc="-1" strike="noStrike">
+              <a:latin typeface="Arial"/>
+            </a:endParaRPr>
+          </a:p>
+        </p:txBody>
+      </p:sp>
+      <p:sp>
+        <p:nvSpPr>
+          <p:cNvPr id="128" name="PlaceHolder 2"/>
+          <p:cNvSpPr>
+            <a:spLocks noGrp="1"/>
+          </p:cNvSpPr>
+          <p:nvPr>
+            <p:ph type="body"/>
+          </p:nvPr>
+        </p:nvSpPr>
+        <p:spPr>
+          <a:xfrm>
+            <a:off x="504000" y="1768680"/>
+            <a:ext cx="9072000" cy="4384080"/>
+          </a:xfrm>
+          <a:prstGeom prst="rect">
+            <a:avLst/>
+          </a:prstGeom>
+          <a:noFill/>
+          <a:ln w="0">
+            <a:noFill/>
+          </a:ln>
+        </p:spPr>
+        <p:txBody>
+          <a:bodyPr lIns="0" rIns="0" tIns="0" bIns="0" anchor="t">
+            <a:normAutofit/>
+          </a:bodyPr>
+          <a:p>
+            <a:pPr marL="432000" indent="-324000">
+              <a:spcBef>
+                <a:spcPts val="1417"/>
+              </a:spcBef>
+              <a:buClr>
+                <a:srgbClr val="000000"/>
+              </a:buClr>
+              <a:buSzPct val="45000"/>
+              <a:buFont typeface="Wingdings" charset="2"/>
+              <a:buChar char=""/>
+            </a:pPr>
+            <a:r>
+              <a:rPr b="0" lang="pt-BR" sz="3200" spc="-1" strike="noStrike">
+                <a:latin typeface="Arial"/>
+              </a:rPr>
+              <a:t>Click to edit the outline text format</a:t>
+            </a:r>
+            <a:endParaRPr b="0" lang="pt-BR" sz="3200" spc="-1" strike="noStrike">
+              <a:latin typeface="Arial"/>
+            </a:endParaRPr>
+          </a:p>
+          <a:p>
+            <a:pPr lvl="1" marL="864000" indent="-324000">
+              <a:spcBef>
+                <a:spcPts val="1134"/>
+              </a:spcBef>
+              <a:buClr>
+                <a:srgbClr val="000000"/>
+              </a:buClr>
+              <a:buSzPct val="75000"/>
+              <a:buFont typeface="Symbol" charset="2"/>
+              <a:buChar char=""/>
+            </a:pPr>
+            <a:r>
+              <a:rPr b="0" lang="pt-BR" sz="2800" spc="-1" strike="noStrike">
+                <a:latin typeface="Arial"/>
+              </a:rPr>
+              <a:t>Second Outline Level</a:t>
+            </a:r>
+            <a:endParaRPr b="0" lang="pt-BR" sz="2800" spc="-1" strike="noStrike">
+              <a:latin typeface="Arial"/>
+            </a:endParaRPr>
+          </a:p>
+          <a:p>
+            <a:pPr lvl="2" marL="1296000" indent="-288000">
+              <a:spcBef>
+                <a:spcPts val="850"/>
+              </a:spcBef>
+              <a:buClr>
+                <a:srgbClr val="000000"/>
+              </a:buClr>
+              <a:buSzPct val="45000"/>
+              <a:buFont typeface="Wingdings" charset="2"/>
+              <a:buChar char=""/>
+            </a:pPr>
+            <a:r>
+              <a:rPr b="0" lang="pt-BR" sz="2400" spc="-1" strike="noStrike">
+                <a:latin typeface="Arial"/>
+              </a:rPr>
+              <a:t>Third Outline Level</a:t>
+            </a:r>
+            <a:endParaRPr b="0" lang="pt-BR" sz="2400" spc="-1" strike="noStrike">
+              <a:latin typeface="Arial"/>
+            </a:endParaRPr>
+          </a:p>
+          <a:p>
+            <a:pPr lvl="3" marL="1728000" indent="-216000">
+              <a:spcBef>
+                <a:spcPts val="567"/>
+              </a:spcBef>
+              <a:buClr>
+                <a:srgbClr val="000000"/>
+              </a:buClr>
+              <a:buSzPct val="75000"/>
+              <a:buFont typeface="Symbol" charset="2"/>
+              <a:buChar char=""/>
+            </a:pPr>
+            <a:r>
+              <a:rPr b="0" lang="pt-BR" sz="2000" spc="-1" strike="noStrike">
+                <a:latin typeface="Arial"/>
+              </a:rPr>
+              <a:t>Fourth Outline Level</a:t>
+            </a:r>
+            <a:endParaRPr b="0" lang="pt-BR" sz="2000" spc="-1" strike="noStrike">
+              <a:latin typeface="Arial"/>
+            </a:endParaRPr>
+          </a:p>
+          <a:p>
+            <a:pPr lvl="4" marL="2160000" indent="-216000">
+              <a:spcBef>
+                <a:spcPts val="283"/>
+              </a:spcBef>
+              <a:buClr>
+                <a:srgbClr val="000000"/>
+              </a:buClr>
+              <a:buSzPct val="45000"/>
+              <a:buFont typeface="Wingdings" charset="2"/>
+              <a:buChar char=""/>
+            </a:pPr>
+            <a:r>
+              <a:rPr b="0" lang="pt-BR" sz="2000" spc="-1" strike="noStrike">
+                <a:latin typeface="Arial"/>
+              </a:rPr>
+              <a:t>Fifth Outline Level</a:t>
+            </a:r>
+            <a:endParaRPr b="0" lang="pt-BR" sz="2000" spc="-1" strike="noStrike">
+              <a:latin typeface="Arial"/>
+            </a:endParaRPr>
+          </a:p>
+          <a:p>
+            <a:pPr lvl="5" marL="2592000" indent="-216000">
+              <a:spcBef>
+                <a:spcPts val="283"/>
+              </a:spcBef>
+              <a:buClr>
+                <a:srgbClr val="000000"/>
+              </a:buClr>
+              <a:buSzPct val="45000"/>
+              <a:buFont typeface="Wingdings" charset="2"/>
+              <a:buChar char=""/>
+            </a:pPr>
+            <a:r>
+              <a:rPr b="0" lang="pt-BR" sz="2000" spc="-1" strike="noStrike">
+                <a:latin typeface="Arial"/>
+              </a:rPr>
+              <a:t>Sixth Outline Level</a:t>
+            </a:r>
+            <a:endParaRPr b="0" lang="pt-BR" sz="2000" spc="-1" strike="noStrike">
+              <a:latin typeface="Arial"/>
+            </a:endParaRPr>
+          </a:p>
+          <a:p>
+            <a:pPr lvl="6" marL="3024000" indent="-216000">
+              <a:spcBef>
+                <a:spcPts val="283"/>
+              </a:spcBef>
+              <a:buClr>
+                <a:srgbClr val="000000"/>
+              </a:buClr>
+              <a:buSzPct val="45000"/>
+              <a:buFont typeface="Wingdings" charset="2"/>
+              <a:buChar char=""/>
+            </a:pPr>
+            <a:r>
+              <a:rPr b="0" lang="pt-BR" sz="2000" spc="-1" strike="noStrike">
+                <a:latin typeface="Arial"/>
+              </a:rPr>
+              <a:t>Seventh Outline Level</a:t>
+            </a:r>
+            <a:endParaRPr b="0" lang="pt-BR" sz="2000" spc="-1" strike="noStrike">
+              <a:latin typeface="Arial"/>
+            </a:endParaRPr>
+          </a:p>
+        </p:txBody>
+      </p:sp>
+    </p:spTree>
+  </p:cSld>
+  <p:clrMap bg1="lt1" bg2="lt2" tx1="dk1" tx2="dk2" accent1="accent1" accent2="accent2" accent3="accent3" accent4="accent4" accent5="accent5" accent6="accent6" hlink="hlink" folHlink="folHlink"/>
+  <p:sldLayoutIdLst>
+    <p:sldLayoutId id="2147483688" r:id="rId2"/>
+    <p:sldLayoutId id="2147483689" r:id="rId3"/>
+    <p:sldLayoutId id="2147483690" r:id="rId4"/>
+    <p:sldLayoutId id="2147483691" r:id="rId5"/>
+    <p:sldLayoutId id="2147483692" r:id="rId6"/>
+    <p:sldLayoutId id="2147483693" r:id="rId7"/>
+    <p:sldLayoutId id="2147483694" r:id="rId8"/>
+    <p:sldLayoutId id="2147483695" r:id="rId9"/>
+    <p:sldLayoutId id="2147483696" r:id="rId10"/>
+    <p:sldLayoutId id="2147483697" r:id="rId11"/>
+    <p:sldLayoutId id="2147483698" r:id="rId12"/>
+    <p:sldLayoutId id="2147483699" r:id="rId13"/>
   </p:sldLayoutIdLst>
 </p:sldMaster>
 </file>
@@ -7676,14 +9743,14 @@
       </p:grpSpPr>
       <p:sp>
         <p:nvSpPr>
-          <p:cNvPr id="129" name="CustomShape 1"/>
+          <p:cNvPr id="171" name="CustomShape 1"/>
           <p:cNvSpPr/>
           <p:nvPr/>
         </p:nvSpPr>
         <p:spPr>
           <a:xfrm>
             <a:off x="360000" y="3330000"/>
-            <a:ext cx="9351360" cy="891360"/>
+            <a:ext cx="9351000" cy="891000"/>
           </a:xfrm>
           <a:prstGeom prst="rect">
             <a:avLst/>
@@ -7728,14 +9795,14 @@
       </p:sp>
       <p:sp>
         <p:nvSpPr>
-          <p:cNvPr id="130" name="CustomShape 2"/>
+          <p:cNvPr id="172" name="CustomShape 2"/>
           <p:cNvSpPr/>
           <p:nvPr/>
         </p:nvSpPr>
         <p:spPr>
           <a:xfrm>
             <a:off x="540000" y="4680000"/>
-            <a:ext cx="9171360" cy="2511360"/>
+            <a:ext cx="9171000" cy="2511000"/>
           </a:xfrm>
           <a:prstGeom prst="rect">
             <a:avLst/>
@@ -7865,14 +9932,14 @@
       </p:grpSpPr>
       <p:sp>
         <p:nvSpPr>
-          <p:cNvPr id="260" name="CustomShape 1"/>
+          <p:cNvPr id="302" name="CustomShape 1"/>
           <p:cNvSpPr/>
           <p:nvPr/>
         </p:nvSpPr>
         <p:spPr>
           <a:xfrm>
             <a:off x="360000" y="360000"/>
-            <a:ext cx="9351360" cy="891360"/>
+            <a:ext cx="9351000" cy="891000"/>
           </a:xfrm>
           <a:prstGeom prst="rect">
             <a:avLst/>
@@ -7907,7 +9974,7 @@
                 <a:latin typeface="Latin Modern Sans"/>
                 <a:ea typeface="DejaVu Sans"/>
               </a:rPr>
-              <a:t>While ou For ?</a:t>
+              <a:t>Codificação Dialogada</a:t>
             </a:r>
             <a:endParaRPr b="0" lang="pt-BR" sz="3200" spc="-1" strike="noStrike">
               <a:latin typeface="Arial"/>
@@ -7917,14 +9984,14 @@
       </p:sp>
       <p:sp>
         <p:nvSpPr>
-          <p:cNvPr id="261" name="CustomShape 2"/>
+          <p:cNvPr id="303" name="CustomShape 2"/>
           <p:cNvSpPr/>
           <p:nvPr/>
         </p:nvSpPr>
         <p:spPr>
           <a:xfrm>
             <a:off x="897120" y="6886080"/>
-            <a:ext cx="6438600" cy="356400"/>
+            <a:ext cx="6438240" cy="356040"/>
           </a:xfrm>
           <a:prstGeom prst="rect">
             <a:avLst/>
@@ -7969,14 +10036,14 @@
       </p:sp>
       <p:sp>
         <p:nvSpPr>
-          <p:cNvPr id="262" name="CustomShape 3"/>
+          <p:cNvPr id="304" name="CustomShape 3"/>
           <p:cNvSpPr/>
           <p:nvPr/>
         </p:nvSpPr>
         <p:spPr>
           <a:xfrm>
             <a:off x="7608600" y="6886080"/>
-            <a:ext cx="2276640" cy="356400"/>
+            <a:ext cx="2276280" cy="356040"/>
           </a:xfrm>
           <a:prstGeom prst="rect">
             <a:avLst/>
@@ -8021,14 +10088,14 @@
       </p:sp>
       <p:sp>
         <p:nvSpPr>
-          <p:cNvPr id="263" name="CustomShape 11"/>
+          <p:cNvPr id="305" name="CustomShape 11"/>
           <p:cNvSpPr/>
           <p:nvPr/>
         </p:nvSpPr>
         <p:spPr>
           <a:xfrm flipH="1" rot="10800000">
-            <a:off x="17998560" y="11129400"/>
-            <a:ext cx="698760" cy="355320"/>
+            <a:off x="17998920" y="11129760"/>
+            <a:ext cx="698400" cy="354960"/>
           </a:xfrm>
           <a:prstGeom prst="bentUpArrow">
             <a:avLst>
@@ -8056,14 +10123,14 @@
       </p:sp>
       <p:sp>
         <p:nvSpPr>
-          <p:cNvPr id="264" name="CustomShape 15"/>
+          <p:cNvPr id="306" name="CustomShape 15"/>
           <p:cNvSpPr/>
           <p:nvPr/>
         </p:nvSpPr>
         <p:spPr>
           <a:xfrm rot="10800000">
-            <a:off x="16093800" y="11129400"/>
-            <a:ext cx="735120" cy="355320"/>
+            <a:off x="16094160" y="11129760"/>
+            <a:ext cx="734760" cy="354960"/>
           </a:xfrm>
           <a:prstGeom prst="bentUpArrow">
             <a:avLst>
@@ -8091,14 +10158,14 @@
       </p:sp>
       <p:sp>
         <p:nvSpPr>
-          <p:cNvPr id="265" name="CustomShape 2"/>
+          <p:cNvPr id="307" name="CustomShape 2"/>
           <p:cNvSpPr/>
           <p:nvPr/>
         </p:nvSpPr>
         <p:spPr>
           <a:xfrm>
             <a:off x="360000" y="1705680"/>
-            <a:ext cx="9171360" cy="4671360"/>
+            <a:ext cx="9171000" cy="4671000"/>
           </a:xfrm>
           <a:prstGeom prst="rect">
             <a:avLst/>
@@ -8141,7 +10208,7 @@
                 <a:latin typeface="Latin Modern Sans"/>
                 <a:ea typeface="DejaVu Sans"/>
               </a:rPr>
-              <a:t>For:</a:t>
+              <a:t>Entre 0 e 100, informe:</a:t>
             </a:r>
             <a:endParaRPr b="0" lang="pt-BR" sz="1800" spc="-1" strike="noStrike">
               <a:latin typeface="Arial"/>
@@ -8170,123 +10237,7 @@
                 <a:latin typeface="Latin Modern Sans"/>
                 <a:ea typeface="DejaVu Sans"/>
               </a:rPr>
-              <a:t>Intervalo de execução bem definida</a:t>
-            </a:r>
-            <a:endParaRPr b="0" lang="pt-BR" sz="1800" spc="-1" strike="noStrike">
-              <a:latin typeface="Arial"/>
-            </a:endParaRPr>
-          </a:p>
-          <a:p>
-            <a:pPr lvl="2" marL="1130400" indent="-208440">
-              <a:lnSpc>
-                <a:spcPct val="100000"/>
-              </a:lnSpc>
-              <a:spcAft>
-                <a:spcPts val="1140"/>
-              </a:spcAft>
-              <a:buClr>
-                <a:srgbClr val="000000"/>
-              </a:buClr>
-              <a:buSzPct val="45000"/>
-              <a:buFont typeface="Wingdings" charset="2"/>
-              <a:buChar char=""/>
-            </a:pPr>
-            <a:r>
-              <a:rPr b="0" lang="pt-BR" sz="1800" spc="-1" strike="noStrike">
-                <a:solidFill>
-                  <a:srgbClr val="1c1c1c"/>
-                </a:solidFill>
-                <a:latin typeface="Latin Modern Sans"/>
-                <a:ea typeface="DejaVu Sans"/>
-              </a:rPr>
-              <a:t>De 10 a 20</a:t>
-            </a:r>
-            <a:endParaRPr b="0" lang="pt-BR" sz="1800" spc="-1" strike="noStrike">
-              <a:latin typeface="Arial"/>
-            </a:endParaRPr>
-          </a:p>
-          <a:p>
-            <a:pPr lvl="2" marL="1130400" indent="-208440">
-              <a:lnSpc>
-                <a:spcPct val="100000"/>
-              </a:lnSpc>
-              <a:spcAft>
-                <a:spcPts val="1140"/>
-              </a:spcAft>
-              <a:buClr>
-                <a:srgbClr val="000000"/>
-              </a:buClr>
-              <a:buSzPct val="45000"/>
-              <a:buFont typeface="Wingdings" charset="2"/>
-              <a:buChar char=""/>
-            </a:pPr>
-            <a:r>
-              <a:rPr b="0" lang="pt-BR" sz="1800" spc="-1" strike="noStrike">
-                <a:solidFill>
-                  <a:srgbClr val="1c1c1c"/>
-                </a:solidFill>
-                <a:latin typeface="Latin Modern Sans"/>
-                <a:ea typeface="DejaVu Sans"/>
-              </a:rPr>
-              <a:t>De 0 a N</a:t>
-            </a:r>
-            <a:endParaRPr b="0" lang="pt-BR" sz="1800" spc="-1" strike="noStrike">
-              <a:latin typeface="Arial"/>
-            </a:endParaRPr>
-          </a:p>
-          <a:p>
-            <a:pPr lvl="2" marL="1130400" indent="-208440">
-              <a:lnSpc>
-                <a:spcPct val="100000"/>
-              </a:lnSpc>
-              <a:spcAft>
-                <a:spcPts val="1140"/>
-              </a:spcAft>
-              <a:buClr>
-                <a:srgbClr val="000000"/>
-              </a:buClr>
-              <a:buSzPct val="45000"/>
-              <a:buFont typeface="Wingdings" charset="2"/>
-              <a:buChar char=""/>
-            </a:pPr>
-            <a:r>
-              <a:rPr b="0" lang="pt-BR" sz="1800" spc="-1" strike="noStrike">
-                <a:solidFill>
-                  <a:srgbClr val="1c1c1c"/>
-                </a:solidFill>
-                <a:latin typeface="Latin Modern Sans"/>
-                <a:ea typeface="DejaVu Sans"/>
-              </a:rPr>
-              <a:t>De X a Y</a:t>
-            </a:r>
-            <a:endParaRPr b="0" lang="pt-BR" sz="1800" spc="-1" strike="noStrike">
-              <a:latin typeface="Arial"/>
-            </a:endParaRPr>
-          </a:p>
-          <a:p>
-            <a:pPr marL="216000" indent="-208440">
-              <a:lnSpc>
-                <a:spcPct val="100000"/>
-              </a:lnSpc>
-              <a:spcAft>
-                <a:spcPts val="1140"/>
-              </a:spcAft>
-              <a:buClr>
-                <a:srgbClr val="000000"/>
-              </a:buClr>
-              <a:buSzPct val="45000"/>
-              <a:buFont typeface="Wingdings" charset="2"/>
-              <a:buChar char=""/>
-            </a:pPr>
-            <a:r>
-              <a:rPr b="0" lang="pt-BR" sz="1800" spc="-1" strike="noStrike">
-                <a:solidFill>
-                  <a:srgbClr val="1c1c1c"/>
-                </a:solidFill>
-                <a:latin typeface="Latin Modern Sans"/>
-                <a:ea typeface="DejaVu Sans"/>
-              </a:rPr>
-              <a:t>While</a:t>
+              <a:t>Informe os números pares e impares</a:t>
             </a:r>
             <a:endParaRPr b="0" lang="pt-BR" sz="1800" spc="-1" strike="noStrike">
               <a:latin typeface="Arial"/>
@@ -8315,95 +10266,50 @@
                 <a:latin typeface="Latin Modern Sans"/>
                 <a:ea typeface="DejaVu Sans"/>
               </a:rPr>
-              <a:t>Condições indefinidas</a:t>
+              <a:t>A soma de todos os múltiplos de 5</a:t>
             </a:r>
             <a:endParaRPr b="0" lang="pt-BR" sz="1800" spc="-1" strike="noStrike">
               <a:latin typeface="Arial"/>
             </a:endParaRPr>
           </a:p>
           <a:p>
-            <a:pPr lvl="2" marL="1130400" indent="-208440">
+            <a:pPr>
               <a:lnSpc>
                 <a:spcPct val="100000"/>
               </a:lnSpc>
               <a:spcAft>
                 <a:spcPts val="1140"/>
               </a:spcAft>
-              <a:buClr>
-                <a:srgbClr val="000000"/>
-              </a:buClr>
-              <a:buSzPct val="45000"/>
-              <a:buFont typeface="Wingdings" charset="2"/>
-              <a:buChar char=""/>
-            </a:pPr>
-            <a:r>
-              <a:rPr b="0" lang="pt-BR" sz="1800" spc="-1" strike="noStrike">
-                <a:solidFill>
-                  <a:srgbClr val="1c1c1c"/>
-                </a:solidFill>
-                <a:latin typeface="Latin Modern Sans"/>
-                <a:ea typeface="DejaVu Sans"/>
-              </a:rPr>
-              <a:t>Depende de ação do usuário</a:t>
-            </a:r>
+              <a:buNone/>
+            </a:pPr>
             <a:endParaRPr b="0" lang="pt-BR" sz="1800" spc="-1" strike="noStrike">
               <a:latin typeface="Arial"/>
             </a:endParaRPr>
           </a:p>
           <a:p>
-            <a:pPr lvl="2" marL="1130400" indent="-208440">
+            <a:pPr>
               <a:lnSpc>
                 <a:spcPct val="100000"/>
               </a:lnSpc>
               <a:spcAft>
                 <a:spcPts val="1140"/>
               </a:spcAft>
-              <a:buClr>
-                <a:srgbClr val="000000"/>
-              </a:buClr>
-              <a:buSzPct val="45000"/>
-              <a:buFont typeface="Wingdings" charset="2"/>
-              <a:buChar char=""/>
-            </a:pPr>
-            <a:r>
-              <a:rPr b="0" lang="pt-BR" sz="1800" spc="-1" strike="noStrike">
-                <a:solidFill>
-                  <a:srgbClr val="1c1c1c"/>
-                </a:solidFill>
-                <a:latin typeface="Latin Modern Sans"/>
-                <a:ea typeface="DejaVu Sans"/>
-              </a:rPr>
-              <a:t>Depende de um cálculo</a:t>
-            </a:r>
+              <a:buNone/>
+            </a:pPr>
             <a:endParaRPr b="0" lang="pt-BR" sz="1800" spc="-1" strike="noStrike">
               <a:latin typeface="Arial"/>
             </a:endParaRPr>
           </a:p>
           <a:p>
-            <a:pPr lvl="2" marL="1130400" indent="-208440">
+            <a:pPr>
               <a:lnSpc>
                 <a:spcPct val="100000"/>
               </a:lnSpc>
               <a:spcAft>
                 <a:spcPts val="1140"/>
               </a:spcAft>
-              <a:buClr>
-                <a:srgbClr val="000000"/>
-              </a:buClr>
-              <a:buSzPct val="45000"/>
-              <a:buFont typeface="Wingdings" charset="2"/>
-              <a:buChar char=""/>
-            </a:pPr>
-            <a:r>
-              <a:rPr b="0" lang="pt-BR" sz="1800" spc="-1" strike="noStrike">
-                <a:solidFill>
-                  <a:srgbClr val="1c1c1c"/>
-                </a:solidFill>
-                <a:latin typeface="Latin Modern Sans"/>
-                <a:ea typeface="DejaVu Sans"/>
-              </a:rPr>
-              <a:t>Etc</a:t>
-            </a:r>
+              <a:buNone/>
+            </a:pPr>
             <a:endParaRPr b="0" lang="pt-BR" sz="1800" spc="-1" strike="noStrike">
               <a:latin typeface="Arial"/>
             </a:endParaRPr>
@@ -8456,14 +10362,14 @@
       </p:grpSpPr>
       <p:sp>
         <p:nvSpPr>
-          <p:cNvPr id="266" name="CustomShape 1"/>
+          <p:cNvPr id="308" name="CustomShape 1"/>
           <p:cNvSpPr/>
           <p:nvPr/>
         </p:nvSpPr>
         <p:spPr>
           <a:xfrm>
             <a:off x="360000" y="360000"/>
-            <a:ext cx="9351360" cy="891360"/>
+            <a:ext cx="9351000" cy="891000"/>
           </a:xfrm>
           <a:prstGeom prst="rect">
             <a:avLst/>
@@ -8508,14 +10414,14 @@
       </p:sp>
       <p:sp>
         <p:nvSpPr>
-          <p:cNvPr id="267" name="CustomShape 2"/>
+          <p:cNvPr id="309" name="CustomShape 2"/>
           <p:cNvSpPr/>
           <p:nvPr/>
         </p:nvSpPr>
         <p:spPr>
           <a:xfrm>
             <a:off x="897120" y="6886080"/>
-            <a:ext cx="6438600" cy="356400"/>
+            <a:ext cx="6438240" cy="356040"/>
           </a:xfrm>
           <a:prstGeom prst="rect">
             <a:avLst/>
@@ -8560,14 +10466,14 @@
       </p:sp>
       <p:sp>
         <p:nvSpPr>
-          <p:cNvPr id="268" name="CustomShape 3"/>
+          <p:cNvPr id="310" name="CustomShape 3"/>
           <p:cNvSpPr/>
           <p:nvPr/>
         </p:nvSpPr>
         <p:spPr>
           <a:xfrm>
             <a:off x="7608600" y="6886080"/>
-            <a:ext cx="2276640" cy="356400"/>
+            <a:ext cx="2276280" cy="356040"/>
           </a:xfrm>
           <a:prstGeom prst="rect">
             <a:avLst/>
@@ -8612,14 +10518,14 @@
       </p:sp>
       <p:sp>
         <p:nvSpPr>
-          <p:cNvPr id="269" name="CustomShape 11"/>
+          <p:cNvPr id="311" name="CustomShape 11"/>
           <p:cNvSpPr/>
           <p:nvPr/>
         </p:nvSpPr>
         <p:spPr>
           <a:xfrm flipH="1" rot="10800000">
-            <a:off x="17998560" y="11129400"/>
-            <a:ext cx="698760" cy="355320"/>
+            <a:off x="17998920" y="11129760"/>
+            <a:ext cx="698400" cy="354960"/>
           </a:xfrm>
           <a:prstGeom prst="bentUpArrow">
             <a:avLst>
@@ -8647,14 +10553,14 @@
       </p:sp>
       <p:sp>
         <p:nvSpPr>
-          <p:cNvPr id="270" name="CustomShape 15"/>
+          <p:cNvPr id="312" name="CustomShape 15"/>
           <p:cNvSpPr/>
           <p:nvPr/>
         </p:nvSpPr>
         <p:spPr>
           <a:xfrm rot="10800000">
-            <a:off x="16093800" y="11129400"/>
-            <a:ext cx="735120" cy="355320"/>
+            <a:off x="16094160" y="11129760"/>
+            <a:ext cx="734760" cy="354960"/>
           </a:xfrm>
           <a:prstGeom prst="bentUpArrow">
             <a:avLst>
@@ -8682,14 +10588,14 @@
       </p:sp>
       <p:sp>
         <p:nvSpPr>
-          <p:cNvPr id="271" name="CustomShape 2"/>
+          <p:cNvPr id="313" name="CustomShape 2"/>
           <p:cNvSpPr/>
           <p:nvPr/>
         </p:nvSpPr>
         <p:spPr>
           <a:xfrm>
             <a:off x="360000" y="1705680"/>
-            <a:ext cx="9171360" cy="4671360"/>
+            <a:ext cx="9171000" cy="4671000"/>
           </a:xfrm>
           <a:prstGeom prst="rect">
             <a:avLst/>
@@ -8707,7 +10613,7 @@
         </p:style>
         <p:txBody>
           <a:bodyPr lIns="0" rIns="0" tIns="0" bIns="0" anchor="t">
-            <a:normAutofit fontScale="88000"/>
+            <a:normAutofit/>
           </a:bodyPr>
           <a:p>
             <a:pPr marL="216000" indent="-208440">
@@ -8732,22 +10638,124 @@
                 <a:latin typeface="Latin Modern Sans"/>
                 <a:ea typeface="DejaVu Sans"/>
               </a:rPr>
-              <a:t>Imprima a sequencia entre 0 e 20</a:t>
+              <a:t>For:</a:t>
             </a:r>
             <a:endParaRPr b="0" lang="pt-BR" sz="1800" spc="-1" strike="noStrike">
               <a:latin typeface="Arial"/>
             </a:endParaRPr>
           </a:p>
           <a:p>
-            <a:pPr>
+            <a:pPr lvl="1" marL="673200" indent="-208440">
               <a:lnSpc>
                 <a:spcPct val="100000"/>
               </a:lnSpc>
               <a:spcAft>
                 <a:spcPts val="1140"/>
               </a:spcAft>
-              <a:buNone/>
-            </a:pPr>
+              <a:buClr>
+                <a:srgbClr val="000000"/>
+              </a:buClr>
+              <a:buSzPct val="45000"/>
+              <a:buFont typeface="Wingdings" charset="2"/>
+              <a:buChar char=""/>
+            </a:pPr>
+            <a:r>
+              <a:rPr b="0" lang="pt-BR" sz="1800" spc="-1" strike="noStrike">
+                <a:solidFill>
+                  <a:srgbClr val="1c1c1c"/>
+                </a:solidFill>
+                <a:latin typeface="Latin Modern Sans"/>
+                <a:ea typeface="DejaVu Sans"/>
+              </a:rPr>
+              <a:t>Intervalo de execução bem definido</a:t>
+            </a:r>
+            <a:endParaRPr b="0" lang="pt-BR" sz="1800" spc="-1" strike="noStrike">
+              <a:latin typeface="Arial"/>
+            </a:endParaRPr>
+          </a:p>
+          <a:p>
+            <a:pPr lvl="2" marL="1130400" indent="-208440">
+              <a:lnSpc>
+                <a:spcPct val="100000"/>
+              </a:lnSpc>
+              <a:spcAft>
+                <a:spcPts val="1140"/>
+              </a:spcAft>
+              <a:buClr>
+                <a:srgbClr val="000000"/>
+              </a:buClr>
+              <a:buSzPct val="45000"/>
+              <a:buFont typeface="Wingdings" charset="2"/>
+              <a:buChar char=""/>
+            </a:pPr>
+            <a:r>
+              <a:rPr b="0" lang="pt-BR" sz="1800" spc="-1" strike="noStrike">
+                <a:solidFill>
+                  <a:srgbClr val="1c1c1c"/>
+                </a:solidFill>
+                <a:latin typeface="Latin Modern Sans"/>
+                <a:ea typeface="DejaVu Sans"/>
+              </a:rPr>
+              <a:t>De 10 a 20</a:t>
+            </a:r>
+            <a:endParaRPr b="0" lang="pt-BR" sz="1800" spc="-1" strike="noStrike">
+              <a:latin typeface="Arial"/>
+            </a:endParaRPr>
+          </a:p>
+          <a:p>
+            <a:pPr lvl="2" marL="1130400" indent="-208440">
+              <a:lnSpc>
+                <a:spcPct val="100000"/>
+              </a:lnSpc>
+              <a:spcAft>
+                <a:spcPts val="1140"/>
+              </a:spcAft>
+              <a:buClr>
+                <a:srgbClr val="000000"/>
+              </a:buClr>
+              <a:buSzPct val="45000"/>
+              <a:buFont typeface="Wingdings" charset="2"/>
+              <a:buChar char=""/>
+            </a:pPr>
+            <a:r>
+              <a:rPr b="0" lang="pt-BR" sz="1800" spc="-1" strike="noStrike">
+                <a:solidFill>
+                  <a:srgbClr val="1c1c1c"/>
+                </a:solidFill>
+                <a:latin typeface="Latin Modern Sans"/>
+                <a:ea typeface="DejaVu Sans"/>
+              </a:rPr>
+              <a:t>De 0 a N</a:t>
+            </a:r>
+            <a:endParaRPr b="0" lang="pt-BR" sz="1800" spc="-1" strike="noStrike">
+              <a:latin typeface="Arial"/>
+            </a:endParaRPr>
+          </a:p>
+          <a:p>
+            <a:pPr lvl="2" marL="1130400" indent="-208440">
+              <a:lnSpc>
+                <a:spcPct val="100000"/>
+              </a:lnSpc>
+              <a:spcAft>
+                <a:spcPts val="1140"/>
+              </a:spcAft>
+              <a:buClr>
+                <a:srgbClr val="000000"/>
+              </a:buClr>
+              <a:buSzPct val="45000"/>
+              <a:buFont typeface="Wingdings" charset="2"/>
+              <a:buChar char=""/>
+            </a:pPr>
+            <a:r>
+              <a:rPr b="0" lang="pt-BR" sz="1800" spc="-1" strike="noStrike">
+                <a:solidFill>
+                  <a:srgbClr val="1c1c1c"/>
+                </a:solidFill>
+                <a:latin typeface="Latin Modern Sans"/>
+                <a:ea typeface="DejaVu Sans"/>
+              </a:rPr>
+              <a:t>De X a Y</a:t>
+            </a:r>
             <a:endParaRPr b="0" lang="pt-BR" sz="1800" spc="-1" strike="noStrike">
               <a:latin typeface="Arial"/>
             </a:endParaRPr>
@@ -8775,28 +10783,14 @@
                 <a:latin typeface="Latin Modern Sans"/>
                 <a:ea typeface="DejaVu Sans"/>
               </a:rPr>
-              <a:t>Imprima a sequencia entre 0 e N</a:t>
+              <a:t>While</a:t>
             </a:r>
             <a:endParaRPr b="0" lang="pt-BR" sz="1800" spc="-1" strike="noStrike">
               <a:latin typeface="Arial"/>
             </a:endParaRPr>
           </a:p>
           <a:p>
-            <a:pPr>
-              <a:lnSpc>
-                <a:spcPct val="100000"/>
-              </a:lnSpc>
-              <a:spcAft>
-                <a:spcPts val="1140"/>
-              </a:spcAft>
-              <a:buNone/>
-            </a:pPr>
-            <a:endParaRPr b="0" lang="pt-BR" sz="1800" spc="-1" strike="noStrike">
-              <a:latin typeface="Arial"/>
-            </a:endParaRPr>
-          </a:p>
-          <a:p>
-            <a:pPr marL="216000" indent="-208440">
+            <a:pPr lvl="1" marL="673200" indent="-208440">
               <a:lnSpc>
                 <a:spcPct val="100000"/>
               </a:lnSpc>
@@ -8818,28 +10812,14 @@
                 <a:latin typeface="Latin Modern Sans"/>
                 <a:ea typeface="DejaVu Sans"/>
               </a:rPr>
-              <a:t>Some todos os números pares de 0 a 100</a:t>
+              <a:t>Condições indefinidas</a:t>
             </a:r>
             <a:endParaRPr b="0" lang="pt-BR" sz="1800" spc="-1" strike="noStrike">
               <a:latin typeface="Arial"/>
             </a:endParaRPr>
           </a:p>
           <a:p>
-            <a:pPr>
-              <a:lnSpc>
-                <a:spcPct val="100000"/>
-              </a:lnSpc>
-              <a:spcAft>
-                <a:spcPts val="1140"/>
-              </a:spcAft>
-              <a:buNone/>
-            </a:pPr>
-            <a:endParaRPr b="0" lang="pt-BR" sz="1800" spc="-1" strike="noStrike">
-              <a:latin typeface="Arial"/>
-            </a:endParaRPr>
-          </a:p>
-          <a:p>
-            <a:pPr marL="216000" indent="-208440">
+            <a:pPr lvl="2" marL="1130400" indent="-208440">
               <a:lnSpc>
                 <a:spcPct val="100000"/>
               </a:lnSpc>
@@ -8861,28 +10841,14 @@
                 <a:latin typeface="Latin Modern Sans"/>
                 <a:ea typeface="DejaVu Sans"/>
               </a:rPr>
-              <a:t>Some todos os números pares digitados até que a soma ultrapasse 100</a:t>
+              <a:t>Depende de ação do usuário</a:t>
             </a:r>
             <a:endParaRPr b="0" lang="pt-BR" sz="1800" spc="-1" strike="noStrike">
               <a:latin typeface="Arial"/>
             </a:endParaRPr>
           </a:p>
           <a:p>
-            <a:pPr>
-              <a:lnSpc>
-                <a:spcPct val="100000"/>
-              </a:lnSpc>
-              <a:spcAft>
-                <a:spcPts val="1140"/>
-              </a:spcAft>
-              <a:buNone/>
-            </a:pPr>
-            <a:endParaRPr b="0" lang="pt-BR" sz="1800" spc="-1" strike="noStrike">
-              <a:latin typeface="Arial"/>
-            </a:endParaRPr>
-          </a:p>
-          <a:p>
-            <a:pPr marL="216000" indent="-208440">
+            <a:pPr lvl="2" marL="1130400" indent="-208440">
               <a:lnSpc>
                 <a:spcPct val="100000"/>
               </a:lnSpc>
@@ -8904,28 +10870,14 @@
                 <a:latin typeface="Latin Modern Sans"/>
                 <a:ea typeface="DejaVu Sans"/>
               </a:rPr>
-              <a:t>Imprima 15 elementos da serie de Fibonacci</a:t>
+              <a:t>Depende de um cálculo</a:t>
             </a:r>
             <a:endParaRPr b="0" lang="pt-BR" sz="1800" spc="-1" strike="noStrike">
               <a:latin typeface="Arial"/>
             </a:endParaRPr>
           </a:p>
           <a:p>
-            <a:pPr>
-              <a:lnSpc>
-                <a:spcPct val="100000"/>
-              </a:lnSpc>
-              <a:spcAft>
-                <a:spcPts val="1140"/>
-              </a:spcAft>
-              <a:buNone/>
-            </a:pPr>
-            <a:endParaRPr b="0" lang="pt-BR" sz="1800" spc="-1" strike="noStrike">
-              <a:latin typeface="Arial"/>
-            </a:endParaRPr>
-          </a:p>
-          <a:p>
-            <a:pPr marL="216000" indent="-208440">
+            <a:pPr lvl="2" marL="1130400" indent="-208440">
               <a:lnSpc>
                 <a:spcPct val="100000"/>
               </a:lnSpc>
@@ -8947,50 +10899,7 @@
                 <a:latin typeface="Latin Modern Sans"/>
                 <a:ea typeface="DejaVu Sans"/>
               </a:rPr>
-              <a:t>Solicite 5 números e calcule a média</a:t>
-            </a:r>
-            <a:endParaRPr b="0" lang="pt-BR" sz="1800" spc="-1" strike="noStrike">
-              <a:latin typeface="Arial"/>
-            </a:endParaRPr>
-          </a:p>
-          <a:p>
-            <a:pPr>
-              <a:lnSpc>
-                <a:spcPct val="100000"/>
-              </a:lnSpc>
-              <a:spcAft>
-                <a:spcPts val="1140"/>
-              </a:spcAft>
-              <a:buNone/>
-            </a:pPr>
-            <a:endParaRPr b="0" lang="pt-BR" sz="1800" spc="-1" strike="noStrike">
-              <a:latin typeface="Arial"/>
-            </a:endParaRPr>
-          </a:p>
-          <a:p>
-            <a:pPr marL="216000" indent="-208440">
-              <a:lnSpc>
-                <a:spcPct val="100000"/>
-              </a:lnSpc>
-              <a:spcAft>
-                <a:spcPts val="1140"/>
-              </a:spcAft>
-              <a:buClr>
-                <a:srgbClr val="000000"/>
-              </a:buClr>
-              <a:buSzPct val="45000"/>
-              <a:buFont typeface="Wingdings" charset="2"/>
-              <a:buChar char=""/>
-            </a:pPr>
-            <a:r>
-              <a:rPr b="0" lang="pt-BR" sz="1800" spc="-1" strike="noStrike">
-                <a:solidFill>
-                  <a:srgbClr val="1c1c1c"/>
-                </a:solidFill>
-                <a:latin typeface="Latin Modern Sans"/>
-                <a:ea typeface="DejaVu Sans"/>
-              </a:rPr>
-              <a:t>Solicite números até digitar 0 e calcule a média</a:t>
+              <a:t>Etc</a:t>
             </a:r>
             <a:endParaRPr b="0" lang="pt-BR" sz="1800" spc="-1" strike="noStrike">
               <a:latin typeface="Arial"/>
@@ -9044,14 +10953,14 @@
       </p:grpSpPr>
       <p:sp>
         <p:nvSpPr>
-          <p:cNvPr id="272" name="CustomShape 1"/>
+          <p:cNvPr id="314" name="CustomShape 1"/>
           <p:cNvSpPr/>
           <p:nvPr/>
         </p:nvSpPr>
         <p:spPr>
           <a:xfrm>
             <a:off x="360000" y="360000"/>
-            <a:ext cx="9351360" cy="891360"/>
+            <a:ext cx="9351000" cy="891000"/>
           </a:xfrm>
           <a:prstGeom prst="rect">
             <a:avLst/>
@@ -9096,14 +11005,14 @@
       </p:sp>
       <p:sp>
         <p:nvSpPr>
-          <p:cNvPr id="273" name="CustomShape 2"/>
+          <p:cNvPr id="315" name="CustomShape 2"/>
           <p:cNvSpPr/>
           <p:nvPr/>
         </p:nvSpPr>
         <p:spPr>
           <a:xfrm>
             <a:off x="897120" y="6886080"/>
-            <a:ext cx="6438600" cy="356400"/>
+            <a:ext cx="6438240" cy="356040"/>
           </a:xfrm>
           <a:prstGeom prst="rect">
             <a:avLst/>
@@ -9148,14 +11057,14 @@
       </p:sp>
       <p:sp>
         <p:nvSpPr>
-          <p:cNvPr id="274" name="CustomShape 3"/>
+          <p:cNvPr id="316" name="CustomShape 3"/>
           <p:cNvSpPr/>
           <p:nvPr/>
         </p:nvSpPr>
         <p:spPr>
           <a:xfrm>
             <a:off x="7608600" y="6886080"/>
-            <a:ext cx="2276640" cy="356400"/>
+            <a:ext cx="2276280" cy="356040"/>
           </a:xfrm>
           <a:prstGeom prst="rect">
             <a:avLst/>
@@ -9200,14 +11109,14 @@
       </p:sp>
       <p:sp>
         <p:nvSpPr>
-          <p:cNvPr id="275" name="CustomShape 11"/>
+          <p:cNvPr id="317" name="CustomShape 11"/>
           <p:cNvSpPr/>
           <p:nvPr/>
         </p:nvSpPr>
         <p:spPr>
           <a:xfrm flipH="1" rot="10800000">
-            <a:off x="17998560" y="11129400"/>
-            <a:ext cx="698760" cy="355320"/>
+            <a:off x="17998920" y="11129760"/>
+            <a:ext cx="698400" cy="354960"/>
           </a:xfrm>
           <a:prstGeom prst="bentUpArrow">
             <a:avLst>
@@ -9235,14 +11144,14 @@
       </p:sp>
       <p:sp>
         <p:nvSpPr>
-          <p:cNvPr id="276" name="CustomShape 15"/>
+          <p:cNvPr id="318" name="CustomShape 15"/>
           <p:cNvSpPr/>
           <p:nvPr/>
         </p:nvSpPr>
         <p:spPr>
           <a:xfrm rot="10800000">
-            <a:off x="16093800" y="11129400"/>
-            <a:ext cx="735120" cy="355320"/>
+            <a:off x="16094160" y="11129760"/>
+            <a:ext cx="734760" cy="354960"/>
           </a:xfrm>
           <a:prstGeom prst="bentUpArrow">
             <a:avLst>
@@ -9270,14 +11179,14 @@
       </p:sp>
       <p:sp>
         <p:nvSpPr>
-          <p:cNvPr id="277" name="CustomShape 2"/>
+          <p:cNvPr id="319" name="CustomShape 2"/>
           <p:cNvSpPr/>
           <p:nvPr/>
         </p:nvSpPr>
         <p:spPr>
           <a:xfrm>
             <a:off x="360000" y="1705680"/>
-            <a:ext cx="9171360" cy="4671360"/>
+            <a:ext cx="9171000" cy="4671000"/>
           </a:xfrm>
           <a:prstGeom prst="rect">
             <a:avLst/>
@@ -9320,24 +11229,14 @@
                 <a:latin typeface="Latin Modern Sans"/>
                 <a:ea typeface="DejaVu Sans"/>
               </a:rPr>
-              <a:t>Imprima a sequencia entre 0 e 20  </a:t>
-            </a:r>
-            <a:r>
-              <a:rPr b="0" lang="pt-BR" sz="1800" spc="-1" strike="noStrike">
-                <a:solidFill>
-                  <a:srgbClr val="ff0000"/>
-                </a:solidFill>
-                <a:latin typeface="Latin Modern Sans"/>
-                <a:ea typeface="DejaVu Sans"/>
-              </a:rPr>
-              <a:t>(for)</a:t>
+              <a:t>Imprima a sequencia entre 0 e 20</a:t>
             </a:r>
             <a:endParaRPr b="0" lang="pt-BR" sz="1800" spc="-1" strike="noStrike">
               <a:latin typeface="Arial"/>
             </a:endParaRPr>
           </a:p>
           <a:p>
-            <a:pPr marL="7560">
+            <a:pPr>
               <a:lnSpc>
                 <a:spcPct val="100000"/>
               </a:lnSpc>
@@ -9373,17 +11272,7 @@
                 <a:latin typeface="Latin Modern Sans"/>
                 <a:ea typeface="DejaVu Sans"/>
               </a:rPr>
-              <a:t>Imprima a sequencia entre 0 e N </a:t>
-            </a:r>
-            <a:r>
-              <a:rPr b="0" lang="pt-BR" sz="1800" spc="-1" strike="noStrike">
-                <a:solidFill>
-                  <a:srgbClr val="ff0000"/>
-                </a:solidFill>
-                <a:latin typeface="Latin Modern Sans"/>
-                <a:ea typeface="DejaVu Sans"/>
-              </a:rPr>
-              <a:t>(for)</a:t>
+              <a:t>Imprima a sequencia entre 0 e N</a:t>
             </a:r>
             <a:endParaRPr b="0" lang="pt-BR" sz="1800" spc="-1" strike="noStrike">
               <a:latin typeface="Arial"/>
@@ -9426,17 +11315,7 @@
                 <a:latin typeface="Latin Modern Sans"/>
                 <a:ea typeface="DejaVu Sans"/>
               </a:rPr>
-              <a:t>Some todos os números pares de 0 a 100 </a:t>
-            </a:r>
-            <a:r>
-              <a:rPr b="0" lang="pt-BR" sz="1800" spc="-1" strike="noStrike">
-                <a:solidFill>
-                  <a:srgbClr val="ff0000"/>
-                </a:solidFill>
-                <a:latin typeface="Latin Modern Sans"/>
-                <a:ea typeface="DejaVu Sans"/>
-              </a:rPr>
-              <a:t>(for)</a:t>
+              <a:t>Some todos os números pares de 0 a 100</a:t>
             </a:r>
             <a:endParaRPr b="0" lang="pt-BR" sz="1800" spc="-1" strike="noStrike">
               <a:latin typeface="Arial"/>
@@ -9479,24 +11358,14 @@
                 <a:latin typeface="Latin Modern Sans"/>
                 <a:ea typeface="DejaVu Sans"/>
               </a:rPr>
-              <a:t>Some todos os números pares digitados até que a soma ultrapasse 100 </a:t>
-            </a:r>
-            <a:r>
-              <a:rPr b="0" lang="pt-BR" sz="1800" spc="-1" strike="noStrike">
-                <a:solidFill>
-                  <a:srgbClr val="ff0000"/>
-                </a:solidFill>
-                <a:latin typeface="Latin Modern Sans"/>
-                <a:ea typeface="DejaVu Sans"/>
-              </a:rPr>
-              <a:t>(while)</a:t>
+              <a:t>Some todos os números pares digitados até que a soma ultrapasse 100</a:t>
             </a:r>
             <a:endParaRPr b="0" lang="pt-BR" sz="1800" spc="-1" strike="noStrike">
               <a:latin typeface="Arial"/>
             </a:endParaRPr>
           </a:p>
           <a:p>
-            <a:pPr marL="7560">
+            <a:pPr>
               <a:lnSpc>
                 <a:spcPct val="100000"/>
               </a:lnSpc>
@@ -9532,17 +11401,7 @@
                 <a:latin typeface="Latin Modern Sans"/>
                 <a:ea typeface="DejaVu Sans"/>
               </a:rPr>
-              <a:t>Imprima 15 elementos da serie de Fibonacci </a:t>
-            </a:r>
-            <a:r>
-              <a:rPr b="0" lang="pt-BR" sz="1800" spc="-1" strike="noStrike">
-                <a:solidFill>
-                  <a:srgbClr val="ff0000"/>
-                </a:solidFill>
-                <a:latin typeface="Latin Modern Sans"/>
-                <a:ea typeface="DejaVu Sans"/>
-              </a:rPr>
-              <a:t>(for)</a:t>
+              <a:t>Imprima 15 elementos da serie de Fibonacci</a:t>
             </a:r>
             <a:endParaRPr b="0" lang="pt-BR" sz="1800" spc="-1" strike="noStrike">
               <a:latin typeface="Arial"/>
@@ -9585,17 +11444,7 @@
                 <a:latin typeface="Latin Modern Sans"/>
                 <a:ea typeface="DejaVu Sans"/>
               </a:rPr>
-              <a:t>Solicite 5 números e calcule a média </a:t>
-            </a:r>
-            <a:r>
-              <a:rPr b="0" lang="pt-BR" sz="1800" spc="-1" strike="noStrike">
-                <a:solidFill>
-                  <a:srgbClr val="ff0000"/>
-                </a:solidFill>
-                <a:latin typeface="Latin Modern Sans"/>
-                <a:ea typeface="DejaVu Sans"/>
-              </a:rPr>
-              <a:t>(for)</a:t>
+              <a:t>Solicite 5 números e calcule a média</a:t>
             </a:r>
             <a:endParaRPr b="0" lang="pt-BR" sz="1800" spc="-1" strike="noStrike">
               <a:latin typeface="Arial"/>
@@ -9638,32 +11487,8 @@
                 <a:latin typeface="Latin Modern Sans"/>
                 <a:ea typeface="DejaVu Sans"/>
               </a:rPr>
-              <a:t>Solicite números até digitar 0 e calcule a média </a:t>
+              <a:t>Solicite números até digitar 0 e calcule a média</a:t>
             </a:r>
-            <a:r>
-              <a:rPr b="0" lang="pt-BR" sz="1800" spc="-1" strike="noStrike">
-                <a:solidFill>
-                  <a:srgbClr val="ff0000"/>
-                </a:solidFill>
-                <a:latin typeface="Latin Modern Sans"/>
-                <a:ea typeface="DejaVu Sans"/>
-              </a:rPr>
-              <a:t>(while)</a:t>
-            </a:r>
-            <a:endParaRPr b="0" lang="pt-BR" sz="1800" spc="-1" strike="noStrike">
-              <a:latin typeface="Arial"/>
-            </a:endParaRPr>
-          </a:p>
-          <a:p>
-            <a:pPr>
-              <a:lnSpc>
-                <a:spcPct val="100000"/>
-              </a:lnSpc>
-              <a:spcAft>
-                <a:spcPts val="1140"/>
-              </a:spcAft>
-              <a:buNone/>
-            </a:pPr>
             <a:endParaRPr b="0" lang="pt-BR" sz="1800" spc="-1" strike="noStrike">
               <a:latin typeface="Arial"/>
             </a:endParaRPr>
@@ -9716,14 +11541,686 @@
       </p:grpSpPr>
       <p:sp>
         <p:nvSpPr>
-          <p:cNvPr id="278" name="CustomShape 1"/>
+          <p:cNvPr id="320" name="CustomShape 1"/>
           <p:cNvSpPr/>
           <p:nvPr/>
         </p:nvSpPr>
         <p:spPr>
           <a:xfrm>
             <a:off x="360000" y="360000"/>
-            <a:ext cx="9351360" cy="891360"/>
+            <a:ext cx="9351000" cy="891000"/>
+          </a:xfrm>
+          <a:prstGeom prst="rect">
+            <a:avLst/>
+          </a:prstGeom>
+          <a:noFill/>
+          <a:ln w="0">
+            <a:noFill/>
+          </a:ln>
+        </p:spPr>
+        <p:style>
+          <a:lnRef idx="0"/>
+          <a:fillRef idx="0"/>
+          <a:effectRef idx="0"/>
+          <a:fontRef idx="minor"/>
+        </p:style>
+        <p:txBody>
+          <a:bodyPr lIns="0" rIns="0" tIns="0" bIns="0" anchor="b">
+            <a:noAutofit/>
+          </a:bodyPr>
+          <a:p>
+            <a:pPr>
+              <a:lnSpc>
+                <a:spcPct val="100000"/>
+              </a:lnSpc>
+              <a:buNone/>
+            </a:pPr>
+            <a:r>
+              <a:rPr b="1" lang="pt-BR" sz="3200" spc="-1" strike="noStrike">
+                <a:solidFill>
+                  <a:srgbClr val="ffffff"/>
+                </a:solidFill>
+                <a:latin typeface="Latin Modern Sans"/>
+                <a:ea typeface="DejaVu Sans"/>
+              </a:rPr>
+              <a:t>While ou For ?</a:t>
+            </a:r>
+            <a:endParaRPr b="0" lang="pt-BR" sz="3200" spc="-1" strike="noStrike">
+              <a:latin typeface="Arial"/>
+            </a:endParaRPr>
+          </a:p>
+        </p:txBody>
+      </p:sp>
+      <p:sp>
+        <p:nvSpPr>
+          <p:cNvPr id="321" name="CustomShape 2"/>
+          <p:cNvSpPr/>
+          <p:nvPr/>
+        </p:nvSpPr>
+        <p:spPr>
+          <a:xfrm>
+            <a:off x="897120" y="6886080"/>
+            <a:ext cx="6438240" cy="356040"/>
+          </a:xfrm>
+          <a:prstGeom prst="rect">
+            <a:avLst/>
+          </a:prstGeom>
+          <a:noFill/>
+          <a:ln w="0">
+            <a:noFill/>
+          </a:ln>
+        </p:spPr>
+        <p:style>
+          <a:lnRef idx="0"/>
+          <a:fillRef idx="0"/>
+          <a:effectRef idx="0"/>
+          <a:fontRef idx="minor"/>
+        </p:style>
+        <p:txBody>
+          <a:bodyPr lIns="90000" rIns="90000" tIns="45000" bIns="45000" anchor="t">
+            <a:noAutofit/>
+          </a:bodyPr>
+          <a:p>
+            <a:pPr>
+              <a:lnSpc>
+                <a:spcPct val="100000"/>
+              </a:lnSpc>
+              <a:buNone/>
+            </a:pPr>
+            <a:r>
+              <a:rPr b="0" lang="pt-BR" sz="1800" spc="-1" strike="noStrike">
+                <a:solidFill>
+                  <a:srgbClr val="000000"/>
+                </a:solidFill>
+                <a:latin typeface="Arial"/>
+                <a:ea typeface="DejaVu Sans"/>
+              </a:rPr>
+              <a:t>Raciocínio Algorítmico - Prof. André Hochuli</a:t>
+            </a:r>
+            <a:endParaRPr b="0" lang="pt-BR" sz="1800" spc="-1" strike="noStrike">
+              <a:latin typeface="Arial"/>
+            </a:endParaRPr>
+          </a:p>
+        </p:txBody>
+      </p:sp>
+      <p:sp>
+        <p:nvSpPr>
+          <p:cNvPr id="322" name="CustomShape 3"/>
+          <p:cNvSpPr/>
+          <p:nvPr/>
+        </p:nvSpPr>
+        <p:spPr>
+          <a:xfrm>
+            <a:off x="7608600" y="6886080"/>
+            <a:ext cx="2276280" cy="356040"/>
+          </a:xfrm>
+          <a:prstGeom prst="rect">
+            <a:avLst/>
+          </a:prstGeom>
+          <a:noFill/>
+          <a:ln w="0">
+            <a:noFill/>
+          </a:ln>
+        </p:spPr>
+        <p:style>
+          <a:lnRef idx="0"/>
+          <a:fillRef idx="0"/>
+          <a:effectRef idx="0"/>
+          <a:fontRef idx="minor"/>
+        </p:style>
+        <p:txBody>
+          <a:bodyPr lIns="90000" rIns="90000" tIns="45000" bIns="45000" anchor="t">
+            <a:noAutofit/>
+          </a:bodyPr>
+          <a:p>
+            <a:pPr>
+              <a:lnSpc>
+                <a:spcPct val="100000"/>
+              </a:lnSpc>
+              <a:buNone/>
+            </a:pPr>
+            <a:r>
+              <a:rPr b="0" lang="pt-BR" sz="1800" spc="-1" strike="noStrike">
+                <a:solidFill>
+                  <a:srgbClr val="000000"/>
+                </a:solidFill>
+                <a:latin typeface="Arial"/>
+                <a:ea typeface="DejaVu Sans"/>
+              </a:rPr>
+              <a:t>Tópico 05</a:t>
+            </a:r>
+            <a:endParaRPr b="0" lang="pt-BR" sz="1800" spc="-1" strike="noStrike">
+              <a:latin typeface="Arial"/>
+            </a:endParaRPr>
+          </a:p>
+        </p:txBody>
+      </p:sp>
+      <p:sp>
+        <p:nvSpPr>
+          <p:cNvPr id="323" name="CustomShape 11"/>
+          <p:cNvSpPr/>
+          <p:nvPr/>
+        </p:nvSpPr>
+        <p:spPr>
+          <a:xfrm flipH="1" rot="10800000">
+            <a:off x="17998920" y="11129760"/>
+            <a:ext cx="698400" cy="354960"/>
+          </a:xfrm>
+          <a:prstGeom prst="bentUpArrow">
+            <a:avLst>
+              <a:gd name="adj1" fmla="val 25000"/>
+              <a:gd name="adj2" fmla="val 25000"/>
+              <a:gd name="adj3" fmla="val 25000"/>
+            </a:avLst>
+          </a:prstGeom>
+          <a:solidFill>
+            <a:srgbClr val="4f81bd"/>
+          </a:solidFill>
+          <a:ln w="25560">
+            <a:solidFill>
+              <a:srgbClr val="3a5f8b"/>
+            </a:solidFill>
+            <a:round/>
+          </a:ln>
+        </p:spPr>
+        <p:style>
+          <a:lnRef idx="0"/>
+          <a:fillRef idx="0"/>
+          <a:effectRef idx="0"/>
+          <a:fontRef idx="minor"/>
+        </p:style>
+      </p:sp>
+      <p:sp>
+        <p:nvSpPr>
+          <p:cNvPr id="324" name="CustomShape 15"/>
+          <p:cNvSpPr/>
+          <p:nvPr/>
+        </p:nvSpPr>
+        <p:spPr>
+          <a:xfrm rot="10800000">
+            <a:off x="16094160" y="11129760"/>
+            <a:ext cx="734760" cy="354960"/>
+          </a:xfrm>
+          <a:prstGeom prst="bentUpArrow">
+            <a:avLst>
+              <a:gd name="adj1" fmla="val 25000"/>
+              <a:gd name="adj2" fmla="val 25000"/>
+              <a:gd name="adj3" fmla="val 25000"/>
+            </a:avLst>
+          </a:prstGeom>
+          <a:solidFill>
+            <a:srgbClr val="4f81bd"/>
+          </a:solidFill>
+          <a:ln w="25560">
+            <a:solidFill>
+              <a:srgbClr val="3a5f8b"/>
+            </a:solidFill>
+            <a:round/>
+          </a:ln>
+        </p:spPr>
+        <p:style>
+          <a:lnRef idx="0"/>
+          <a:fillRef idx="0"/>
+          <a:effectRef idx="0"/>
+          <a:fontRef idx="minor"/>
+        </p:style>
+      </p:sp>
+      <p:sp>
+        <p:nvSpPr>
+          <p:cNvPr id="325" name="CustomShape 2"/>
+          <p:cNvSpPr/>
+          <p:nvPr/>
+        </p:nvSpPr>
+        <p:spPr>
+          <a:xfrm>
+            <a:off x="360000" y="1705680"/>
+            <a:ext cx="9171000" cy="4671000"/>
+          </a:xfrm>
+          <a:prstGeom prst="rect">
+            <a:avLst/>
+          </a:prstGeom>
+          <a:noFill/>
+          <a:ln w="0">
+            <a:noFill/>
+          </a:ln>
+        </p:spPr>
+        <p:style>
+          <a:lnRef idx="0"/>
+          <a:fillRef idx="0"/>
+          <a:effectRef idx="0"/>
+          <a:fontRef idx="minor"/>
+        </p:style>
+        <p:txBody>
+          <a:bodyPr lIns="0" rIns="0" tIns="0" bIns="0" anchor="t">
+            <a:normAutofit fontScale="88000"/>
+          </a:bodyPr>
+          <a:p>
+            <a:pPr marL="216000" indent="-208440">
+              <a:lnSpc>
+                <a:spcPct val="100000"/>
+              </a:lnSpc>
+              <a:spcAft>
+                <a:spcPts val="1140"/>
+              </a:spcAft>
+              <a:buClr>
+                <a:srgbClr val="000000"/>
+              </a:buClr>
+              <a:buSzPct val="45000"/>
+              <a:buFont typeface="Wingdings" charset="2"/>
+              <a:buChar char=""/>
+            </a:pPr>
+            <a:r>
+              <a:rPr b="0" lang="pt-BR" sz="1800" spc="-1" strike="noStrike">
+                <a:solidFill>
+                  <a:srgbClr val="1c1c1c"/>
+                </a:solidFill>
+                <a:latin typeface="Latin Modern Sans"/>
+                <a:ea typeface="DejaVu Sans"/>
+              </a:rPr>
+              <a:t>Imprima a sequencia entre 0 e 20  </a:t>
+            </a:r>
+            <a:r>
+              <a:rPr b="0" lang="pt-BR" sz="1800" spc="-1" strike="noStrike">
+                <a:solidFill>
+                  <a:srgbClr val="ff0000"/>
+                </a:solidFill>
+                <a:latin typeface="Latin Modern Sans"/>
+                <a:ea typeface="DejaVu Sans"/>
+              </a:rPr>
+              <a:t>(for)</a:t>
+            </a:r>
+            <a:endParaRPr b="0" lang="pt-BR" sz="1800" spc="-1" strike="noStrike">
+              <a:latin typeface="Arial"/>
+            </a:endParaRPr>
+          </a:p>
+          <a:p>
+            <a:pPr marL="7560">
+              <a:lnSpc>
+                <a:spcPct val="100000"/>
+              </a:lnSpc>
+              <a:spcAft>
+                <a:spcPts val="1140"/>
+              </a:spcAft>
+              <a:buNone/>
+            </a:pPr>
+            <a:endParaRPr b="0" lang="pt-BR" sz="1800" spc="-1" strike="noStrike">
+              <a:latin typeface="Arial"/>
+            </a:endParaRPr>
+          </a:p>
+          <a:p>
+            <a:pPr marL="216000" indent="-208440">
+              <a:lnSpc>
+                <a:spcPct val="100000"/>
+              </a:lnSpc>
+              <a:spcAft>
+                <a:spcPts val="1140"/>
+              </a:spcAft>
+              <a:buClr>
+                <a:srgbClr val="000000"/>
+              </a:buClr>
+              <a:buSzPct val="45000"/>
+              <a:buFont typeface="Wingdings" charset="2"/>
+              <a:buChar char=""/>
+            </a:pPr>
+            <a:r>
+              <a:rPr b="0" lang="pt-BR" sz="1800" spc="-1" strike="noStrike">
+                <a:solidFill>
+                  <a:srgbClr val="1c1c1c"/>
+                </a:solidFill>
+                <a:latin typeface="Latin Modern Sans"/>
+                <a:ea typeface="DejaVu Sans"/>
+              </a:rPr>
+              <a:t>Imprima a sequencia entre 0 e N </a:t>
+            </a:r>
+            <a:r>
+              <a:rPr b="0" lang="pt-BR" sz="1800" spc="-1" strike="noStrike">
+                <a:solidFill>
+                  <a:srgbClr val="ff0000"/>
+                </a:solidFill>
+                <a:latin typeface="Latin Modern Sans"/>
+                <a:ea typeface="DejaVu Sans"/>
+              </a:rPr>
+              <a:t>(for)</a:t>
+            </a:r>
+            <a:endParaRPr b="0" lang="pt-BR" sz="1800" spc="-1" strike="noStrike">
+              <a:latin typeface="Arial"/>
+            </a:endParaRPr>
+          </a:p>
+          <a:p>
+            <a:pPr>
+              <a:lnSpc>
+                <a:spcPct val="100000"/>
+              </a:lnSpc>
+              <a:spcAft>
+                <a:spcPts val="1140"/>
+              </a:spcAft>
+              <a:buNone/>
+            </a:pPr>
+            <a:endParaRPr b="0" lang="pt-BR" sz="1800" spc="-1" strike="noStrike">
+              <a:latin typeface="Arial"/>
+            </a:endParaRPr>
+          </a:p>
+          <a:p>
+            <a:pPr marL="216000" indent="-208440">
+              <a:lnSpc>
+                <a:spcPct val="100000"/>
+              </a:lnSpc>
+              <a:spcAft>
+                <a:spcPts val="1140"/>
+              </a:spcAft>
+              <a:buClr>
+                <a:srgbClr val="000000"/>
+              </a:buClr>
+              <a:buSzPct val="45000"/>
+              <a:buFont typeface="Wingdings" charset="2"/>
+              <a:buChar char=""/>
+            </a:pPr>
+            <a:r>
+              <a:rPr b="0" lang="pt-BR" sz="1800" spc="-1" strike="noStrike">
+                <a:solidFill>
+                  <a:srgbClr val="1c1c1c"/>
+                </a:solidFill>
+                <a:latin typeface="Latin Modern Sans"/>
+                <a:ea typeface="DejaVu Sans"/>
+              </a:rPr>
+              <a:t>Some todos os números pares de 0 a 100 </a:t>
+            </a:r>
+            <a:r>
+              <a:rPr b="0" lang="pt-BR" sz="1800" spc="-1" strike="noStrike">
+                <a:solidFill>
+                  <a:srgbClr val="ff0000"/>
+                </a:solidFill>
+                <a:latin typeface="Latin Modern Sans"/>
+                <a:ea typeface="DejaVu Sans"/>
+              </a:rPr>
+              <a:t>(for)</a:t>
+            </a:r>
+            <a:endParaRPr b="0" lang="pt-BR" sz="1800" spc="-1" strike="noStrike">
+              <a:latin typeface="Arial"/>
+            </a:endParaRPr>
+          </a:p>
+          <a:p>
+            <a:pPr>
+              <a:lnSpc>
+                <a:spcPct val="100000"/>
+              </a:lnSpc>
+              <a:spcAft>
+                <a:spcPts val="1140"/>
+              </a:spcAft>
+              <a:buNone/>
+            </a:pPr>
+            <a:endParaRPr b="0" lang="pt-BR" sz="1800" spc="-1" strike="noStrike">
+              <a:latin typeface="Arial"/>
+            </a:endParaRPr>
+          </a:p>
+          <a:p>
+            <a:pPr marL="216000" indent="-208440">
+              <a:lnSpc>
+                <a:spcPct val="100000"/>
+              </a:lnSpc>
+              <a:spcAft>
+                <a:spcPts val="1140"/>
+              </a:spcAft>
+              <a:buClr>
+                <a:srgbClr val="000000"/>
+              </a:buClr>
+              <a:buSzPct val="45000"/>
+              <a:buFont typeface="Wingdings" charset="2"/>
+              <a:buChar char=""/>
+            </a:pPr>
+            <a:r>
+              <a:rPr b="0" lang="pt-BR" sz="1800" spc="-1" strike="noStrike">
+                <a:solidFill>
+                  <a:srgbClr val="1c1c1c"/>
+                </a:solidFill>
+                <a:latin typeface="Latin Modern Sans"/>
+                <a:ea typeface="DejaVu Sans"/>
+              </a:rPr>
+              <a:t>Some todos os números pares digitados até que a soma ultrapasse 100 </a:t>
+            </a:r>
+            <a:r>
+              <a:rPr b="0" lang="pt-BR" sz="1800" spc="-1" strike="noStrike">
+                <a:solidFill>
+                  <a:srgbClr val="ff0000"/>
+                </a:solidFill>
+                <a:latin typeface="Latin Modern Sans"/>
+                <a:ea typeface="DejaVu Sans"/>
+              </a:rPr>
+              <a:t>(while)</a:t>
+            </a:r>
+            <a:endParaRPr b="0" lang="pt-BR" sz="1800" spc="-1" strike="noStrike">
+              <a:latin typeface="Arial"/>
+            </a:endParaRPr>
+          </a:p>
+          <a:p>
+            <a:pPr marL="7560">
+              <a:lnSpc>
+                <a:spcPct val="100000"/>
+              </a:lnSpc>
+              <a:spcAft>
+                <a:spcPts val="1140"/>
+              </a:spcAft>
+              <a:buNone/>
+            </a:pPr>
+            <a:endParaRPr b="0" lang="pt-BR" sz="1800" spc="-1" strike="noStrike">
+              <a:latin typeface="Arial"/>
+            </a:endParaRPr>
+          </a:p>
+          <a:p>
+            <a:pPr marL="216000" indent="-208440">
+              <a:lnSpc>
+                <a:spcPct val="100000"/>
+              </a:lnSpc>
+              <a:spcAft>
+                <a:spcPts val="1140"/>
+              </a:spcAft>
+              <a:buClr>
+                <a:srgbClr val="000000"/>
+              </a:buClr>
+              <a:buSzPct val="45000"/>
+              <a:buFont typeface="Wingdings" charset="2"/>
+              <a:buChar char=""/>
+            </a:pPr>
+            <a:r>
+              <a:rPr b="0" lang="pt-BR" sz="1800" spc="-1" strike="noStrike">
+                <a:solidFill>
+                  <a:srgbClr val="1c1c1c"/>
+                </a:solidFill>
+                <a:latin typeface="Latin Modern Sans"/>
+                <a:ea typeface="DejaVu Sans"/>
+              </a:rPr>
+              <a:t>Imprima 15 elementos da serie de Fibonacci </a:t>
+            </a:r>
+            <a:r>
+              <a:rPr b="0" lang="pt-BR" sz="1800" spc="-1" strike="noStrike">
+                <a:solidFill>
+                  <a:srgbClr val="ff0000"/>
+                </a:solidFill>
+                <a:latin typeface="Latin Modern Sans"/>
+                <a:ea typeface="DejaVu Sans"/>
+              </a:rPr>
+              <a:t>(for)</a:t>
+            </a:r>
+            <a:endParaRPr b="0" lang="pt-BR" sz="1800" spc="-1" strike="noStrike">
+              <a:latin typeface="Arial"/>
+            </a:endParaRPr>
+          </a:p>
+          <a:p>
+            <a:pPr>
+              <a:lnSpc>
+                <a:spcPct val="100000"/>
+              </a:lnSpc>
+              <a:spcAft>
+                <a:spcPts val="1140"/>
+              </a:spcAft>
+              <a:buNone/>
+            </a:pPr>
+            <a:endParaRPr b="0" lang="pt-BR" sz="1800" spc="-1" strike="noStrike">
+              <a:latin typeface="Arial"/>
+            </a:endParaRPr>
+          </a:p>
+          <a:p>
+            <a:pPr marL="216000" indent="-208440">
+              <a:lnSpc>
+                <a:spcPct val="100000"/>
+              </a:lnSpc>
+              <a:spcAft>
+                <a:spcPts val="1140"/>
+              </a:spcAft>
+              <a:buClr>
+                <a:srgbClr val="000000"/>
+              </a:buClr>
+              <a:buSzPct val="45000"/>
+              <a:buFont typeface="Wingdings" charset="2"/>
+              <a:buChar char=""/>
+            </a:pPr>
+            <a:r>
+              <a:rPr b="0" lang="pt-BR" sz="1800" spc="-1" strike="noStrike">
+                <a:solidFill>
+                  <a:srgbClr val="1c1c1c"/>
+                </a:solidFill>
+                <a:latin typeface="Latin Modern Sans"/>
+                <a:ea typeface="DejaVu Sans"/>
+              </a:rPr>
+              <a:t>Solicite 5 números e calcule a média </a:t>
+            </a:r>
+            <a:r>
+              <a:rPr b="0" lang="pt-BR" sz="1800" spc="-1" strike="noStrike">
+                <a:solidFill>
+                  <a:srgbClr val="ff0000"/>
+                </a:solidFill>
+                <a:latin typeface="Latin Modern Sans"/>
+                <a:ea typeface="DejaVu Sans"/>
+              </a:rPr>
+              <a:t>(for)</a:t>
+            </a:r>
+            <a:endParaRPr b="0" lang="pt-BR" sz="1800" spc="-1" strike="noStrike">
+              <a:latin typeface="Arial"/>
+            </a:endParaRPr>
+          </a:p>
+          <a:p>
+            <a:pPr>
+              <a:lnSpc>
+                <a:spcPct val="100000"/>
+              </a:lnSpc>
+              <a:spcAft>
+                <a:spcPts val="1140"/>
+              </a:spcAft>
+              <a:buNone/>
+            </a:pPr>
+            <a:endParaRPr b="0" lang="pt-BR" sz="1800" spc="-1" strike="noStrike">
+              <a:latin typeface="Arial"/>
+            </a:endParaRPr>
+          </a:p>
+          <a:p>
+            <a:pPr marL="216000" indent="-208440">
+              <a:lnSpc>
+                <a:spcPct val="100000"/>
+              </a:lnSpc>
+              <a:spcAft>
+                <a:spcPts val="1140"/>
+              </a:spcAft>
+              <a:buClr>
+                <a:srgbClr val="000000"/>
+              </a:buClr>
+              <a:buSzPct val="45000"/>
+              <a:buFont typeface="Wingdings" charset="2"/>
+              <a:buChar char=""/>
+            </a:pPr>
+            <a:r>
+              <a:rPr b="0" lang="pt-BR" sz="1800" spc="-1" strike="noStrike">
+                <a:solidFill>
+                  <a:srgbClr val="1c1c1c"/>
+                </a:solidFill>
+                <a:latin typeface="Latin Modern Sans"/>
+                <a:ea typeface="DejaVu Sans"/>
+              </a:rPr>
+              <a:t>Solicite números até digitar 0 e calcule a média </a:t>
+            </a:r>
+            <a:r>
+              <a:rPr b="0" lang="pt-BR" sz="1800" spc="-1" strike="noStrike">
+                <a:solidFill>
+                  <a:srgbClr val="ff0000"/>
+                </a:solidFill>
+                <a:latin typeface="Latin Modern Sans"/>
+                <a:ea typeface="DejaVu Sans"/>
+              </a:rPr>
+              <a:t>(while)</a:t>
+            </a:r>
+            <a:endParaRPr b="0" lang="pt-BR" sz="1800" spc="-1" strike="noStrike">
+              <a:latin typeface="Arial"/>
+            </a:endParaRPr>
+          </a:p>
+          <a:p>
+            <a:pPr>
+              <a:lnSpc>
+                <a:spcPct val="100000"/>
+              </a:lnSpc>
+              <a:spcAft>
+                <a:spcPts val="1140"/>
+              </a:spcAft>
+              <a:buNone/>
+            </a:pPr>
+            <a:endParaRPr b="0" lang="pt-BR" sz="1800" spc="-1" strike="noStrike">
+              <a:latin typeface="Arial"/>
+            </a:endParaRPr>
+          </a:p>
+          <a:p>
+            <a:pPr>
+              <a:lnSpc>
+                <a:spcPct val="100000"/>
+              </a:lnSpc>
+              <a:spcAft>
+                <a:spcPts val="1140"/>
+              </a:spcAft>
+              <a:buNone/>
+            </a:pPr>
+            <a:endParaRPr b="0" lang="pt-BR" sz="1800" spc="-1" strike="noStrike">
+              <a:latin typeface="Arial"/>
+            </a:endParaRPr>
+          </a:p>
+        </p:txBody>
+      </p:sp>
+    </p:spTree>
+  </p:cSld>
+  <mc:AlternateContent>
+    <mc:Choice Requires="p14">
+      <p:transition spd="slow" p14:dur="2000"/>
+    </mc:Choice>
+    <mc:Fallback>
+      <p:transition spd="slow"/>
+    </mc:Fallback>
+  </mc:AlternateContent>
+</p:sld>
+</file>
+
+<file path=ppt/slides/slide14.xml><?xml version="1.0" encoding="utf-8"?>
+<p:sld xmlns:a="http://schemas.openxmlformats.org/drawingml/2006/main" xmlns:p="http://schemas.openxmlformats.org/presentationml/2006/main" xmlns:r="http://schemas.openxmlformats.org/officeDocument/2006/relationships" xmlns:p14="http://schemas.microsoft.com/office/powerpoint/2010/main" xmlns:p15="http://schemas.microsoft.com/office/powerpoint/2012/main" xmlns:mc="http://schemas.openxmlformats.org/markup-compatibility/2006">
+  <p:cSld>
+    <p:spTree>
+      <p:nvGrpSpPr>
+        <p:cNvPr id="1" name=""/>
+        <p:cNvGrpSpPr/>
+        <p:nvPr/>
+      </p:nvGrpSpPr>
+      <p:grpSpPr>
+        <a:xfrm>
+          <a:off x="0" y="0"/>
+          <a:ext cx="0" cy="0"/>
+          <a:chOff x="0" y="0"/>
+          <a:chExt cx="0" cy="0"/>
+        </a:xfrm>
+      </p:grpSpPr>
+      <p:sp>
+        <p:nvSpPr>
+          <p:cNvPr id="326" name="CustomShape 1"/>
+          <p:cNvSpPr/>
+          <p:nvPr/>
+        </p:nvSpPr>
+        <p:spPr>
+          <a:xfrm>
+            <a:off x="360000" y="360000"/>
+            <a:ext cx="9351000" cy="891000"/>
           </a:xfrm>
           <a:prstGeom prst="rect">
             <a:avLst/>
@@ -9768,14 +12265,14 @@
       </p:sp>
       <p:sp>
         <p:nvSpPr>
-          <p:cNvPr id="279" name="CustomShape 2"/>
+          <p:cNvPr id="327" name="CustomShape 2"/>
           <p:cNvSpPr/>
           <p:nvPr/>
         </p:nvSpPr>
         <p:spPr>
           <a:xfrm>
             <a:off x="897120" y="6886080"/>
-            <a:ext cx="6438600" cy="356400"/>
+            <a:ext cx="6438240" cy="356040"/>
           </a:xfrm>
           <a:prstGeom prst="rect">
             <a:avLst/>
@@ -9820,14 +12317,14 @@
       </p:sp>
       <p:sp>
         <p:nvSpPr>
-          <p:cNvPr id="280" name="CustomShape 3"/>
+          <p:cNvPr id="328" name="CustomShape 3"/>
           <p:cNvSpPr/>
           <p:nvPr/>
         </p:nvSpPr>
         <p:spPr>
           <a:xfrm>
             <a:off x="7608600" y="6886080"/>
-            <a:ext cx="2276640" cy="356400"/>
+            <a:ext cx="2276280" cy="356040"/>
           </a:xfrm>
           <a:prstGeom prst="rect">
             <a:avLst/>
@@ -9872,14 +12369,14 @@
       </p:sp>
       <p:sp>
         <p:nvSpPr>
-          <p:cNvPr id="281" name="CustomShape 11"/>
+          <p:cNvPr id="329" name="CustomShape 11"/>
           <p:cNvSpPr/>
           <p:nvPr/>
         </p:nvSpPr>
         <p:spPr>
           <a:xfrm flipH="1" rot="10800000">
-            <a:off x="17998560" y="11129400"/>
-            <a:ext cx="698760" cy="355320"/>
+            <a:off x="17998920" y="11129760"/>
+            <a:ext cx="698400" cy="354960"/>
           </a:xfrm>
           <a:prstGeom prst="bentUpArrow">
             <a:avLst>
@@ -9907,14 +12404,14 @@
       </p:sp>
       <p:sp>
         <p:nvSpPr>
-          <p:cNvPr id="282" name="CustomShape 15"/>
+          <p:cNvPr id="330" name="CustomShape 15"/>
           <p:cNvSpPr/>
           <p:nvPr/>
         </p:nvSpPr>
         <p:spPr>
           <a:xfrm rot="10800000">
-            <a:off x="16093800" y="11129400"/>
-            <a:ext cx="735120" cy="355320"/>
+            <a:off x="16094160" y="11129760"/>
+            <a:ext cx="734760" cy="354960"/>
           </a:xfrm>
           <a:prstGeom prst="bentUpArrow">
             <a:avLst>
@@ -9942,14 +12439,14 @@
       </p:sp>
       <p:sp>
         <p:nvSpPr>
-          <p:cNvPr id="283" name="CustomShape 2"/>
+          <p:cNvPr id="331" name="CustomShape 2"/>
           <p:cNvSpPr/>
           <p:nvPr/>
         </p:nvSpPr>
         <p:spPr>
           <a:xfrm>
             <a:off x="360000" y="1705680"/>
-            <a:ext cx="9171360" cy="4671360"/>
+            <a:ext cx="9171000" cy="4671000"/>
           </a:xfrm>
           <a:prstGeom prst="rect">
             <a:avLst/>
@@ -10055,80 +12552,8 @@
                 <a:latin typeface="Latin Modern Sans"/>
                 <a:ea typeface="DejaVu Sans"/>
               </a:rPr>
-              <a:t>Exercícios de Fixação:</a:t>
+              <a:t>Exercícios de Fixação: Tópico 05 – Exercícios de Fixação</a:t>
             </a:r>
-            <a:endParaRPr b="0" lang="pt-BR" sz="1800" spc="-1" strike="noStrike">
-              <a:latin typeface="Arial"/>
-            </a:endParaRPr>
-          </a:p>
-          <a:p>
-            <a:pPr lvl="1" marL="673200" indent="-208440">
-              <a:lnSpc>
-                <a:spcPct val="100000"/>
-              </a:lnSpc>
-              <a:spcAft>
-                <a:spcPts val="1140"/>
-              </a:spcAft>
-              <a:buClr>
-                <a:srgbClr val="000000"/>
-              </a:buClr>
-              <a:buSzPct val="45000"/>
-              <a:buFont typeface="Wingdings" charset="2"/>
-              <a:buChar char=""/>
-            </a:pPr>
-            <a:r>
-              <a:rPr b="0" lang="pt-BR" sz="1800" spc="-1" strike="noStrike">
-                <a:solidFill>
-                  <a:srgbClr val="1c1c1c"/>
-                </a:solidFill>
-                <a:latin typeface="Latin Modern Sans"/>
-                <a:ea typeface="DejaVu Sans"/>
-              </a:rPr>
-              <a:t>AVA -&gt; Atividades Pedagógicas -&gt; Exercício Fixação 03</a:t>
-            </a:r>
-            <a:endParaRPr b="0" lang="pt-BR" sz="1800" spc="-1" strike="noStrike">
-              <a:latin typeface="Arial"/>
-            </a:endParaRPr>
-          </a:p>
-          <a:p>
-            <a:pPr lvl="2" marL="1130400" indent="-208440">
-              <a:lnSpc>
-                <a:spcPct val="100000"/>
-              </a:lnSpc>
-              <a:spcAft>
-                <a:spcPts val="1140"/>
-              </a:spcAft>
-              <a:buClr>
-                <a:srgbClr val="000000"/>
-              </a:buClr>
-              <a:buSzPct val="45000"/>
-              <a:buFont typeface="Wingdings" charset="2"/>
-              <a:buChar char=""/>
-            </a:pPr>
-            <a:r>
-              <a:rPr b="0" lang="pt-BR" sz="1800" spc="-1" strike="noStrike">
-                <a:solidFill>
-                  <a:srgbClr val="1c1c1c"/>
-                </a:solidFill>
-                <a:latin typeface="Latin Modern Sans"/>
-                <a:ea typeface="DejaVu Sans"/>
-              </a:rPr>
-              <a:t>Tente rever quais soluções são cabíveis com for e while</a:t>
-            </a:r>
-            <a:endParaRPr b="0" lang="pt-BR" sz="1800" spc="-1" strike="noStrike">
-              <a:latin typeface="Arial"/>
-            </a:endParaRPr>
-          </a:p>
-          <a:p>
-            <a:pPr>
-              <a:lnSpc>
-                <a:spcPct val="100000"/>
-              </a:lnSpc>
-              <a:spcAft>
-                <a:spcPts val="1140"/>
-              </a:spcAft>
-              <a:buNone/>
-            </a:pPr>
             <a:endParaRPr b="0" lang="pt-BR" sz="1800" spc="-1" strike="noStrike">
               <a:latin typeface="Arial"/>
             </a:endParaRPr>
@@ -10148,6 +12573,44 @@
               <a:buFont typeface="Wingdings" charset="2"/>
               <a:buChar char=""/>
             </a:pPr>
+            <a:endParaRPr b="0" lang="pt-BR" sz="1800" spc="-1" strike="noStrike">
+              <a:latin typeface="Arial"/>
+            </a:endParaRPr>
+          </a:p>
+          <a:p>
+            <a:pPr marL="216000" indent="-208440">
+              <a:lnSpc>
+                <a:spcPct val="100000"/>
+              </a:lnSpc>
+              <a:spcAft>
+                <a:spcPts val="1140"/>
+              </a:spcAft>
+              <a:buClr>
+                <a:srgbClr val="000000"/>
+              </a:buClr>
+              <a:buSzPct val="45000"/>
+              <a:buFont typeface="Wingdings" charset="2"/>
+              <a:buChar char=""/>
+            </a:pPr>
+            <a:endParaRPr b="0" lang="pt-BR" sz="1800" spc="-1" strike="noStrike">
+              <a:latin typeface="Arial"/>
+            </a:endParaRPr>
+          </a:p>
+          <a:p>
+            <a:pPr marL="216000" indent="-208440">
+              <a:lnSpc>
+                <a:spcPct val="100000"/>
+              </a:lnSpc>
+              <a:spcAft>
+                <a:spcPts val="1140"/>
+              </a:spcAft>
+              <a:buClr>
+                <a:srgbClr val="000000"/>
+              </a:buClr>
+              <a:buSzPct val="45000"/>
+              <a:buFont typeface="Wingdings" charset="2"/>
+              <a:buChar char=""/>
+            </a:pPr>
             <a:r>
               <a:rPr b="0" lang="pt-BR" sz="1800" spc="-1" strike="noStrike">
                 <a:solidFill>
@@ -10158,20 +12621,6 @@
               </a:rPr>
               <a:t>Perdeu a aula ? Quer outra explicação ? Segue alguns links:</a:t>
             </a:r>
-            <a:endParaRPr b="0" lang="pt-BR" sz="1800" spc="-1" strike="noStrike">
-              <a:latin typeface="Arial"/>
-            </a:endParaRPr>
-          </a:p>
-          <a:p>
-            <a:pPr>
-              <a:lnSpc>
-                <a:spcPct val="100000"/>
-              </a:lnSpc>
-              <a:spcAft>
-                <a:spcPts val="1140"/>
-              </a:spcAft>
-              <a:buNone/>
-            </a:pPr>
             <a:endParaRPr b="0" lang="pt-BR" sz="1800" spc="-1" strike="noStrike">
               <a:latin typeface="Arial"/>
             </a:endParaRPr>
@@ -10300,14 +12749,14 @@
       </p:grpSpPr>
       <p:sp>
         <p:nvSpPr>
-          <p:cNvPr id="131" name="CustomShape 1"/>
+          <p:cNvPr id="173" name="CustomShape 1"/>
           <p:cNvSpPr/>
           <p:nvPr/>
         </p:nvSpPr>
         <p:spPr>
           <a:xfrm>
             <a:off x="360000" y="360000"/>
-            <a:ext cx="9351000" cy="891000"/>
+            <a:ext cx="9350640" cy="890640"/>
           </a:xfrm>
           <a:prstGeom prst="rect">
             <a:avLst/>
@@ -10352,14 +12801,14 @@
       </p:sp>
       <p:sp>
         <p:nvSpPr>
-          <p:cNvPr id="132" name="CustomShape 2"/>
+          <p:cNvPr id="174" name="CustomShape 2"/>
           <p:cNvSpPr/>
           <p:nvPr/>
         </p:nvSpPr>
         <p:spPr>
           <a:xfrm>
             <a:off x="360000" y="1980000"/>
-            <a:ext cx="9171000" cy="4671000"/>
+            <a:ext cx="9170640" cy="4670640"/>
           </a:xfrm>
           <a:prstGeom prst="rect">
             <a:avLst/>
@@ -10402,7 +12851,7 @@
                 <a:latin typeface="Latin Modern Sans"/>
                 <a:ea typeface="DejaVu Sans"/>
               </a:rPr>
-              <a:t>Estruturas de Repetição</a:t>
+              <a:t>Correção Exercícios</a:t>
             </a:r>
             <a:endParaRPr b="0" lang="pt-BR" sz="1600" spc="-1" strike="noStrike">
               <a:latin typeface="Arial"/>
@@ -10431,7 +12880,7 @@
                 <a:latin typeface="Latin Modern Sans"/>
                 <a:ea typeface="DejaVu Sans"/>
               </a:rPr>
-              <a:t>Laço For</a:t>
+              <a:t>Estruturas de Repetição</a:t>
             </a:r>
             <a:endParaRPr b="0" lang="pt-BR" sz="1600" spc="-1" strike="noStrike">
               <a:latin typeface="Arial"/>
@@ -10460,6 +12909,35 @@
                 <a:latin typeface="Latin Modern Sans"/>
                 <a:ea typeface="DejaVu Sans"/>
               </a:rPr>
+              <a:t>Laço For</a:t>
+            </a:r>
+            <a:endParaRPr b="0" lang="pt-BR" sz="1600" spc="-1" strike="noStrike">
+              <a:latin typeface="Arial"/>
+            </a:endParaRPr>
+          </a:p>
+          <a:p>
+            <a:pPr marL="216000" indent="-208080">
+              <a:lnSpc>
+                <a:spcPct val="100000"/>
+              </a:lnSpc>
+              <a:spcAft>
+                <a:spcPts val="1140"/>
+              </a:spcAft>
+              <a:buClr>
+                <a:srgbClr val="000000"/>
+              </a:buClr>
+              <a:buSzPct val="45000"/>
+              <a:buFont typeface="Wingdings" charset="2"/>
+              <a:buChar char=""/>
+            </a:pPr>
+            <a:r>
+              <a:rPr b="0" lang="pt-BR" sz="1600" spc="-1" strike="noStrike">
+                <a:solidFill>
+                  <a:srgbClr val="1c1c1c"/>
+                </a:solidFill>
+                <a:latin typeface="Latin Modern Sans"/>
+                <a:ea typeface="DejaVu Sans"/>
+              </a:rPr>
               <a:t>Exercícios</a:t>
             </a:r>
             <a:endParaRPr b="0" lang="pt-BR" sz="1600" spc="-1" strike="noStrike">
@@ -10484,14 +12962,14 @@
       </p:sp>
       <p:sp>
         <p:nvSpPr>
-          <p:cNvPr id="133" name="CustomShape 3"/>
+          <p:cNvPr id="175" name="CustomShape 3"/>
           <p:cNvSpPr/>
           <p:nvPr/>
         </p:nvSpPr>
         <p:spPr>
           <a:xfrm>
             <a:off x="897120" y="6886080"/>
-            <a:ext cx="6438240" cy="356040"/>
+            <a:ext cx="6437880" cy="355680"/>
           </a:xfrm>
           <a:prstGeom prst="rect">
             <a:avLst/>
@@ -10536,14 +13014,14 @@
       </p:sp>
       <p:sp>
         <p:nvSpPr>
-          <p:cNvPr id="134" name="CustomShape 4"/>
+          <p:cNvPr id="176" name="CustomShape 4"/>
           <p:cNvSpPr/>
           <p:nvPr/>
         </p:nvSpPr>
         <p:spPr>
           <a:xfrm>
             <a:off x="7608600" y="6886080"/>
-            <a:ext cx="2276280" cy="356040"/>
+            <a:ext cx="2275920" cy="355680"/>
           </a:xfrm>
           <a:prstGeom prst="rect">
             <a:avLst/>
@@ -10588,7 +13066,7 @@
       </p:sp>
       <p:pic>
         <p:nvPicPr>
-          <p:cNvPr id="135" name="" descr=""/>
+          <p:cNvPr id="177" name="" descr=""/>
           <p:cNvPicPr/>
           <p:nvPr/>
         </p:nvPicPr>
@@ -10599,7 +13077,7 @@
         <p:spPr>
           <a:xfrm>
             <a:off x="2478240" y="3480480"/>
-            <a:ext cx="5268960" cy="1865880"/>
+            <a:ext cx="5268600" cy="1865520"/>
           </a:xfrm>
           <a:prstGeom prst="rect">
             <a:avLst/>
@@ -10611,14 +13089,14 @@
       </p:pic>
       <p:sp>
         <p:nvSpPr>
-          <p:cNvPr id="136" name="CustomShape 38"/>
+          <p:cNvPr id="178" name="CustomShape 38"/>
           <p:cNvSpPr/>
           <p:nvPr/>
         </p:nvSpPr>
         <p:spPr>
           <a:xfrm>
             <a:off x="2919240" y="5052960"/>
-            <a:ext cx="293400" cy="293400"/>
+            <a:ext cx="293040" cy="293040"/>
           </a:xfrm>
           <a:prstGeom prst="ellipse">
             <a:avLst/>
@@ -10641,14 +13119,14 @@
       </p:sp>
       <p:sp>
         <p:nvSpPr>
-          <p:cNvPr id="137" name="CustomShape 39"/>
+          <p:cNvPr id="179" name="CustomShape 39"/>
           <p:cNvSpPr/>
           <p:nvPr/>
         </p:nvSpPr>
         <p:spPr>
           <a:xfrm>
             <a:off x="2478240" y="5052960"/>
-            <a:ext cx="293400" cy="293400"/>
+            <a:ext cx="293040" cy="293040"/>
           </a:xfrm>
           <a:prstGeom prst="ellipse">
             <a:avLst/>
@@ -10671,14 +13149,14 @@
       </p:sp>
       <p:sp>
         <p:nvSpPr>
-          <p:cNvPr id="138" name="CustomShape 29"/>
+          <p:cNvPr id="180" name="CustomShape 29"/>
           <p:cNvSpPr/>
           <p:nvPr/>
         </p:nvSpPr>
         <p:spPr>
           <a:xfrm>
             <a:off x="3384000" y="5052960"/>
-            <a:ext cx="293400" cy="293400"/>
+            <a:ext cx="293040" cy="293040"/>
           </a:xfrm>
           <a:prstGeom prst="ellipse">
             <a:avLst/>
@@ -10701,14 +13179,14 @@
       </p:sp>
       <p:sp>
         <p:nvSpPr>
-          <p:cNvPr id="139" name="CustomShape 5"/>
+          <p:cNvPr id="181" name="CustomShape 5"/>
           <p:cNvSpPr/>
           <p:nvPr/>
         </p:nvSpPr>
         <p:spPr>
           <a:xfrm>
             <a:off x="3816000" y="5052960"/>
-            <a:ext cx="293400" cy="293400"/>
+            <a:ext cx="293040" cy="293040"/>
           </a:xfrm>
           <a:prstGeom prst="ellipse">
             <a:avLst/>
@@ -10761,14 +13239,14 @@
       </p:grpSpPr>
       <p:sp>
         <p:nvSpPr>
-          <p:cNvPr id="140" name="CustomShape 1"/>
+          <p:cNvPr id="182" name="CustomShape 9"/>
           <p:cNvSpPr/>
           <p:nvPr/>
         </p:nvSpPr>
         <p:spPr>
           <a:xfrm>
             <a:off x="360000" y="360000"/>
-            <a:ext cx="9351360" cy="891360"/>
+            <a:ext cx="9351000" cy="891000"/>
           </a:xfrm>
           <a:prstGeom prst="rect">
             <a:avLst/>
@@ -10803,7 +13281,7 @@
                 <a:latin typeface="Latin Modern Sans"/>
                 <a:ea typeface="DejaVu Sans"/>
               </a:rPr>
-              <a:t>Estruturas de Repetição</a:t>
+              <a:t>Correção Exercícios</a:t>
             </a:r>
             <a:endParaRPr b="0" lang="pt-BR" sz="3200" spc="-1" strike="noStrike">
               <a:latin typeface="Arial"/>
@@ -10813,14 +13291,14 @@
       </p:sp>
       <p:sp>
         <p:nvSpPr>
-          <p:cNvPr id="141" name="CustomShape 2"/>
+          <p:cNvPr id="183" name="CustomShape 10"/>
           <p:cNvSpPr/>
           <p:nvPr/>
         </p:nvSpPr>
         <p:spPr>
           <a:xfrm>
             <a:off x="897120" y="6886080"/>
-            <a:ext cx="6438600" cy="356400"/>
+            <a:ext cx="6438240" cy="356040"/>
           </a:xfrm>
           <a:prstGeom prst="rect">
             <a:avLst/>
@@ -10865,14 +13343,14 @@
       </p:sp>
       <p:sp>
         <p:nvSpPr>
-          <p:cNvPr id="142" name="CustomShape 3"/>
+          <p:cNvPr id="184" name="CustomShape 12"/>
           <p:cNvSpPr/>
           <p:nvPr/>
         </p:nvSpPr>
         <p:spPr>
           <a:xfrm>
             <a:off x="7608600" y="6886080"/>
-            <a:ext cx="2276640" cy="356400"/>
+            <a:ext cx="2276280" cy="356040"/>
           </a:xfrm>
           <a:prstGeom prst="rect">
             <a:avLst/>
@@ -10917,40 +13395,14 @@
       </p:sp>
       <p:sp>
         <p:nvSpPr>
-          <p:cNvPr id="143" name="CustomShape 4"/>
+          <p:cNvPr id="185" name="CustomShape 13"/>
           <p:cNvSpPr/>
           <p:nvPr/>
         </p:nvSpPr>
         <p:spPr>
-          <a:xfrm>
-            <a:off x="4026600" y="3488040"/>
-            <a:ext cx="3381120" cy="359640"/>
-          </a:xfrm>
-          <a:prstGeom prst="rect">
-            <a:avLst/>
-          </a:prstGeom>
-          <a:noFill/>
-          <a:ln w="0">
-            <a:noFill/>
-          </a:ln>
-        </p:spPr>
-        <p:style>
-          <a:lnRef idx="0"/>
-          <a:fillRef idx="0"/>
-          <a:effectRef idx="0"/>
-          <a:fontRef idx="minor"/>
-        </p:style>
-      </p:sp>
-      <p:sp>
-        <p:nvSpPr>
-          <p:cNvPr id="144" name="CustomShape 11"/>
-          <p:cNvSpPr/>
-          <p:nvPr/>
-        </p:nvSpPr>
-        <p:spPr>
           <a:xfrm flipH="1" rot="10800000">
-            <a:off x="17998560" y="11129400"/>
-            <a:ext cx="698760" cy="355320"/>
+            <a:off x="17998920" y="11129760"/>
+            <a:ext cx="698400" cy="354960"/>
           </a:xfrm>
           <a:prstGeom prst="bentUpArrow">
             <a:avLst>
@@ -10978,14 +13430,14 @@
       </p:sp>
       <p:sp>
         <p:nvSpPr>
-          <p:cNvPr id="145" name="CustomShape 15"/>
+          <p:cNvPr id="186" name="CustomShape 14"/>
           <p:cNvSpPr/>
           <p:nvPr/>
         </p:nvSpPr>
         <p:spPr>
           <a:xfrm rot="10800000">
-            <a:off x="16093800" y="11129400"/>
-            <a:ext cx="735120" cy="355320"/>
+            <a:off x="16094160" y="11129760"/>
+            <a:ext cx="734760" cy="354960"/>
           </a:xfrm>
           <a:prstGeom prst="bentUpArrow">
             <a:avLst>
@@ -11013,14 +13465,14 @@
       </p:sp>
       <p:sp>
         <p:nvSpPr>
-          <p:cNvPr id="146" name="CustomShape 2"/>
+          <p:cNvPr id="187" name="CustomShape 16"/>
           <p:cNvSpPr/>
           <p:nvPr/>
         </p:nvSpPr>
         <p:spPr>
           <a:xfrm>
             <a:off x="360000" y="1705680"/>
-            <a:ext cx="9171360" cy="4671360"/>
+            <a:ext cx="9171000" cy="4671000"/>
           </a:xfrm>
           <a:prstGeom prst="rect">
             <a:avLst/>
@@ -11063,27 +13515,8 @@
                 <a:latin typeface="Latin Modern Sans"/>
                 <a:ea typeface="DejaVu Sans"/>
               </a:rPr>
-              <a:t>Repete a execução de um bloco de código até que a condição de para seja atingida</a:t>
+              <a:t>Exercícios de </a:t>
             </a:r>
-            <a:endParaRPr b="0" lang="pt-BR" sz="1800" spc="-1" strike="noStrike">
-              <a:latin typeface="Arial"/>
-            </a:endParaRPr>
-          </a:p>
-          <a:p>
-            <a:pPr marL="216000" indent="-208440">
-              <a:lnSpc>
-                <a:spcPct val="100000"/>
-              </a:lnSpc>
-              <a:spcAft>
-                <a:spcPts val="1140"/>
-              </a:spcAft>
-              <a:buClr>
-                <a:srgbClr val="000000"/>
-              </a:buClr>
-              <a:buSzPct val="45000"/>
-              <a:buFont typeface="Wingdings" charset="2"/>
-              <a:buChar char=""/>
-            </a:pPr>
             <a:r>
               <a:rPr b="0" lang="pt-BR" sz="1800" spc="-1" strike="noStrike">
                 <a:solidFill>
@@ -11092,7 +13525,17 @@
                 <a:latin typeface="Latin Modern Sans"/>
                 <a:ea typeface="DejaVu Sans"/>
               </a:rPr>
-              <a:t>É aplicado quando existe a necessidade de executar uma tarefa inúmeras vezes</a:t>
+              <a:t>Fixação Tópico </a:t>
+            </a:r>
+            <a:r>
+              <a:rPr b="0" lang="pt-BR" sz="1800" spc="-1" strike="noStrike">
+                <a:solidFill>
+                  <a:srgbClr val="1c1c1c"/>
+                </a:solidFill>
+                <a:latin typeface="Latin Modern Sans"/>
+                <a:ea typeface="DejaVu Sans"/>
+              </a:rPr>
+              <a:t>04</a:t>
             </a:r>
             <a:endParaRPr b="0" lang="pt-BR" sz="1800" spc="-1" strike="noStrike">
               <a:latin typeface="Arial"/>
@@ -11113,74 +13556,6 @@
               <a:buFont typeface="Wingdings" charset="2"/>
               <a:buChar char=""/>
             </a:pPr>
-            <a:r>
-              <a:rPr b="0" lang="pt-BR" sz="1800" spc="-1" strike="noStrike">
-                <a:solidFill>
-                  <a:srgbClr val="1c1c1c"/>
-                </a:solidFill>
-                <a:latin typeface="Latin Modern Sans"/>
-                <a:ea typeface="DejaVu Sans"/>
-              </a:rPr>
-              <a:t>Login e Senha</a:t>
-            </a:r>
-            <a:endParaRPr b="0" lang="pt-BR" sz="1800" spc="-1" strike="noStrike">
-              <a:latin typeface="Arial"/>
-            </a:endParaRPr>
-          </a:p>
-          <a:p>
-            <a:pPr lvl="1" marL="673200" indent="-208440">
-              <a:lnSpc>
-                <a:spcPct val="100000"/>
-              </a:lnSpc>
-              <a:spcAft>
-                <a:spcPts val="1140"/>
-              </a:spcAft>
-              <a:buClr>
-                <a:srgbClr val="000000"/>
-              </a:buClr>
-              <a:buSzPct val="45000"/>
-              <a:buFont typeface="Wingdings" charset="2"/>
-              <a:buChar char=""/>
-            </a:pPr>
-            <a:r>
-              <a:rPr b="0" lang="pt-BR" sz="1800" spc="-1" strike="noStrike">
-                <a:solidFill>
-                  <a:srgbClr val="1c1c1c"/>
-                </a:solidFill>
-                <a:latin typeface="Latin Modern Sans"/>
-                <a:ea typeface="DejaVu Sans"/>
-              </a:rPr>
-              <a:t>Cálculos</a:t>
-            </a:r>
-            <a:endParaRPr b="0" lang="pt-BR" sz="1800" spc="-1" strike="noStrike">
-              <a:latin typeface="Arial"/>
-            </a:endParaRPr>
-          </a:p>
-          <a:p>
-            <a:pPr lvl="1" marL="673200" indent="-208440">
-              <a:lnSpc>
-                <a:spcPct val="100000"/>
-              </a:lnSpc>
-              <a:spcAft>
-                <a:spcPts val="1140"/>
-              </a:spcAft>
-              <a:buClr>
-                <a:srgbClr val="000000"/>
-              </a:buClr>
-              <a:buSzPct val="45000"/>
-              <a:buFont typeface="Wingdings" charset="2"/>
-              <a:buChar char=""/>
-            </a:pPr>
-            <a:r>
-              <a:rPr b="0" lang="pt-BR" sz="1800" spc="-1" strike="noStrike">
-                <a:solidFill>
-                  <a:srgbClr val="1c1c1c"/>
-                </a:solidFill>
-                <a:latin typeface="Latin Modern Sans"/>
-                <a:ea typeface="DejaVu Sans"/>
-              </a:rPr>
-              <a:t>Etc</a:t>
-            </a:r>
             <a:endParaRPr b="0" lang="pt-BR" sz="1800" spc="-1" strike="noStrike">
               <a:latin typeface="Arial"/>
             </a:endParaRPr>
@@ -11223,514 +13598,6 @@
               </a:spcAft>
               <a:buNone/>
             </a:pPr>
-            <a:endParaRPr b="0" lang="pt-BR" sz="1800" spc="-1" strike="noStrike">
-              <a:latin typeface="Arial"/>
-            </a:endParaRPr>
-          </a:p>
-          <a:p>
-            <a:pPr>
-              <a:lnSpc>
-                <a:spcPct val="100000"/>
-              </a:lnSpc>
-              <a:spcAft>
-                <a:spcPts val="1140"/>
-              </a:spcAft>
-              <a:buNone/>
-            </a:pPr>
-            <a:endParaRPr b="0" lang="pt-BR" sz="1600" spc="-1" strike="noStrike">
-              <a:latin typeface="Arial"/>
-            </a:endParaRPr>
-          </a:p>
-        </p:txBody>
-      </p:sp>
-      <p:sp>
-        <p:nvSpPr>
-          <p:cNvPr id="147" name="Losango 1"/>
-          <p:cNvSpPr/>
-          <p:nvPr/>
-        </p:nvSpPr>
-        <p:spPr>
-          <a:xfrm>
-            <a:off x="5272920" y="3628440"/>
-            <a:ext cx="1459440" cy="1081800"/>
-          </a:xfrm>
-          <a:prstGeom prst="diamond">
-            <a:avLst/>
-          </a:prstGeom>
-          <a:solidFill>
-            <a:srgbClr val="4f81bd"/>
-          </a:solidFill>
-          <a:ln>
-            <a:solidFill>
-              <a:srgbClr val="3a5f8b"/>
-            </a:solidFill>
-          </a:ln>
-        </p:spPr>
-        <p:style>
-          <a:lnRef idx="2">
-            <a:schemeClr val="accent1">
-              <a:shade val="50000"/>
-            </a:schemeClr>
-          </a:lnRef>
-          <a:fillRef idx="1">
-            <a:schemeClr val="accent1"/>
-          </a:fillRef>
-          <a:effectRef idx="0">
-            <a:schemeClr val="accent1"/>
-          </a:effectRef>
-          <a:fontRef idx="minor"/>
-        </p:style>
-        <p:txBody>
-          <a:bodyPr lIns="90000" rIns="90000" tIns="45000" bIns="45000" anchor="ctr">
-            <a:noAutofit/>
-          </a:bodyPr>
-          <a:p>
-            <a:pPr algn="ctr">
-              <a:lnSpc>
-                <a:spcPct val="100000"/>
-              </a:lnSpc>
-              <a:buNone/>
-            </a:pPr>
-            <a:r>
-              <a:rPr b="0" lang="pt-BR" sz="1800" spc="-1" strike="noStrike">
-                <a:solidFill>
-                  <a:srgbClr val="ffffff"/>
-                </a:solidFill>
-                <a:latin typeface="Arial"/>
-                <a:ea typeface="DejaVu Sans"/>
-              </a:rPr>
-              <a:t>Cond</a:t>
-            </a:r>
-            <a:endParaRPr b="0" lang="pt-BR" sz="1800" spc="-1" strike="noStrike">
-              <a:latin typeface="Arial"/>
-            </a:endParaRPr>
-          </a:p>
-        </p:txBody>
-      </p:sp>
-      <p:sp>
-        <p:nvSpPr>
-          <p:cNvPr id="148" name="Fluxograma: Processo Predefinido 2"/>
-          <p:cNvSpPr/>
-          <p:nvPr/>
-        </p:nvSpPr>
-        <p:spPr>
-          <a:xfrm>
-            <a:off x="5109120" y="5533200"/>
-            <a:ext cx="1774800" cy="480240"/>
-          </a:xfrm>
-          <a:prstGeom prst="flowChartPredefinedProcess">
-            <a:avLst/>
-          </a:prstGeom>
-          <a:solidFill>
-            <a:srgbClr val="4f81bd"/>
-          </a:solidFill>
-          <a:ln>
-            <a:solidFill>
-              <a:srgbClr val="3a5f8b"/>
-            </a:solidFill>
-          </a:ln>
-        </p:spPr>
-        <p:style>
-          <a:lnRef idx="2">
-            <a:schemeClr val="accent1">
-              <a:shade val="50000"/>
-            </a:schemeClr>
-          </a:lnRef>
-          <a:fillRef idx="1">
-            <a:schemeClr val="accent1"/>
-          </a:fillRef>
-          <a:effectRef idx="0">
-            <a:schemeClr val="accent1"/>
-          </a:effectRef>
-          <a:fontRef idx="minor"/>
-        </p:style>
-      </p:sp>
-      <p:sp>
-        <p:nvSpPr>
-          <p:cNvPr id="149" name="Conector de Seta Reta 4"/>
-          <p:cNvSpPr/>
-          <p:nvPr/>
-        </p:nvSpPr>
-        <p:spPr>
-          <a:xfrm>
-            <a:off x="5995440" y="3000960"/>
-            <a:ext cx="6480" cy="626400"/>
-          </a:xfrm>
-          <a:custGeom>
-            <a:avLst/>
-            <a:gdLst/>
-            <a:ahLst/>
-            <a:rect l="l" t="t" r="r" b="b"/>
-            <a:pathLst>
-              <a:path w="21600" h="21600">
-                <a:moveTo>
-                  <a:pt x="0" y="0"/>
-                </a:moveTo>
-                <a:lnTo>
-                  <a:pt x="21600" y="21600"/>
-                </a:lnTo>
-              </a:path>
-            </a:pathLst>
-          </a:custGeom>
-          <a:noFill/>
-          <a:ln>
-            <a:solidFill>
-              <a:srgbClr val="4a7ebb"/>
-            </a:solidFill>
-            <a:tailEnd len="med" type="triangle" w="med"/>
-          </a:ln>
-        </p:spPr>
-        <p:style>
-          <a:lnRef idx="1">
-            <a:schemeClr val="accent1"/>
-          </a:lnRef>
-          <a:fillRef idx="0">
-            <a:schemeClr val="accent1"/>
-          </a:fillRef>
-          <a:effectRef idx="0">
-            <a:schemeClr val="accent1"/>
-          </a:effectRef>
-          <a:fontRef idx="minor"/>
-        </p:style>
-      </p:sp>
-      <p:sp>
-        <p:nvSpPr>
-          <p:cNvPr id="150" name="Conector de Seta Reta 6"/>
-          <p:cNvSpPr/>
-          <p:nvPr/>
-        </p:nvSpPr>
-        <p:spPr>
-          <a:xfrm flipH="1">
-            <a:off x="5996160" y="4711320"/>
-            <a:ext cx="5040" cy="820800"/>
-          </a:xfrm>
-          <a:custGeom>
-            <a:avLst/>
-            <a:gdLst/>
-            <a:ahLst/>
-            <a:rect l="l" t="t" r="r" b="b"/>
-            <a:pathLst>
-              <a:path w="21600" h="21600">
-                <a:moveTo>
-                  <a:pt x="0" y="0"/>
-                </a:moveTo>
-                <a:lnTo>
-                  <a:pt x="21600" y="21600"/>
-                </a:lnTo>
-              </a:path>
-            </a:pathLst>
-          </a:custGeom>
-          <a:noFill/>
-          <a:ln>
-            <a:solidFill>
-              <a:srgbClr val="4a7ebb"/>
-            </a:solidFill>
-            <a:tailEnd len="med" type="triangle" w="med"/>
-          </a:ln>
-        </p:spPr>
-        <p:style>
-          <a:lnRef idx="1">
-            <a:schemeClr val="accent1"/>
-          </a:lnRef>
-          <a:fillRef idx="0">
-            <a:schemeClr val="accent1"/>
-          </a:fillRef>
-          <a:effectRef idx="0">
-            <a:schemeClr val="accent1"/>
-          </a:effectRef>
-          <a:fontRef idx="minor"/>
-        </p:style>
-      </p:sp>
-      <p:sp>
-        <p:nvSpPr>
-          <p:cNvPr id="151" name="Conector: Angulado 16"/>
-          <p:cNvSpPr/>
-          <p:nvPr/>
-        </p:nvSpPr>
-        <p:spPr>
-          <a:xfrm flipH="1" rot="10800000">
-            <a:off x="5109480" y="4170960"/>
-            <a:ext cx="162720" cy="1603080"/>
-          </a:xfrm>
-          <a:prstGeom prst="bentConnector3">
-            <a:avLst>
-              <a:gd name="adj1" fmla="val -139557"/>
-            </a:avLst>
-          </a:prstGeom>
-          <a:noFill/>
-          <a:ln>
-            <a:solidFill>
-              <a:srgbClr val="4a7ebb"/>
-            </a:solidFill>
-            <a:tailEnd len="med" type="triangle" w="med"/>
-          </a:ln>
-        </p:spPr>
-        <p:style>
-          <a:lnRef idx="1">
-            <a:schemeClr val="accent1"/>
-          </a:lnRef>
-          <a:fillRef idx="0">
-            <a:schemeClr val="accent1"/>
-          </a:fillRef>
-          <a:effectRef idx="0">
-            <a:schemeClr val="accent1"/>
-          </a:effectRef>
-          <a:fontRef idx="minor"/>
-        </p:style>
-      </p:sp>
-      <p:sp>
-        <p:nvSpPr>
-          <p:cNvPr id="152" name="Conector reto 20"/>
-          <p:cNvSpPr/>
-          <p:nvPr/>
-        </p:nvSpPr>
-        <p:spPr>
-          <a:xfrm>
-            <a:off x="6733080" y="4169880"/>
-            <a:ext cx="775080" cy="360"/>
-          </a:xfrm>
-          <a:prstGeom prst="line">
-            <a:avLst/>
-          </a:prstGeom>
-          <a:ln>
-            <a:solidFill>
-              <a:srgbClr val="4a7ebb"/>
-            </a:solidFill>
-          </a:ln>
-        </p:spPr>
-        <p:style>
-          <a:lnRef idx="1">
-            <a:schemeClr val="accent1"/>
-          </a:lnRef>
-          <a:fillRef idx="0">
-            <a:schemeClr val="accent1"/>
-          </a:fillRef>
-          <a:effectRef idx="0">
-            <a:schemeClr val="accent1"/>
-          </a:effectRef>
-          <a:fontRef idx="minor"/>
-        </p:style>
-      </p:sp>
-      <p:sp>
-        <p:nvSpPr>
-          <p:cNvPr id="153" name="Conector reto 22"/>
-          <p:cNvSpPr/>
-          <p:nvPr/>
-        </p:nvSpPr>
-        <p:spPr>
-          <a:xfrm>
-            <a:off x="7508160" y="4169880"/>
-            <a:ext cx="360" cy="2345760"/>
-          </a:xfrm>
-          <a:prstGeom prst="line">
-            <a:avLst/>
-          </a:prstGeom>
-          <a:ln>
-            <a:solidFill>
-              <a:srgbClr val="4a7ebb"/>
-            </a:solidFill>
-          </a:ln>
-        </p:spPr>
-        <p:style>
-          <a:lnRef idx="1">
-            <a:schemeClr val="accent1"/>
-          </a:lnRef>
-          <a:fillRef idx="0">
-            <a:schemeClr val="accent1"/>
-          </a:fillRef>
-          <a:effectRef idx="0">
-            <a:schemeClr val="accent1"/>
-          </a:effectRef>
-          <a:fontRef idx="minor"/>
-        </p:style>
-      </p:sp>
-      <p:sp>
-        <p:nvSpPr>
-          <p:cNvPr id="154" name="Conector de Seta Reta 25"/>
-          <p:cNvSpPr/>
-          <p:nvPr/>
-        </p:nvSpPr>
-        <p:spPr>
-          <a:xfrm flipH="1" flipV="1">
-            <a:off x="6659280" y="6513840"/>
-            <a:ext cx="899280" cy="360"/>
-          </a:xfrm>
-          <a:custGeom>
-            <a:avLst/>
-            <a:gdLst/>
-            <a:ahLst/>
-            <a:rect l="l" t="t" r="r" b="b"/>
-            <a:pathLst>
-              <a:path w="21600" h="21600">
-                <a:moveTo>
-                  <a:pt x="0" y="0"/>
-                </a:moveTo>
-                <a:lnTo>
-                  <a:pt x="21600" y="21600"/>
-                </a:lnTo>
-              </a:path>
-            </a:pathLst>
-          </a:custGeom>
-          <a:noFill/>
-          <a:ln>
-            <a:solidFill>
-              <a:srgbClr val="4a7ebb"/>
-            </a:solidFill>
-            <a:tailEnd len="med" type="triangle" w="med"/>
-          </a:ln>
-        </p:spPr>
-        <p:style>
-          <a:lnRef idx="1">
-            <a:schemeClr val="accent1"/>
-          </a:lnRef>
-          <a:fillRef idx="0">
-            <a:schemeClr val="accent1"/>
-          </a:fillRef>
-          <a:effectRef idx="0">
-            <a:schemeClr val="accent1"/>
-          </a:effectRef>
-          <a:fontRef idx="minor"/>
-        </p:style>
-      </p:sp>
-      <p:sp>
-        <p:nvSpPr>
-          <p:cNvPr id="155" name="Seta: para Baixo 62"/>
-          <p:cNvSpPr/>
-          <p:nvPr/>
-        </p:nvSpPr>
-        <p:spPr>
-          <a:xfrm>
-            <a:off x="4500000" y="2986920"/>
-            <a:ext cx="98640" cy="3672360"/>
-          </a:xfrm>
-          <a:prstGeom prst="downArrow">
-            <a:avLst>
-              <a:gd name="adj1" fmla="val 50000"/>
-              <a:gd name="adj2" fmla="val 50000"/>
-            </a:avLst>
-          </a:prstGeom>
-          <a:solidFill>
-            <a:srgbClr val="4f81bd"/>
-          </a:solidFill>
-          <a:ln>
-            <a:solidFill>
-              <a:srgbClr val="3a5f8b"/>
-            </a:solidFill>
-          </a:ln>
-        </p:spPr>
-        <p:style>
-          <a:lnRef idx="2">
-            <a:schemeClr val="accent1">
-              <a:shade val="50000"/>
-            </a:schemeClr>
-          </a:lnRef>
-          <a:fillRef idx="1">
-            <a:schemeClr val="accent1"/>
-          </a:fillRef>
-          <a:effectRef idx="0">
-            <a:schemeClr val="accent1"/>
-          </a:effectRef>
-          <a:fontRef idx="minor"/>
-        </p:style>
-      </p:sp>
-      <p:sp>
-        <p:nvSpPr>
-          <p:cNvPr id="156" name="CaixaDeTexto 32"/>
-          <p:cNvSpPr/>
-          <p:nvPr/>
-        </p:nvSpPr>
-        <p:spPr>
-          <a:xfrm>
-            <a:off x="6139440" y="4870440"/>
-            <a:ext cx="640440" cy="363960"/>
-          </a:xfrm>
-          <a:prstGeom prst="rect">
-            <a:avLst/>
-          </a:prstGeom>
-          <a:noFill/>
-          <a:ln w="0">
-            <a:noFill/>
-          </a:ln>
-        </p:spPr>
-        <p:style>
-          <a:lnRef idx="0"/>
-          <a:fillRef idx="0"/>
-          <a:effectRef idx="0"/>
-          <a:fontRef idx="minor"/>
-        </p:style>
-        <p:txBody>
-          <a:bodyPr wrap="none" lIns="90000" rIns="90000" tIns="45000" bIns="45000" anchor="t">
-            <a:spAutoFit/>
-          </a:bodyPr>
-          <a:p>
-            <a:pPr>
-              <a:lnSpc>
-                <a:spcPct val="100000"/>
-              </a:lnSpc>
-              <a:buNone/>
-            </a:pPr>
-            <a:r>
-              <a:rPr b="0" lang="pt-BR" sz="1800" spc="-1" strike="noStrike">
-                <a:solidFill>
-                  <a:srgbClr val="000000"/>
-                </a:solidFill>
-                <a:latin typeface="Arial"/>
-                <a:ea typeface="DejaVu Sans"/>
-              </a:rPr>
-              <a:t>True</a:t>
-            </a:r>
-            <a:endParaRPr b="0" lang="pt-BR" sz="1800" spc="-1" strike="noStrike">
-              <a:latin typeface="Arial"/>
-            </a:endParaRPr>
-          </a:p>
-        </p:txBody>
-      </p:sp>
-      <p:sp>
-        <p:nvSpPr>
-          <p:cNvPr id="157" name="CaixaDeTexto 71"/>
-          <p:cNvSpPr/>
-          <p:nvPr/>
-        </p:nvSpPr>
-        <p:spPr>
-          <a:xfrm>
-            <a:off x="6748560" y="3733560"/>
-            <a:ext cx="738000" cy="363960"/>
-          </a:xfrm>
-          <a:prstGeom prst="rect">
-            <a:avLst/>
-          </a:prstGeom>
-          <a:noFill/>
-          <a:ln w="0">
-            <a:noFill/>
-          </a:ln>
-        </p:spPr>
-        <p:style>
-          <a:lnRef idx="0"/>
-          <a:fillRef idx="0"/>
-          <a:effectRef idx="0"/>
-          <a:fontRef idx="minor"/>
-        </p:style>
-        <p:txBody>
-          <a:bodyPr wrap="none" lIns="90000" rIns="90000" tIns="45000" bIns="45000" anchor="t">
-            <a:spAutoFit/>
-          </a:bodyPr>
-          <a:p>
-            <a:pPr>
-              <a:lnSpc>
-                <a:spcPct val="100000"/>
-              </a:lnSpc>
-              <a:buNone/>
-            </a:pPr>
-            <a:r>
-              <a:rPr b="0" lang="pt-BR" sz="1800" spc="-1" strike="noStrike">
-                <a:solidFill>
-                  <a:srgbClr val="000000"/>
-                </a:solidFill>
-                <a:latin typeface="Arial"/>
-                <a:ea typeface="DejaVu Sans"/>
-              </a:rPr>
-              <a:t>False</a:t>
-            </a:r>
             <a:endParaRPr b="0" lang="pt-BR" sz="1800" spc="-1" strike="noStrike">
               <a:latin typeface="Arial"/>
             </a:endParaRPr>
@@ -11769,14 +13636,14 @@
       </p:grpSpPr>
       <p:sp>
         <p:nvSpPr>
-          <p:cNvPr id="158" name="CustomShape 1"/>
+          <p:cNvPr id="188" name="CustomShape 1"/>
           <p:cNvSpPr/>
           <p:nvPr/>
         </p:nvSpPr>
         <p:spPr>
           <a:xfrm>
             <a:off x="360000" y="360000"/>
-            <a:ext cx="9351360" cy="891360"/>
+            <a:ext cx="9351000" cy="891000"/>
           </a:xfrm>
           <a:prstGeom prst="rect">
             <a:avLst/>
@@ -11811,7 +13678,7 @@
                 <a:latin typeface="Latin Modern Sans"/>
                 <a:ea typeface="DejaVu Sans"/>
               </a:rPr>
-              <a:t>Laço FOR</a:t>
+              <a:t>Estruturas de Repetição</a:t>
             </a:r>
             <a:endParaRPr b="0" lang="pt-BR" sz="3200" spc="-1" strike="noStrike">
               <a:latin typeface="Arial"/>
@@ -11821,14 +13688,14 @@
       </p:sp>
       <p:sp>
         <p:nvSpPr>
-          <p:cNvPr id="159" name="CustomShape 2"/>
+          <p:cNvPr id="189" name="CustomShape 2"/>
           <p:cNvSpPr/>
           <p:nvPr/>
         </p:nvSpPr>
         <p:spPr>
           <a:xfrm>
             <a:off x="897120" y="6886080"/>
-            <a:ext cx="6438600" cy="356400"/>
+            <a:ext cx="6438240" cy="356040"/>
           </a:xfrm>
           <a:prstGeom prst="rect">
             <a:avLst/>
@@ -11873,14 +13740,14 @@
       </p:sp>
       <p:sp>
         <p:nvSpPr>
-          <p:cNvPr id="160" name="CustomShape 3"/>
+          <p:cNvPr id="190" name="CustomShape 3"/>
           <p:cNvSpPr/>
           <p:nvPr/>
         </p:nvSpPr>
         <p:spPr>
           <a:xfrm>
             <a:off x="7608600" y="6886080"/>
-            <a:ext cx="2276640" cy="356400"/>
+            <a:ext cx="2276280" cy="356040"/>
           </a:xfrm>
           <a:prstGeom prst="rect">
             <a:avLst/>
@@ -11925,14 +13792,14 @@
       </p:sp>
       <p:sp>
         <p:nvSpPr>
-          <p:cNvPr id="161" name="CustomShape 4"/>
+          <p:cNvPr id="191" name="CustomShape 4"/>
           <p:cNvSpPr/>
           <p:nvPr/>
         </p:nvSpPr>
         <p:spPr>
           <a:xfrm>
-            <a:off x="948240" y="2912040"/>
-            <a:ext cx="3381120" cy="359640"/>
+            <a:off x="4026600" y="3488040"/>
+            <a:ext cx="3380760" cy="359280"/>
           </a:xfrm>
           <a:prstGeom prst="rect">
             <a:avLst/>
@@ -11951,14 +13818,14 @@
       </p:sp>
       <p:sp>
         <p:nvSpPr>
-          <p:cNvPr id="162" name="CustomShape 11"/>
+          <p:cNvPr id="192" name="CustomShape 11"/>
           <p:cNvSpPr/>
           <p:nvPr/>
         </p:nvSpPr>
         <p:spPr>
           <a:xfrm flipH="1" rot="10800000">
-            <a:off x="17998560" y="11129400"/>
-            <a:ext cx="698760" cy="355320"/>
+            <a:off x="17998920" y="11129760"/>
+            <a:ext cx="698400" cy="354960"/>
           </a:xfrm>
           <a:prstGeom prst="bentUpArrow">
             <a:avLst>
@@ -11986,14 +13853,14 @@
       </p:sp>
       <p:sp>
         <p:nvSpPr>
-          <p:cNvPr id="163" name="CustomShape 15"/>
+          <p:cNvPr id="193" name="CustomShape 15"/>
           <p:cNvSpPr/>
           <p:nvPr/>
         </p:nvSpPr>
         <p:spPr>
           <a:xfrm rot="10800000">
-            <a:off x="16093800" y="11129400"/>
-            <a:ext cx="735120" cy="355320"/>
+            <a:off x="16094160" y="11129760"/>
+            <a:ext cx="734760" cy="354960"/>
           </a:xfrm>
           <a:prstGeom prst="bentUpArrow">
             <a:avLst>
@@ -12021,14 +13888,14 @@
       </p:sp>
       <p:sp>
         <p:nvSpPr>
-          <p:cNvPr id="164" name="CustomShape 2"/>
+          <p:cNvPr id="194" name="CustomShape 2"/>
           <p:cNvSpPr/>
           <p:nvPr/>
         </p:nvSpPr>
         <p:spPr>
           <a:xfrm>
             <a:off x="360000" y="1705680"/>
-            <a:ext cx="9171360" cy="4671360"/>
+            <a:ext cx="9171000" cy="4671000"/>
           </a:xfrm>
           <a:prstGeom prst="rect">
             <a:avLst/>
@@ -12071,24 +13938,130 @@
                 <a:latin typeface="Latin Modern Sans"/>
                 <a:ea typeface="DejaVu Sans"/>
               </a:rPr>
-              <a:t>Repete (itera) um bloco de código por </a:t>
+              <a:t>Repete a execução de um bloco de código até que a condição de para seja atingida</a:t>
             </a:r>
+            <a:endParaRPr b="0" lang="pt-BR" sz="1800" spc="-1" strike="noStrike">
+              <a:latin typeface="Arial"/>
+            </a:endParaRPr>
+          </a:p>
+          <a:p>
+            <a:pPr marL="216000" indent="-208440">
+              <a:lnSpc>
+                <a:spcPct val="100000"/>
+              </a:lnSpc>
+              <a:spcAft>
+                <a:spcPts val="1140"/>
+              </a:spcAft>
+              <a:buClr>
+                <a:srgbClr val="000000"/>
+              </a:buClr>
+              <a:buSzPct val="45000"/>
+              <a:buFont typeface="Wingdings" charset="2"/>
+              <a:buChar char=""/>
+            </a:pPr>
             <a:r>
-              <a:rPr b="1" lang="pt-BR" sz="1800" spc="-1" strike="noStrike">
+              <a:rPr b="0" lang="pt-BR" sz="1800" spc="-1" strike="noStrike">
                 <a:solidFill>
                   <a:srgbClr val="1c1c1c"/>
                 </a:solidFill>
                 <a:latin typeface="Latin Modern Sans"/>
                 <a:ea typeface="DejaVu Sans"/>
               </a:rPr>
-              <a:t>determinadas vezes</a:t>
+              <a:t>É aplicado quando existe a necessidade de executar uma tarefa inúmeras vezes</a:t>
             </a:r>
             <a:endParaRPr b="0" lang="pt-BR" sz="1800" spc="-1" strike="noStrike">
               <a:latin typeface="Arial"/>
             </a:endParaRPr>
           </a:p>
           <a:p>
-            <a:pPr marL="464760">
+            <a:pPr lvl="1" marL="673200" indent="-208440">
+              <a:lnSpc>
+                <a:spcPct val="100000"/>
+              </a:lnSpc>
+              <a:spcAft>
+                <a:spcPts val="1140"/>
+              </a:spcAft>
+              <a:buClr>
+                <a:srgbClr val="000000"/>
+              </a:buClr>
+              <a:buSzPct val="45000"/>
+              <a:buFont typeface="Wingdings" charset="2"/>
+              <a:buChar char=""/>
+            </a:pPr>
+            <a:r>
+              <a:rPr b="0" lang="pt-BR" sz="1800" spc="-1" strike="noStrike">
+                <a:solidFill>
+                  <a:srgbClr val="1c1c1c"/>
+                </a:solidFill>
+                <a:latin typeface="Latin Modern Sans"/>
+                <a:ea typeface="DejaVu Sans"/>
+              </a:rPr>
+              <a:t>Login e Senha</a:t>
+            </a:r>
+            <a:endParaRPr b="0" lang="pt-BR" sz="1800" spc="-1" strike="noStrike">
+              <a:latin typeface="Arial"/>
+            </a:endParaRPr>
+          </a:p>
+          <a:p>
+            <a:pPr lvl="1" marL="673200" indent="-208440">
+              <a:lnSpc>
+                <a:spcPct val="100000"/>
+              </a:lnSpc>
+              <a:spcAft>
+                <a:spcPts val="1140"/>
+              </a:spcAft>
+              <a:buClr>
+                <a:srgbClr val="000000"/>
+              </a:buClr>
+              <a:buSzPct val="45000"/>
+              <a:buFont typeface="Wingdings" charset="2"/>
+              <a:buChar char=""/>
+            </a:pPr>
+            <a:r>
+              <a:rPr b="0" lang="pt-BR" sz="1800" spc="-1" strike="noStrike">
+                <a:solidFill>
+                  <a:srgbClr val="1c1c1c"/>
+                </a:solidFill>
+                <a:latin typeface="Latin Modern Sans"/>
+                <a:ea typeface="DejaVu Sans"/>
+              </a:rPr>
+              <a:t>Cálculos</a:t>
+            </a:r>
+            <a:endParaRPr b="0" lang="pt-BR" sz="1800" spc="-1" strike="noStrike">
+              <a:latin typeface="Arial"/>
+            </a:endParaRPr>
+          </a:p>
+          <a:p>
+            <a:pPr lvl="1" marL="673200" indent="-208440">
+              <a:lnSpc>
+                <a:spcPct val="100000"/>
+              </a:lnSpc>
+              <a:spcAft>
+                <a:spcPts val="1140"/>
+              </a:spcAft>
+              <a:buClr>
+                <a:srgbClr val="000000"/>
+              </a:buClr>
+              <a:buSzPct val="45000"/>
+              <a:buFont typeface="Wingdings" charset="2"/>
+              <a:buChar char=""/>
+            </a:pPr>
+            <a:r>
+              <a:rPr b="0" lang="pt-BR" sz="1800" spc="-1" strike="noStrike">
+                <a:solidFill>
+                  <a:srgbClr val="1c1c1c"/>
+                </a:solidFill>
+                <a:latin typeface="Latin Modern Sans"/>
+                <a:ea typeface="DejaVu Sans"/>
+              </a:rPr>
+              <a:t>Etc</a:t>
+            </a:r>
+            <a:endParaRPr b="0" lang="pt-BR" sz="1800" spc="-1" strike="noStrike">
+              <a:latin typeface="Arial"/>
+            </a:endParaRPr>
+          </a:p>
+          <a:p>
+            <a:pPr>
               <a:lnSpc>
                 <a:spcPct val="100000"/>
               </a:lnSpc>
@@ -12102,7 +14075,7 @@
             </a:endParaRPr>
           </a:p>
           <a:p>
-            <a:pPr marL="464760">
+            <a:pPr>
               <a:lnSpc>
                 <a:spcPct val="100000"/>
               </a:lnSpc>
@@ -12116,7 +14089,7 @@
             </a:endParaRPr>
           </a:p>
           <a:p>
-            <a:pPr marL="464760">
+            <a:pPr>
               <a:lnSpc>
                 <a:spcPct val="100000"/>
               </a:lnSpc>
@@ -12130,7 +14103,7 @@
             </a:endParaRPr>
           </a:p>
           <a:p>
-            <a:pPr marL="464760">
+            <a:pPr>
               <a:lnSpc>
                 <a:spcPct val="100000"/>
               </a:lnSpc>
@@ -12147,14 +14120,14 @@
       </p:sp>
       <p:sp>
         <p:nvSpPr>
-          <p:cNvPr id="165" name="Losango 1"/>
+          <p:cNvPr id="195" name="Losango 1"/>
           <p:cNvSpPr/>
           <p:nvPr/>
         </p:nvSpPr>
         <p:spPr>
           <a:xfrm>
-            <a:off x="2194200" y="3052440"/>
-            <a:ext cx="1459440" cy="1081800"/>
+            <a:off x="5272920" y="3628440"/>
+            <a:ext cx="1459080" cy="1081440"/>
           </a:xfrm>
           <a:prstGeom prst="diamond">
             <a:avLst/>
@@ -12211,14 +14184,14 @@
       </p:sp>
       <p:sp>
         <p:nvSpPr>
-          <p:cNvPr id="166" name="Fluxograma: Processo Predefinido 2"/>
+          <p:cNvPr id="196" name="Fluxograma: Processo Predefinido 2"/>
           <p:cNvSpPr/>
           <p:nvPr/>
         </p:nvSpPr>
         <p:spPr>
           <a:xfrm>
-            <a:off x="2030400" y="4957200"/>
-            <a:ext cx="1774800" cy="480240"/>
+            <a:off x="5109120" y="5533200"/>
+            <a:ext cx="1774440" cy="479880"/>
           </a:xfrm>
           <a:prstGeom prst="flowChartPredefinedProcess">
             <a:avLst/>
@@ -12249,14 +14222,14 @@
       </p:sp>
       <p:sp>
         <p:nvSpPr>
-          <p:cNvPr id="167" name="Conector de Seta Reta 4"/>
+          <p:cNvPr id="197" name="Conector de Seta Reta 4"/>
           <p:cNvSpPr/>
           <p:nvPr/>
         </p:nvSpPr>
         <p:spPr>
           <a:xfrm>
-            <a:off x="2916720" y="2424960"/>
-            <a:ext cx="6480" cy="626400"/>
+            <a:off x="5995440" y="3000960"/>
+            <a:ext cx="6120" cy="626040"/>
           </a:xfrm>
           <a:custGeom>
             <a:avLst/>
@@ -12297,14 +14270,14 @@
       </p:sp>
       <p:sp>
         <p:nvSpPr>
-          <p:cNvPr id="168" name="Conector de Seta Reta 6"/>
+          <p:cNvPr id="198" name="Conector de Seta Reta 6"/>
           <p:cNvSpPr/>
           <p:nvPr/>
         </p:nvSpPr>
         <p:spPr>
           <a:xfrm flipH="1">
-            <a:off x="2917800" y="4135320"/>
-            <a:ext cx="5040" cy="820800"/>
+            <a:off x="5995440" y="4711320"/>
+            <a:ext cx="4680" cy="820440"/>
           </a:xfrm>
           <a:custGeom>
             <a:avLst/>
@@ -12345,14 +14318,14 @@
       </p:sp>
       <p:sp>
         <p:nvSpPr>
-          <p:cNvPr id="169" name="Conector: Angulado 16"/>
+          <p:cNvPr id="199" name="Conector: Angulado 16"/>
           <p:cNvSpPr/>
           <p:nvPr/>
         </p:nvSpPr>
         <p:spPr>
           <a:xfrm flipH="1" rot="10800000">
-            <a:off x="2030760" y="3594960"/>
-            <a:ext cx="162720" cy="1603080"/>
+            <a:off x="5109120" y="4171320"/>
+            <a:ext cx="162360" cy="1602720"/>
           </a:xfrm>
           <a:prstGeom prst="bentConnector3">
             <a:avLst>
@@ -12382,13 +14355,13 @@
       </p:sp>
       <p:sp>
         <p:nvSpPr>
-          <p:cNvPr id="170" name="Conector reto 20"/>
+          <p:cNvPr id="200" name="Conector reto 20"/>
           <p:cNvSpPr/>
           <p:nvPr/>
         </p:nvSpPr>
         <p:spPr>
           <a:xfrm>
-            <a:off x="3654360" y="3593880"/>
+            <a:off x="6733080" y="4169880"/>
             <a:ext cx="775080" cy="360"/>
           </a:xfrm>
           <a:prstGeom prst="line">
@@ -12415,14 +14388,14 @@
       </p:sp>
       <p:sp>
         <p:nvSpPr>
-          <p:cNvPr id="171" name="Conector reto 22"/>
+          <p:cNvPr id="201" name="Conector reto 22"/>
           <p:cNvSpPr/>
           <p:nvPr/>
         </p:nvSpPr>
         <p:spPr>
           <a:xfrm>
-            <a:off x="4429440" y="3593880"/>
-            <a:ext cx="360" cy="2755800"/>
+            <a:off x="7508160" y="4169880"/>
+            <a:ext cx="360" cy="2345760"/>
           </a:xfrm>
           <a:prstGeom prst="line">
             <a:avLst/>
@@ -12448,14 +14421,14 @@
       </p:sp>
       <p:sp>
         <p:nvSpPr>
-          <p:cNvPr id="172" name="Conector de Seta Reta 25"/>
+          <p:cNvPr id="202" name="Conector de Seta Reta 25"/>
           <p:cNvSpPr/>
           <p:nvPr/>
         </p:nvSpPr>
         <p:spPr>
-          <a:xfrm flipH="1">
-            <a:off x="3534120" y="6350040"/>
-            <a:ext cx="893160" cy="360"/>
+          <a:xfrm flipH="1" flipV="1">
+            <a:off x="6658560" y="6513120"/>
+            <a:ext cx="898920" cy="360"/>
           </a:xfrm>
           <a:custGeom>
             <a:avLst/>
@@ -12496,14 +14469,14 @@
       </p:sp>
       <p:sp>
         <p:nvSpPr>
-          <p:cNvPr id="173" name="Seta: para Baixo 62"/>
+          <p:cNvPr id="203" name="Seta: para Baixo 62"/>
           <p:cNvSpPr/>
           <p:nvPr/>
         </p:nvSpPr>
         <p:spPr>
           <a:xfrm>
-            <a:off x="1155600" y="2424960"/>
-            <a:ext cx="98640" cy="4205160"/>
+            <a:off x="4500000" y="2986920"/>
+            <a:ext cx="98280" cy="3672000"/>
           </a:xfrm>
           <a:prstGeom prst="downArrow">
             <a:avLst>
@@ -12537,14 +14510,14 @@
       </p:sp>
       <p:sp>
         <p:nvSpPr>
-          <p:cNvPr id="174" name="CaixaDeTexto 32"/>
+          <p:cNvPr id="204" name="CaixaDeTexto 32"/>
           <p:cNvSpPr/>
           <p:nvPr/>
         </p:nvSpPr>
         <p:spPr>
           <a:xfrm>
-            <a:off x="3060720" y="4294440"/>
-            <a:ext cx="640440" cy="363960"/>
+            <a:off x="6139440" y="4870440"/>
+            <a:ext cx="640080" cy="363960"/>
           </a:xfrm>
           <a:prstGeom prst="rect">
             <a:avLst/>
@@ -12589,14 +14562,14 @@
       </p:sp>
       <p:sp>
         <p:nvSpPr>
-          <p:cNvPr id="175" name="CaixaDeTexto 71"/>
+          <p:cNvPr id="205" name="CaixaDeTexto 71"/>
           <p:cNvSpPr/>
           <p:nvPr/>
         </p:nvSpPr>
         <p:spPr>
           <a:xfrm>
-            <a:off x="3670200" y="3157560"/>
-            <a:ext cx="738000" cy="363960"/>
+            <a:off x="6748560" y="3733560"/>
+            <a:ext cx="737640" cy="363960"/>
           </a:xfrm>
           <a:prstGeom prst="rect">
             <a:avLst/>
@@ -12632,205 +14605,6 @@
                 <a:ea typeface="DejaVu Sans"/>
               </a:rPr>
               <a:t>False</a:t>
-            </a:r>
-            <a:endParaRPr b="0" lang="pt-BR" sz="1800" spc="-1" strike="noStrike">
-              <a:latin typeface="Arial"/>
-            </a:endParaRPr>
-          </a:p>
-        </p:txBody>
-      </p:sp>
-      <p:sp>
-        <p:nvSpPr>
-          <p:cNvPr id="176" name="Seta: para a Direita 5"/>
-          <p:cNvSpPr/>
-          <p:nvPr/>
-        </p:nvSpPr>
-        <p:spPr>
-          <a:xfrm>
-            <a:off x="5040360" y="4135320"/>
-            <a:ext cx="1491480" cy="527400"/>
-          </a:xfrm>
-          <a:prstGeom prst="rightArrow">
-            <a:avLst>
-              <a:gd name="adj1" fmla="val 50000"/>
-              <a:gd name="adj2" fmla="val 50000"/>
-            </a:avLst>
-          </a:prstGeom>
-          <a:solidFill>
-            <a:srgbClr val="4f81bd"/>
-          </a:solidFill>
-          <a:ln>
-            <a:solidFill>
-              <a:srgbClr val="3a5f8b"/>
-            </a:solidFill>
-          </a:ln>
-        </p:spPr>
-        <p:style>
-          <a:lnRef idx="2">
-            <a:schemeClr val="accent1">
-              <a:shade val="50000"/>
-            </a:schemeClr>
-          </a:lnRef>
-          <a:fillRef idx="1">
-            <a:schemeClr val="accent1"/>
-          </a:fillRef>
-          <a:effectRef idx="0">
-            <a:schemeClr val="accent1"/>
-          </a:effectRef>
-          <a:fontRef idx="minor"/>
-        </p:style>
-      </p:sp>
-      <p:sp>
-        <p:nvSpPr>
-          <p:cNvPr id="177" name="CaixaDeTexto 7"/>
-          <p:cNvSpPr/>
-          <p:nvPr/>
-        </p:nvSpPr>
-        <p:spPr>
-          <a:xfrm>
-            <a:off x="5100480" y="3696840"/>
-            <a:ext cx="1370520" cy="363960"/>
-          </a:xfrm>
-          <a:prstGeom prst="rect">
-            <a:avLst/>
-          </a:prstGeom>
-          <a:noFill/>
-          <a:ln w="0">
-            <a:noFill/>
-          </a:ln>
-        </p:spPr>
-        <p:style>
-          <a:lnRef idx="0"/>
-          <a:fillRef idx="0"/>
-          <a:effectRef idx="0"/>
-          <a:fontRef idx="minor"/>
-        </p:style>
-        <p:txBody>
-          <a:bodyPr wrap="none" lIns="90000" rIns="90000" tIns="45000" bIns="45000" anchor="t">
-            <a:spAutoFit/>
-          </a:bodyPr>
-          <a:p>
-            <a:pPr>
-              <a:lnSpc>
-                <a:spcPct val="100000"/>
-              </a:lnSpc>
-              <a:buNone/>
-            </a:pPr>
-            <a:r>
-              <a:rPr b="0" lang="pt-BR" sz="1800" spc="-1" strike="noStrike">
-                <a:solidFill>
-                  <a:srgbClr val="000000"/>
-                </a:solidFill>
-                <a:latin typeface="Arial"/>
-                <a:ea typeface="DejaVu Sans"/>
-              </a:rPr>
-              <a:t>Codificação</a:t>
-            </a:r>
-            <a:endParaRPr b="0" lang="pt-BR" sz="1800" spc="-1" strike="noStrike">
-              <a:latin typeface="Arial"/>
-            </a:endParaRPr>
-          </a:p>
-        </p:txBody>
-      </p:sp>
-      <p:sp>
-        <p:nvSpPr>
-          <p:cNvPr id="178" name="Retângulo 8"/>
-          <p:cNvSpPr/>
-          <p:nvPr/>
-        </p:nvSpPr>
-        <p:spPr>
-          <a:xfrm>
-            <a:off x="7351560" y="3603240"/>
-            <a:ext cx="2358360" cy="1381320"/>
-          </a:xfrm>
-          <a:prstGeom prst="rect">
-            <a:avLst/>
-          </a:prstGeom>
-          <a:solidFill>
-            <a:srgbClr val="4f81bd"/>
-          </a:solidFill>
-          <a:ln>
-            <a:solidFill>
-              <a:srgbClr val="3a5f8b"/>
-            </a:solidFill>
-          </a:ln>
-        </p:spPr>
-        <p:style>
-          <a:lnRef idx="2">
-            <a:schemeClr val="accent1">
-              <a:shade val="50000"/>
-            </a:schemeClr>
-          </a:lnRef>
-          <a:fillRef idx="1">
-            <a:schemeClr val="accent1"/>
-          </a:fillRef>
-          <a:effectRef idx="0">
-            <a:schemeClr val="accent1"/>
-          </a:effectRef>
-          <a:fontRef idx="minor"/>
-        </p:style>
-        <p:txBody>
-          <a:bodyPr lIns="90000" rIns="90000" tIns="45000" bIns="45000" anchor="ctr">
-            <a:noAutofit/>
-          </a:bodyPr>
-          <a:p>
-            <a:pPr algn="just">
-              <a:lnSpc>
-                <a:spcPct val="100000"/>
-              </a:lnSpc>
-              <a:buNone/>
-            </a:pPr>
-            <a:r>
-              <a:rPr b="0" lang="pt-BR" sz="1800" spc="-1" strike="noStrike">
-                <a:solidFill>
-                  <a:srgbClr val="ffffff"/>
-                </a:solidFill>
-                <a:latin typeface="Arial"/>
-                <a:ea typeface="DejaVu Sans"/>
-              </a:rPr>
-              <a:t>for i in range(0,10,1):</a:t>
-            </a:r>
-            <a:endParaRPr b="0" lang="pt-BR" sz="1800" spc="-1" strike="noStrike">
-              <a:latin typeface="Arial"/>
-            </a:endParaRPr>
-          </a:p>
-          <a:p>
-            <a:pPr algn="just">
-              <a:lnSpc>
-                <a:spcPct val="100000"/>
-              </a:lnSpc>
-              <a:buNone/>
-            </a:pPr>
-            <a:endParaRPr b="0" lang="pt-BR" sz="1800" spc="-1" strike="noStrike">
-              <a:latin typeface="Arial"/>
-            </a:endParaRPr>
-          </a:p>
-          <a:p>
-            <a:pPr algn="just">
-              <a:lnSpc>
-                <a:spcPct val="100000"/>
-              </a:lnSpc>
-              <a:buNone/>
-            </a:pPr>
-            <a:r>
-              <a:rPr b="0" lang="pt-BR" sz="1800" spc="-1" strike="noStrike">
-                <a:solidFill>
-                  <a:srgbClr val="ffffff"/>
-                </a:solidFill>
-                <a:latin typeface="Arial"/>
-                <a:ea typeface="DejaVu Sans"/>
-              </a:rPr>
-              <a:t>   </a:t>
-            </a:r>
-            <a:r>
-              <a:rPr b="0" lang="pt-BR" sz="1800" spc="-1" strike="noStrike">
-                <a:solidFill>
-                  <a:srgbClr val="ffffff"/>
-                </a:solidFill>
-                <a:latin typeface="Arial"/>
-                <a:ea typeface="DejaVu Sans"/>
-              </a:rPr>
-              <a:t>print("Iteração: ", i)</a:t>
             </a:r>
             <a:endParaRPr b="0" lang="pt-BR" sz="1800" spc="-1" strike="noStrike">
               <a:latin typeface="Arial"/>
@@ -12870,14 +14644,14 @@
       </p:grpSpPr>
       <p:sp>
         <p:nvSpPr>
-          <p:cNvPr id="179" name="CustomShape 1"/>
+          <p:cNvPr id="206" name="CustomShape 1"/>
           <p:cNvSpPr/>
           <p:nvPr/>
         </p:nvSpPr>
         <p:spPr>
           <a:xfrm>
             <a:off x="360000" y="360000"/>
-            <a:ext cx="9351360" cy="891360"/>
+            <a:ext cx="9351000" cy="891000"/>
           </a:xfrm>
           <a:prstGeom prst="rect">
             <a:avLst/>
@@ -12922,14 +14696,14 @@
       </p:sp>
       <p:sp>
         <p:nvSpPr>
-          <p:cNvPr id="180" name="CustomShape 2"/>
+          <p:cNvPr id="207" name="CustomShape 2"/>
           <p:cNvSpPr/>
           <p:nvPr/>
         </p:nvSpPr>
         <p:spPr>
           <a:xfrm>
             <a:off x="897120" y="6886080"/>
-            <a:ext cx="6438600" cy="356400"/>
+            <a:ext cx="6438240" cy="356040"/>
           </a:xfrm>
           <a:prstGeom prst="rect">
             <a:avLst/>
@@ -12974,14 +14748,14 @@
       </p:sp>
       <p:sp>
         <p:nvSpPr>
-          <p:cNvPr id="181" name="CustomShape 3"/>
+          <p:cNvPr id="208" name="CustomShape 3"/>
           <p:cNvSpPr/>
           <p:nvPr/>
         </p:nvSpPr>
         <p:spPr>
           <a:xfrm>
             <a:off x="7608600" y="6886080"/>
-            <a:ext cx="2276640" cy="356400"/>
+            <a:ext cx="2276280" cy="356040"/>
           </a:xfrm>
           <a:prstGeom prst="rect">
             <a:avLst/>
@@ -13026,14 +14800,14 @@
       </p:sp>
       <p:sp>
         <p:nvSpPr>
-          <p:cNvPr id="182" name="CustomShape 4"/>
+          <p:cNvPr id="209" name="CustomShape 4"/>
           <p:cNvSpPr/>
           <p:nvPr/>
         </p:nvSpPr>
         <p:spPr>
           <a:xfrm>
             <a:off x="948240" y="2912040"/>
-            <a:ext cx="3381120" cy="359640"/>
+            <a:ext cx="3380760" cy="359280"/>
           </a:xfrm>
           <a:prstGeom prst="rect">
             <a:avLst/>
@@ -13052,14 +14826,14 @@
       </p:sp>
       <p:sp>
         <p:nvSpPr>
-          <p:cNvPr id="183" name="CustomShape 11"/>
+          <p:cNvPr id="210" name="CustomShape 11"/>
           <p:cNvSpPr/>
           <p:nvPr/>
         </p:nvSpPr>
         <p:spPr>
           <a:xfrm flipH="1" rot="10800000">
-            <a:off x="17998560" y="11129400"/>
-            <a:ext cx="698760" cy="355320"/>
+            <a:off x="17998920" y="11129760"/>
+            <a:ext cx="698400" cy="354960"/>
           </a:xfrm>
           <a:prstGeom prst="bentUpArrow">
             <a:avLst>
@@ -13087,14 +14861,14 @@
       </p:sp>
       <p:sp>
         <p:nvSpPr>
-          <p:cNvPr id="184" name="CustomShape 15"/>
+          <p:cNvPr id="211" name="CustomShape 15"/>
           <p:cNvSpPr/>
           <p:nvPr/>
         </p:nvSpPr>
         <p:spPr>
           <a:xfrm rot="10800000">
-            <a:off x="16093800" y="11129400"/>
-            <a:ext cx="735120" cy="355320"/>
+            <a:off x="16094160" y="11129760"/>
+            <a:ext cx="734760" cy="354960"/>
           </a:xfrm>
           <a:prstGeom prst="bentUpArrow">
             <a:avLst>
@@ -13122,14 +14896,14 @@
       </p:sp>
       <p:sp>
         <p:nvSpPr>
-          <p:cNvPr id="185" name="CustomShape 2"/>
+          <p:cNvPr id="212" name="CustomShape 2"/>
           <p:cNvSpPr/>
           <p:nvPr/>
         </p:nvSpPr>
         <p:spPr>
           <a:xfrm>
             <a:off x="360000" y="1705680"/>
-            <a:ext cx="9171360" cy="4671360"/>
+            <a:ext cx="9171000" cy="4671000"/>
           </a:xfrm>
           <a:prstGeom prst="rect">
             <a:avLst/>
@@ -13172,14 +14946,24 @@
                 <a:latin typeface="Latin Modern Sans"/>
                 <a:ea typeface="DejaVu Sans"/>
               </a:rPr>
-              <a:t>Incremento de 3 a 3</a:t>
+              <a:t>Repete (itera) um bloco de código por </a:t>
+            </a:r>
+            <a:r>
+              <a:rPr b="1" lang="pt-BR" sz="1800" spc="-1" strike="noStrike">
+                <a:solidFill>
+                  <a:srgbClr val="1c1c1c"/>
+                </a:solidFill>
+                <a:latin typeface="Latin Modern Sans"/>
+                <a:ea typeface="DejaVu Sans"/>
+              </a:rPr>
+              <a:t>determinadas vezes</a:t>
             </a:r>
             <a:endParaRPr b="0" lang="pt-BR" sz="1800" spc="-1" strike="noStrike">
               <a:latin typeface="Arial"/>
             </a:endParaRPr>
           </a:p>
           <a:p>
-            <a:pPr>
+            <a:pPr marL="464760">
               <a:lnSpc>
                 <a:spcPct val="100000"/>
               </a:lnSpc>
@@ -13193,7 +14977,7 @@
             </a:endParaRPr>
           </a:p>
           <a:p>
-            <a:pPr>
+            <a:pPr marL="464760">
               <a:lnSpc>
                 <a:spcPct val="100000"/>
               </a:lnSpc>
@@ -13202,6 +14986,34 @@
               </a:spcAft>
               <a:buNone/>
             </a:pPr>
+            <a:endParaRPr b="0" lang="pt-BR" sz="1800" spc="-1" strike="noStrike">
+              <a:latin typeface="Arial"/>
+            </a:endParaRPr>
+          </a:p>
+          <a:p>
+            <a:pPr marL="464760">
+              <a:lnSpc>
+                <a:spcPct val="100000"/>
+              </a:lnSpc>
+              <a:spcAft>
+                <a:spcPts val="1140"/>
+              </a:spcAft>
+              <a:buNone/>
+            </a:pPr>
+            <a:endParaRPr b="0" lang="pt-BR" sz="1800" spc="-1" strike="noStrike">
+              <a:latin typeface="Arial"/>
+            </a:endParaRPr>
+          </a:p>
+          <a:p>
+            <a:pPr marL="464760">
+              <a:lnSpc>
+                <a:spcPct val="100000"/>
+              </a:lnSpc>
+              <a:spcAft>
+                <a:spcPts val="1140"/>
+              </a:spcAft>
+              <a:buNone/>
+            </a:pPr>
             <a:endParaRPr b="0" lang="pt-BR" sz="1600" spc="-1" strike="noStrike">
               <a:latin typeface="Arial"/>
             </a:endParaRPr>
@@ -13210,14 +15022,14 @@
       </p:sp>
       <p:sp>
         <p:nvSpPr>
-          <p:cNvPr id="186" name="Losango 1"/>
+          <p:cNvPr id="213" name="Losango 1"/>
           <p:cNvSpPr/>
           <p:nvPr/>
         </p:nvSpPr>
         <p:spPr>
           <a:xfrm>
             <a:off x="2194200" y="3052440"/>
-            <a:ext cx="1459440" cy="1081800"/>
+            <a:ext cx="1459080" cy="1081440"/>
           </a:xfrm>
           <a:prstGeom prst="diamond">
             <a:avLst/>
@@ -13274,14 +15086,14 @@
       </p:sp>
       <p:sp>
         <p:nvSpPr>
-          <p:cNvPr id="187" name="Fluxograma: Processo Predefinido 2"/>
+          <p:cNvPr id="214" name="Fluxograma: Processo Predefinido 2"/>
           <p:cNvSpPr/>
           <p:nvPr/>
         </p:nvSpPr>
         <p:spPr>
           <a:xfrm>
             <a:off x="2030400" y="4957200"/>
-            <a:ext cx="1774800" cy="480240"/>
+            <a:ext cx="1774440" cy="479880"/>
           </a:xfrm>
           <a:prstGeom prst="flowChartPredefinedProcess">
             <a:avLst/>
@@ -13312,14 +15124,14 @@
       </p:sp>
       <p:sp>
         <p:nvSpPr>
-          <p:cNvPr id="188" name="Conector de Seta Reta 4"/>
+          <p:cNvPr id="215" name="Conector de Seta Reta 4"/>
           <p:cNvSpPr/>
           <p:nvPr/>
         </p:nvSpPr>
         <p:spPr>
           <a:xfrm>
             <a:off x="2916720" y="2424960"/>
-            <a:ext cx="6480" cy="626400"/>
+            <a:ext cx="6120" cy="626040"/>
           </a:xfrm>
           <a:custGeom>
             <a:avLst/>
@@ -13360,14 +15172,14 @@
       </p:sp>
       <p:sp>
         <p:nvSpPr>
-          <p:cNvPr id="189" name="Conector de Seta Reta 6"/>
+          <p:cNvPr id="216" name="Conector de Seta Reta 6"/>
           <p:cNvSpPr/>
           <p:nvPr/>
         </p:nvSpPr>
         <p:spPr>
           <a:xfrm flipH="1">
-            <a:off x="2917800" y="4135320"/>
-            <a:ext cx="5040" cy="820800"/>
+            <a:off x="2917080" y="4135320"/>
+            <a:ext cx="4680" cy="820440"/>
           </a:xfrm>
           <a:custGeom>
             <a:avLst/>
@@ -13408,14 +15220,14 @@
       </p:sp>
       <p:sp>
         <p:nvSpPr>
-          <p:cNvPr id="190" name="Conector: Angulado 16"/>
+          <p:cNvPr id="217" name="Conector: Angulado 16"/>
           <p:cNvSpPr/>
           <p:nvPr/>
         </p:nvSpPr>
         <p:spPr>
           <a:xfrm flipH="1" rot="10800000">
-            <a:off x="2030760" y="3594960"/>
-            <a:ext cx="162720" cy="1603080"/>
+            <a:off x="2030400" y="3595320"/>
+            <a:ext cx="162360" cy="1602720"/>
           </a:xfrm>
           <a:prstGeom prst="bentConnector3">
             <a:avLst>
@@ -13445,7 +15257,7 @@
       </p:sp>
       <p:sp>
         <p:nvSpPr>
-          <p:cNvPr id="191" name="Conector reto 20"/>
+          <p:cNvPr id="218" name="Conector reto 20"/>
           <p:cNvSpPr/>
           <p:nvPr/>
         </p:nvSpPr>
@@ -13478,7 +15290,7 @@
       </p:sp>
       <p:sp>
         <p:nvSpPr>
-          <p:cNvPr id="192" name="Conector reto 22"/>
+          <p:cNvPr id="219" name="Conector reto 22"/>
           <p:cNvSpPr/>
           <p:nvPr/>
         </p:nvSpPr>
@@ -13511,14 +15323,14 @@
       </p:sp>
       <p:sp>
         <p:nvSpPr>
-          <p:cNvPr id="193" name="Conector de Seta Reta 25"/>
+          <p:cNvPr id="220" name="Conector de Seta Reta 25"/>
           <p:cNvSpPr/>
           <p:nvPr/>
         </p:nvSpPr>
         <p:spPr>
           <a:xfrm flipH="1">
             <a:off x="3534120" y="6350040"/>
-            <a:ext cx="893160" cy="360"/>
+            <a:ext cx="892800" cy="360"/>
           </a:xfrm>
           <a:custGeom>
             <a:avLst/>
@@ -13559,14 +15371,14 @@
       </p:sp>
       <p:sp>
         <p:nvSpPr>
-          <p:cNvPr id="194" name="Seta: para Baixo 62"/>
+          <p:cNvPr id="221" name="Seta: para Baixo 62"/>
           <p:cNvSpPr/>
           <p:nvPr/>
         </p:nvSpPr>
         <p:spPr>
           <a:xfrm>
             <a:off x="1155600" y="2424960"/>
-            <a:ext cx="98640" cy="4205160"/>
+            <a:ext cx="98280" cy="4204800"/>
           </a:xfrm>
           <a:prstGeom prst="downArrow">
             <a:avLst>
@@ -13600,14 +15412,14 @@
       </p:sp>
       <p:sp>
         <p:nvSpPr>
-          <p:cNvPr id="195" name="CaixaDeTexto 32"/>
+          <p:cNvPr id="222" name="CaixaDeTexto 32"/>
           <p:cNvSpPr/>
           <p:nvPr/>
         </p:nvSpPr>
         <p:spPr>
           <a:xfrm>
             <a:off x="3060720" y="4294440"/>
-            <a:ext cx="640440" cy="363960"/>
+            <a:ext cx="640080" cy="363960"/>
           </a:xfrm>
           <a:prstGeom prst="rect">
             <a:avLst/>
@@ -13652,14 +15464,14 @@
       </p:sp>
       <p:sp>
         <p:nvSpPr>
-          <p:cNvPr id="196" name="CaixaDeTexto 71"/>
+          <p:cNvPr id="223" name="CaixaDeTexto 71"/>
           <p:cNvSpPr/>
           <p:nvPr/>
         </p:nvSpPr>
         <p:spPr>
           <a:xfrm>
             <a:off x="3670200" y="3157560"/>
-            <a:ext cx="738000" cy="363960"/>
+            <a:ext cx="737640" cy="363960"/>
           </a:xfrm>
           <a:prstGeom prst="rect">
             <a:avLst/>
@@ -13704,14 +15516,14 @@
       </p:sp>
       <p:sp>
         <p:nvSpPr>
-          <p:cNvPr id="197" name="Seta: para a Direita 5"/>
+          <p:cNvPr id="224" name="Seta: para a Direita 5"/>
           <p:cNvSpPr/>
           <p:nvPr/>
         </p:nvSpPr>
         <p:spPr>
           <a:xfrm>
             <a:off x="5040360" y="4135320"/>
-            <a:ext cx="1491480" cy="527400"/>
+            <a:ext cx="1491120" cy="527040"/>
           </a:xfrm>
           <a:prstGeom prst="rightArrow">
             <a:avLst>
@@ -13745,14 +15557,14 @@
       </p:sp>
       <p:sp>
         <p:nvSpPr>
-          <p:cNvPr id="198" name="CaixaDeTexto 7"/>
+          <p:cNvPr id="225" name="CaixaDeTexto 7"/>
           <p:cNvSpPr/>
           <p:nvPr/>
         </p:nvSpPr>
         <p:spPr>
           <a:xfrm>
             <a:off x="5100480" y="3696840"/>
-            <a:ext cx="1370520" cy="363960"/>
+            <a:ext cx="1370160" cy="363960"/>
           </a:xfrm>
           <a:prstGeom prst="rect">
             <a:avLst/>
@@ -13797,14 +15609,14 @@
       </p:sp>
       <p:sp>
         <p:nvSpPr>
-          <p:cNvPr id="199" name="Retângulo 8"/>
+          <p:cNvPr id="226" name="Retângulo 8"/>
           <p:cNvSpPr/>
           <p:nvPr/>
         </p:nvSpPr>
         <p:spPr>
           <a:xfrm>
-            <a:off x="7336800" y="3610440"/>
-            <a:ext cx="2358360" cy="1381320"/>
+            <a:off x="7351560" y="3603240"/>
+            <a:ext cx="2358000" cy="1380960"/>
           </a:xfrm>
           <a:prstGeom prst="rect">
             <a:avLst/>
@@ -13851,7 +15663,7 @@
                 <a:latin typeface="Arial"/>
                 <a:ea typeface="DejaVu Sans"/>
               </a:rPr>
-              <a:t>for i in range(0,10,3):</a:t>
+              <a:t>for i in range(0,10,1):</a:t>
             </a:r>
             <a:endParaRPr b="0" lang="pt-BR" sz="1800" spc="-1" strike="noStrike">
               <a:latin typeface="Arial"/>
@@ -13933,14 +15745,14 @@
       </p:grpSpPr>
       <p:sp>
         <p:nvSpPr>
-          <p:cNvPr id="200" name="CustomShape 1"/>
+          <p:cNvPr id="227" name="CustomShape 1"/>
           <p:cNvSpPr/>
           <p:nvPr/>
         </p:nvSpPr>
         <p:spPr>
           <a:xfrm>
             <a:off x="360000" y="360000"/>
-            <a:ext cx="9351360" cy="891360"/>
+            <a:ext cx="9351000" cy="891000"/>
           </a:xfrm>
           <a:prstGeom prst="rect">
             <a:avLst/>
@@ -13985,14 +15797,14 @@
       </p:sp>
       <p:sp>
         <p:nvSpPr>
-          <p:cNvPr id="201" name="CustomShape 2"/>
+          <p:cNvPr id="228" name="CustomShape 2"/>
           <p:cNvSpPr/>
           <p:nvPr/>
         </p:nvSpPr>
         <p:spPr>
           <a:xfrm>
             <a:off x="897120" y="6886080"/>
-            <a:ext cx="6438600" cy="356400"/>
+            <a:ext cx="6438240" cy="356040"/>
           </a:xfrm>
           <a:prstGeom prst="rect">
             <a:avLst/>
@@ -14037,14 +15849,14 @@
       </p:sp>
       <p:sp>
         <p:nvSpPr>
-          <p:cNvPr id="202" name="CustomShape 3"/>
+          <p:cNvPr id="229" name="CustomShape 3"/>
           <p:cNvSpPr/>
           <p:nvPr/>
         </p:nvSpPr>
         <p:spPr>
           <a:xfrm>
             <a:off x="7608600" y="6886080"/>
-            <a:ext cx="2276640" cy="356400"/>
+            <a:ext cx="2276280" cy="356040"/>
           </a:xfrm>
           <a:prstGeom prst="rect">
             <a:avLst/>
@@ -14089,14 +15901,14 @@
       </p:sp>
       <p:sp>
         <p:nvSpPr>
-          <p:cNvPr id="203" name="CustomShape 4"/>
+          <p:cNvPr id="230" name="CustomShape 4"/>
           <p:cNvSpPr/>
           <p:nvPr/>
         </p:nvSpPr>
         <p:spPr>
           <a:xfrm>
             <a:off x="948240" y="2912040"/>
-            <a:ext cx="3381120" cy="359640"/>
+            <a:ext cx="3380760" cy="359280"/>
           </a:xfrm>
           <a:prstGeom prst="rect">
             <a:avLst/>
@@ -14115,14 +15927,14 @@
       </p:sp>
       <p:sp>
         <p:nvSpPr>
-          <p:cNvPr id="204" name="CustomShape 11"/>
+          <p:cNvPr id="231" name="CustomShape 11"/>
           <p:cNvSpPr/>
           <p:nvPr/>
         </p:nvSpPr>
         <p:spPr>
           <a:xfrm flipH="1" rot="10800000">
-            <a:off x="17998560" y="11129400"/>
-            <a:ext cx="698760" cy="355320"/>
+            <a:off x="17998920" y="11129760"/>
+            <a:ext cx="698400" cy="354960"/>
           </a:xfrm>
           <a:prstGeom prst="bentUpArrow">
             <a:avLst>
@@ -14150,14 +15962,14 @@
       </p:sp>
       <p:sp>
         <p:nvSpPr>
-          <p:cNvPr id="205" name="CustomShape 15"/>
+          <p:cNvPr id="232" name="CustomShape 15"/>
           <p:cNvSpPr/>
           <p:nvPr/>
         </p:nvSpPr>
         <p:spPr>
           <a:xfrm rot="10800000">
-            <a:off x="16093800" y="11129400"/>
-            <a:ext cx="735120" cy="355320"/>
+            <a:off x="16094160" y="11129760"/>
+            <a:ext cx="734760" cy="354960"/>
           </a:xfrm>
           <a:prstGeom prst="bentUpArrow">
             <a:avLst>
@@ -14185,14 +15997,14 @@
       </p:sp>
       <p:sp>
         <p:nvSpPr>
-          <p:cNvPr id="206" name="CustomShape 2"/>
+          <p:cNvPr id="233" name="CustomShape 2"/>
           <p:cNvSpPr/>
           <p:nvPr/>
         </p:nvSpPr>
         <p:spPr>
           <a:xfrm>
             <a:off x="360000" y="1705680"/>
-            <a:ext cx="9171360" cy="4671360"/>
+            <a:ext cx="9171000" cy="4671000"/>
           </a:xfrm>
           <a:prstGeom prst="rect">
             <a:avLst/>
@@ -14235,7 +16047,7 @@
                 <a:latin typeface="Latin Modern Sans"/>
                 <a:ea typeface="DejaVu Sans"/>
               </a:rPr>
-              <a:t>Não precisa começar em zero </a:t>
+              <a:t>Incremento de 3 a 3</a:t>
             </a:r>
             <a:endParaRPr b="0" lang="pt-BR" sz="1800" spc="-1" strike="noStrike">
               <a:latin typeface="Arial"/>
@@ -14273,14 +16085,14 @@
       </p:sp>
       <p:sp>
         <p:nvSpPr>
-          <p:cNvPr id="207" name="Losango 1"/>
+          <p:cNvPr id="234" name="Losango 1"/>
           <p:cNvSpPr/>
           <p:nvPr/>
         </p:nvSpPr>
         <p:spPr>
           <a:xfrm>
             <a:off x="2194200" y="3052440"/>
-            <a:ext cx="1459440" cy="1081800"/>
+            <a:ext cx="1459080" cy="1081440"/>
           </a:xfrm>
           <a:prstGeom prst="diamond">
             <a:avLst/>
@@ -14337,14 +16149,14 @@
       </p:sp>
       <p:sp>
         <p:nvSpPr>
-          <p:cNvPr id="208" name="Fluxograma: Processo Predefinido 2"/>
+          <p:cNvPr id="235" name="Fluxograma: Processo Predefinido 2"/>
           <p:cNvSpPr/>
           <p:nvPr/>
         </p:nvSpPr>
         <p:spPr>
           <a:xfrm>
             <a:off x="2030400" y="4957200"/>
-            <a:ext cx="1774800" cy="480240"/>
+            <a:ext cx="1774440" cy="479880"/>
           </a:xfrm>
           <a:prstGeom prst="flowChartPredefinedProcess">
             <a:avLst/>
@@ -14375,14 +16187,14 @@
       </p:sp>
       <p:sp>
         <p:nvSpPr>
-          <p:cNvPr id="209" name="Conector de Seta Reta 4"/>
+          <p:cNvPr id="236" name="Conector de Seta Reta 4"/>
           <p:cNvSpPr/>
           <p:nvPr/>
         </p:nvSpPr>
         <p:spPr>
           <a:xfrm>
             <a:off x="2916720" y="2424960"/>
-            <a:ext cx="6480" cy="626400"/>
+            <a:ext cx="6120" cy="626040"/>
           </a:xfrm>
           <a:custGeom>
             <a:avLst/>
@@ -14423,14 +16235,14 @@
       </p:sp>
       <p:sp>
         <p:nvSpPr>
-          <p:cNvPr id="210" name="Conector de Seta Reta 6"/>
+          <p:cNvPr id="237" name="Conector de Seta Reta 6"/>
           <p:cNvSpPr/>
           <p:nvPr/>
         </p:nvSpPr>
         <p:spPr>
           <a:xfrm flipH="1">
-            <a:off x="2917800" y="4135320"/>
-            <a:ext cx="5040" cy="820800"/>
+            <a:off x="2917080" y="4135320"/>
+            <a:ext cx="4680" cy="820440"/>
           </a:xfrm>
           <a:custGeom>
             <a:avLst/>
@@ -14471,14 +16283,14 @@
       </p:sp>
       <p:sp>
         <p:nvSpPr>
-          <p:cNvPr id="211" name="Conector: Angulado 16"/>
+          <p:cNvPr id="238" name="Conector: Angulado 16"/>
           <p:cNvSpPr/>
           <p:nvPr/>
         </p:nvSpPr>
         <p:spPr>
           <a:xfrm flipH="1" rot="10800000">
-            <a:off x="2030760" y="3594960"/>
-            <a:ext cx="162720" cy="1603080"/>
+            <a:off x="2030400" y="3595320"/>
+            <a:ext cx="162360" cy="1602720"/>
           </a:xfrm>
           <a:prstGeom prst="bentConnector3">
             <a:avLst>
@@ -14508,7 +16320,7 @@
       </p:sp>
       <p:sp>
         <p:nvSpPr>
-          <p:cNvPr id="212" name="Conector reto 20"/>
+          <p:cNvPr id="239" name="Conector reto 20"/>
           <p:cNvSpPr/>
           <p:nvPr/>
         </p:nvSpPr>
@@ -14541,7 +16353,7 @@
       </p:sp>
       <p:sp>
         <p:nvSpPr>
-          <p:cNvPr id="213" name="Conector reto 22"/>
+          <p:cNvPr id="240" name="Conector reto 22"/>
           <p:cNvSpPr/>
           <p:nvPr/>
         </p:nvSpPr>
@@ -14574,14 +16386,14 @@
       </p:sp>
       <p:sp>
         <p:nvSpPr>
-          <p:cNvPr id="214" name="Conector de Seta Reta 25"/>
+          <p:cNvPr id="241" name="Conector de Seta Reta 25"/>
           <p:cNvSpPr/>
           <p:nvPr/>
         </p:nvSpPr>
         <p:spPr>
           <a:xfrm flipH="1">
             <a:off x="3534120" y="6350040"/>
-            <a:ext cx="893160" cy="360"/>
+            <a:ext cx="892800" cy="360"/>
           </a:xfrm>
           <a:custGeom>
             <a:avLst/>
@@ -14622,14 +16434,14 @@
       </p:sp>
       <p:sp>
         <p:nvSpPr>
-          <p:cNvPr id="215" name="Seta: para Baixo 62"/>
+          <p:cNvPr id="242" name="Seta: para Baixo 62"/>
           <p:cNvSpPr/>
           <p:nvPr/>
         </p:nvSpPr>
         <p:spPr>
           <a:xfrm>
             <a:off x="1155600" y="2424960"/>
-            <a:ext cx="98640" cy="4205160"/>
+            <a:ext cx="98280" cy="4204800"/>
           </a:xfrm>
           <a:prstGeom prst="downArrow">
             <a:avLst>
@@ -14663,14 +16475,14 @@
       </p:sp>
       <p:sp>
         <p:nvSpPr>
-          <p:cNvPr id="216" name="CaixaDeTexto 32"/>
+          <p:cNvPr id="243" name="CaixaDeTexto 32"/>
           <p:cNvSpPr/>
           <p:nvPr/>
         </p:nvSpPr>
         <p:spPr>
           <a:xfrm>
             <a:off x="3060720" y="4294440"/>
-            <a:ext cx="640440" cy="363960"/>
+            <a:ext cx="640080" cy="363960"/>
           </a:xfrm>
           <a:prstGeom prst="rect">
             <a:avLst/>
@@ -14715,14 +16527,14 @@
       </p:sp>
       <p:sp>
         <p:nvSpPr>
-          <p:cNvPr id="217" name="CaixaDeTexto 71"/>
+          <p:cNvPr id="244" name="CaixaDeTexto 71"/>
           <p:cNvSpPr/>
           <p:nvPr/>
         </p:nvSpPr>
         <p:spPr>
           <a:xfrm>
             <a:off x="3670200" y="3157560"/>
-            <a:ext cx="738000" cy="363960"/>
+            <a:ext cx="737640" cy="363960"/>
           </a:xfrm>
           <a:prstGeom prst="rect">
             <a:avLst/>
@@ -14767,14 +16579,14 @@
       </p:sp>
       <p:sp>
         <p:nvSpPr>
-          <p:cNvPr id="218" name="Seta: para a Direita 5"/>
+          <p:cNvPr id="245" name="Seta: para a Direita 5"/>
           <p:cNvSpPr/>
           <p:nvPr/>
         </p:nvSpPr>
         <p:spPr>
           <a:xfrm>
             <a:off x="5040360" y="4135320"/>
-            <a:ext cx="1491480" cy="527400"/>
+            <a:ext cx="1491120" cy="527040"/>
           </a:xfrm>
           <a:prstGeom prst="rightArrow">
             <a:avLst>
@@ -14808,14 +16620,14 @@
       </p:sp>
       <p:sp>
         <p:nvSpPr>
-          <p:cNvPr id="219" name="CaixaDeTexto 7"/>
+          <p:cNvPr id="246" name="CaixaDeTexto 7"/>
           <p:cNvSpPr/>
           <p:nvPr/>
         </p:nvSpPr>
         <p:spPr>
           <a:xfrm>
             <a:off x="5100480" y="3696840"/>
-            <a:ext cx="1370520" cy="363960"/>
+            <a:ext cx="1370160" cy="363960"/>
           </a:xfrm>
           <a:prstGeom prst="rect">
             <a:avLst/>
@@ -14860,14 +16672,14 @@
       </p:sp>
       <p:sp>
         <p:nvSpPr>
-          <p:cNvPr id="220" name="Retângulo 8"/>
+          <p:cNvPr id="247" name="Retângulo 8"/>
           <p:cNvSpPr/>
           <p:nvPr/>
         </p:nvSpPr>
         <p:spPr>
           <a:xfrm>
-            <a:off x="6980760" y="3610440"/>
-            <a:ext cx="2714400" cy="1381320"/>
+            <a:off x="7336800" y="3610440"/>
+            <a:ext cx="2358000" cy="1380960"/>
           </a:xfrm>
           <a:prstGeom prst="rect">
             <a:avLst/>
@@ -14914,7 +16726,7 @@
                 <a:latin typeface="Arial"/>
                 <a:ea typeface="DejaVu Sans"/>
               </a:rPr>
-              <a:t>for i in range(102,203,3):</a:t>
+              <a:t>for i in range(0,10,3):</a:t>
             </a:r>
             <a:endParaRPr b="0" lang="pt-BR" sz="1800" spc="-1" strike="noStrike">
               <a:latin typeface="Arial"/>
@@ -14996,14 +16808,14 @@
       </p:grpSpPr>
       <p:sp>
         <p:nvSpPr>
-          <p:cNvPr id="221" name="CustomShape 1"/>
+          <p:cNvPr id="248" name="CustomShape 1"/>
           <p:cNvSpPr/>
           <p:nvPr/>
         </p:nvSpPr>
         <p:spPr>
           <a:xfrm>
             <a:off x="360000" y="360000"/>
-            <a:ext cx="9351360" cy="891360"/>
+            <a:ext cx="9351000" cy="891000"/>
           </a:xfrm>
           <a:prstGeom prst="rect">
             <a:avLst/>
@@ -15048,14 +16860,14 @@
       </p:sp>
       <p:sp>
         <p:nvSpPr>
-          <p:cNvPr id="222" name="CustomShape 2"/>
+          <p:cNvPr id="249" name="CustomShape 2"/>
           <p:cNvSpPr/>
           <p:nvPr/>
         </p:nvSpPr>
         <p:spPr>
           <a:xfrm>
             <a:off x="897120" y="6886080"/>
-            <a:ext cx="6438600" cy="356400"/>
+            <a:ext cx="6438240" cy="356040"/>
           </a:xfrm>
           <a:prstGeom prst="rect">
             <a:avLst/>
@@ -15100,14 +16912,14 @@
       </p:sp>
       <p:sp>
         <p:nvSpPr>
-          <p:cNvPr id="223" name="CustomShape 3"/>
+          <p:cNvPr id="250" name="CustomShape 3"/>
           <p:cNvSpPr/>
           <p:nvPr/>
         </p:nvSpPr>
         <p:spPr>
           <a:xfrm>
             <a:off x="7608600" y="6886080"/>
-            <a:ext cx="2276640" cy="356400"/>
+            <a:ext cx="2276280" cy="356040"/>
           </a:xfrm>
           <a:prstGeom prst="rect">
             <a:avLst/>
@@ -15152,14 +16964,14 @@
       </p:sp>
       <p:sp>
         <p:nvSpPr>
-          <p:cNvPr id="224" name="CustomShape 4"/>
+          <p:cNvPr id="251" name="CustomShape 4"/>
           <p:cNvSpPr/>
           <p:nvPr/>
         </p:nvSpPr>
         <p:spPr>
           <a:xfrm>
             <a:off x="948240" y="2912040"/>
-            <a:ext cx="3381120" cy="359640"/>
+            <a:ext cx="3380760" cy="359280"/>
           </a:xfrm>
           <a:prstGeom prst="rect">
             <a:avLst/>
@@ -15178,14 +16990,14 @@
       </p:sp>
       <p:sp>
         <p:nvSpPr>
-          <p:cNvPr id="225" name="CustomShape 11"/>
+          <p:cNvPr id="252" name="CustomShape 11"/>
           <p:cNvSpPr/>
           <p:nvPr/>
         </p:nvSpPr>
         <p:spPr>
           <a:xfrm flipH="1" rot="10800000">
-            <a:off x="17998560" y="11129400"/>
-            <a:ext cx="698760" cy="355320"/>
+            <a:off x="17998920" y="11129760"/>
+            <a:ext cx="698400" cy="354960"/>
           </a:xfrm>
           <a:prstGeom prst="bentUpArrow">
             <a:avLst>
@@ -15213,14 +17025,14 @@
       </p:sp>
       <p:sp>
         <p:nvSpPr>
-          <p:cNvPr id="226" name="CustomShape 15"/>
+          <p:cNvPr id="253" name="CustomShape 15"/>
           <p:cNvSpPr/>
           <p:nvPr/>
         </p:nvSpPr>
         <p:spPr>
           <a:xfrm rot="10800000">
-            <a:off x="16093800" y="11129400"/>
-            <a:ext cx="735120" cy="355320"/>
+            <a:off x="16094160" y="11129760"/>
+            <a:ext cx="734760" cy="354960"/>
           </a:xfrm>
           <a:prstGeom prst="bentUpArrow">
             <a:avLst>
@@ -15248,14 +17060,14 @@
       </p:sp>
       <p:sp>
         <p:nvSpPr>
-          <p:cNvPr id="227" name="CustomShape 2"/>
+          <p:cNvPr id="254" name="CustomShape 2"/>
           <p:cNvSpPr/>
           <p:nvPr/>
         </p:nvSpPr>
         <p:spPr>
           <a:xfrm>
             <a:off x="360000" y="1705680"/>
-            <a:ext cx="9171360" cy="4671360"/>
+            <a:ext cx="9171000" cy="4671000"/>
           </a:xfrm>
           <a:prstGeom prst="rect">
             <a:avLst/>
@@ -15298,7 +17110,7 @@
                 <a:latin typeface="Latin Modern Sans"/>
                 <a:ea typeface="DejaVu Sans"/>
               </a:rPr>
-              <a:t>Pode também decrementar </a:t>
+              <a:t>Não precisa começar em zero </a:t>
             </a:r>
             <a:endParaRPr b="0" lang="pt-BR" sz="1800" spc="-1" strike="noStrike">
               <a:latin typeface="Arial"/>
@@ -15314,6 +17126,20 @@
               </a:spcAft>
               <a:buNone/>
             </a:pPr>
+            <a:endParaRPr b="0" lang="pt-BR" sz="1800" spc="-1" strike="noStrike">
+              <a:latin typeface="Arial"/>
+            </a:endParaRPr>
+          </a:p>
+          <a:p>
+            <a:pPr>
+              <a:lnSpc>
+                <a:spcPct val="100000"/>
+              </a:lnSpc>
+              <a:spcAft>
+                <a:spcPts val="1140"/>
+              </a:spcAft>
+              <a:buNone/>
+            </a:pPr>
             <a:endParaRPr b="0" lang="pt-BR" sz="1600" spc="-1" strike="noStrike">
               <a:latin typeface="Arial"/>
             </a:endParaRPr>
@@ -15322,14 +17148,14 @@
       </p:sp>
       <p:sp>
         <p:nvSpPr>
-          <p:cNvPr id="228" name="Losango 1"/>
+          <p:cNvPr id="255" name="Losango 1"/>
           <p:cNvSpPr/>
           <p:nvPr/>
         </p:nvSpPr>
         <p:spPr>
           <a:xfrm>
             <a:off x="2194200" y="3052440"/>
-            <a:ext cx="1459440" cy="1081800"/>
+            <a:ext cx="1459080" cy="1081440"/>
           </a:xfrm>
           <a:prstGeom prst="diamond">
             <a:avLst/>
@@ -15386,14 +17212,14 @@
       </p:sp>
       <p:sp>
         <p:nvSpPr>
-          <p:cNvPr id="229" name="Fluxograma: Processo Predefinido 2"/>
+          <p:cNvPr id="256" name="Fluxograma: Processo Predefinido 2"/>
           <p:cNvSpPr/>
           <p:nvPr/>
         </p:nvSpPr>
         <p:spPr>
           <a:xfrm>
             <a:off x="2030400" y="4957200"/>
-            <a:ext cx="1774800" cy="480240"/>
+            <a:ext cx="1774440" cy="479880"/>
           </a:xfrm>
           <a:prstGeom prst="flowChartPredefinedProcess">
             <a:avLst/>
@@ -15424,14 +17250,14 @@
       </p:sp>
       <p:sp>
         <p:nvSpPr>
-          <p:cNvPr id="230" name="Conector de Seta Reta 4"/>
+          <p:cNvPr id="257" name="Conector de Seta Reta 4"/>
           <p:cNvSpPr/>
           <p:nvPr/>
         </p:nvSpPr>
         <p:spPr>
           <a:xfrm>
             <a:off x="2916720" y="2424960"/>
-            <a:ext cx="6480" cy="626400"/>
+            <a:ext cx="6120" cy="626040"/>
           </a:xfrm>
           <a:custGeom>
             <a:avLst/>
@@ -15472,14 +17298,14 @@
       </p:sp>
       <p:sp>
         <p:nvSpPr>
-          <p:cNvPr id="231" name="Conector de Seta Reta 6"/>
+          <p:cNvPr id="258" name="Conector de Seta Reta 6"/>
           <p:cNvSpPr/>
           <p:nvPr/>
         </p:nvSpPr>
         <p:spPr>
           <a:xfrm flipH="1">
-            <a:off x="2917800" y="4135320"/>
-            <a:ext cx="5040" cy="820800"/>
+            <a:off x="2917080" y="4135320"/>
+            <a:ext cx="4680" cy="820440"/>
           </a:xfrm>
           <a:custGeom>
             <a:avLst/>
@@ -15520,14 +17346,14 @@
       </p:sp>
       <p:sp>
         <p:nvSpPr>
-          <p:cNvPr id="232" name="Conector: Angulado 16"/>
+          <p:cNvPr id="259" name="Conector: Angulado 16"/>
           <p:cNvSpPr/>
           <p:nvPr/>
         </p:nvSpPr>
         <p:spPr>
           <a:xfrm flipH="1" rot="10800000">
-            <a:off x="2030760" y="3594960"/>
-            <a:ext cx="162720" cy="1603080"/>
+            <a:off x="2030400" y="3595320"/>
+            <a:ext cx="162360" cy="1602720"/>
           </a:xfrm>
           <a:prstGeom prst="bentConnector3">
             <a:avLst>
@@ -15557,7 +17383,7 @@
       </p:sp>
       <p:sp>
         <p:nvSpPr>
-          <p:cNvPr id="233" name="Conector reto 20"/>
+          <p:cNvPr id="260" name="Conector reto 20"/>
           <p:cNvSpPr/>
           <p:nvPr/>
         </p:nvSpPr>
@@ -15590,7 +17416,7 @@
       </p:sp>
       <p:sp>
         <p:nvSpPr>
-          <p:cNvPr id="234" name="Conector reto 22"/>
+          <p:cNvPr id="261" name="Conector reto 22"/>
           <p:cNvSpPr/>
           <p:nvPr/>
         </p:nvSpPr>
@@ -15623,14 +17449,14 @@
       </p:sp>
       <p:sp>
         <p:nvSpPr>
-          <p:cNvPr id="235" name="Conector de Seta Reta 25"/>
+          <p:cNvPr id="262" name="Conector de Seta Reta 25"/>
           <p:cNvSpPr/>
           <p:nvPr/>
         </p:nvSpPr>
         <p:spPr>
           <a:xfrm flipH="1">
             <a:off x="3534120" y="6350040"/>
-            <a:ext cx="893160" cy="360"/>
+            <a:ext cx="892800" cy="360"/>
           </a:xfrm>
           <a:custGeom>
             <a:avLst/>
@@ -15671,14 +17497,14 @@
       </p:sp>
       <p:sp>
         <p:nvSpPr>
-          <p:cNvPr id="236" name="Seta: para Baixo 62"/>
+          <p:cNvPr id="263" name="Seta: para Baixo 62"/>
           <p:cNvSpPr/>
           <p:nvPr/>
         </p:nvSpPr>
         <p:spPr>
           <a:xfrm>
             <a:off x="1155600" y="2424960"/>
-            <a:ext cx="98640" cy="4205160"/>
+            <a:ext cx="98280" cy="4204800"/>
           </a:xfrm>
           <a:prstGeom prst="downArrow">
             <a:avLst>
@@ -15712,14 +17538,14 @@
       </p:sp>
       <p:sp>
         <p:nvSpPr>
-          <p:cNvPr id="237" name="CaixaDeTexto 32"/>
+          <p:cNvPr id="264" name="CaixaDeTexto 32"/>
           <p:cNvSpPr/>
           <p:nvPr/>
         </p:nvSpPr>
         <p:spPr>
           <a:xfrm>
             <a:off x="3060720" y="4294440"/>
-            <a:ext cx="640440" cy="363960"/>
+            <a:ext cx="640080" cy="363960"/>
           </a:xfrm>
           <a:prstGeom prst="rect">
             <a:avLst/>
@@ -15764,14 +17590,14 @@
       </p:sp>
       <p:sp>
         <p:nvSpPr>
-          <p:cNvPr id="238" name="CaixaDeTexto 71"/>
+          <p:cNvPr id="265" name="CaixaDeTexto 71"/>
           <p:cNvSpPr/>
           <p:nvPr/>
         </p:nvSpPr>
         <p:spPr>
           <a:xfrm>
             <a:off x="3670200" y="3157560"/>
-            <a:ext cx="738000" cy="363960"/>
+            <a:ext cx="737640" cy="363960"/>
           </a:xfrm>
           <a:prstGeom prst="rect">
             <a:avLst/>
@@ -15816,14 +17642,14 @@
       </p:sp>
       <p:sp>
         <p:nvSpPr>
-          <p:cNvPr id="239" name="Seta: para a Direita 5"/>
+          <p:cNvPr id="266" name="Seta: para a Direita 5"/>
           <p:cNvSpPr/>
           <p:nvPr/>
         </p:nvSpPr>
         <p:spPr>
           <a:xfrm>
             <a:off x="5040360" y="4135320"/>
-            <a:ext cx="1491480" cy="527400"/>
+            <a:ext cx="1491120" cy="527040"/>
           </a:xfrm>
           <a:prstGeom prst="rightArrow">
             <a:avLst>
@@ -15857,14 +17683,14 @@
       </p:sp>
       <p:sp>
         <p:nvSpPr>
-          <p:cNvPr id="240" name="CaixaDeTexto 7"/>
+          <p:cNvPr id="267" name="CaixaDeTexto 7"/>
           <p:cNvSpPr/>
           <p:nvPr/>
         </p:nvSpPr>
         <p:spPr>
           <a:xfrm>
             <a:off x="5100480" y="3696840"/>
-            <a:ext cx="1370520" cy="363960"/>
+            <a:ext cx="1370160" cy="363960"/>
           </a:xfrm>
           <a:prstGeom prst="rect">
             <a:avLst/>
@@ -15909,14 +17735,14 @@
       </p:sp>
       <p:sp>
         <p:nvSpPr>
-          <p:cNvPr id="241" name="Retângulo 8"/>
+          <p:cNvPr id="268" name="Retângulo 8"/>
           <p:cNvSpPr/>
           <p:nvPr/>
         </p:nvSpPr>
         <p:spPr>
           <a:xfrm>
             <a:off x="6980760" y="3610440"/>
-            <a:ext cx="2714400" cy="1381320"/>
+            <a:ext cx="2714040" cy="1380960"/>
           </a:xfrm>
           <a:prstGeom prst="rect">
             <a:avLst/>
@@ -15963,7 +17789,7 @@
                 <a:latin typeface="Arial"/>
                 <a:ea typeface="DejaVu Sans"/>
               </a:rPr>
-              <a:t>for i in range(30, 15, -2):</a:t>
+              <a:t>for i in range(102,203,3):</a:t>
             </a:r>
             <a:endParaRPr b="0" lang="pt-BR" sz="1800" spc="-1" strike="noStrike">
               <a:latin typeface="Arial"/>
@@ -16045,14 +17871,14 @@
       </p:grpSpPr>
       <p:sp>
         <p:nvSpPr>
-          <p:cNvPr id="242" name="CustomShape 1"/>
+          <p:cNvPr id="269" name="CustomShape 1"/>
           <p:cNvSpPr/>
           <p:nvPr/>
         </p:nvSpPr>
         <p:spPr>
           <a:xfrm>
             <a:off x="360000" y="360000"/>
-            <a:ext cx="9351360" cy="891360"/>
+            <a:ext cx="9351000" cy="891000"/>
           </a:xfrm>
           <a:prstGeom prst="rect">
             <a:avLst/>
@@ -16097,14 +17923,14 @@
       </p:sp>
       <p:sp>
         <p:nvSpPr>
-          <p:cNvPr id="243" name="CustomShape 2"/>
+          <p:cNvPr id="270" name="CustomShape 2"/>
           <p:cNvSpPr/>
           <p:nvPr/>
         </p:nvSpPr>
         <p:spPr>
           <a:xfrm>
             <a:off x="897120" y="6886080"/>
-            <a:ext cx="6438600" cy="356400"/>
+            <a:ext cx="6438240" cy="356040"/>
           </a:xfrm>
           <a:prstGeom prst="rect">
             <a:avLst/>
@@ -16149,14 +17975,14 @@
       </p:sp>
       <p:sp>
         <p:nvSpPr>
-          <p:cNvPr id="244" name="CustomShape 3"/>
+          <p:cNvPr id="271" name="CustomShape 3"/>
           <p:cNvSpPr/>
           <p:nvPr/>
         </p:nvSpPr>
         <p:spPr>
           <a:xfrm>
             <a:off x="7608600" y="6886080"/>
-            <a:ext cx="2276640" cy="356400"/>
+            <a:ext cx="2276280" cy="356040"/>
           </a:xfrm>
           <a:prstGeom prst="rect">
             <a:avLst/>
@@ -16201,14 +18027,40 @@
       </p:sp>
       <p:sp>
         <p:nvSpPr>
-          <p:cNvPr id="245" name="CustomShape 11"/>
+          <p:cNvPr id="272" name="CustomShape 4"/>
           <p:cNvSpPr/>
           <p:nvPr/>
         </p:nvSpPr>
         <p:spPr>
+          <a:xfrm>
+            <a:off x="948240" y="2912040"/>
+            <a:ext cx="3380760" cy="359280"/>
+          </a:xfrm>
+          <a:prstGeom prst="rect">
+            <a:avLst/>
+          </a:prstGeom>
+          <a:noFill/>
+          <a:ln w="0">
+            <a:noFill/>
+          </a:ln>
+        </p:spPr>
+        <p:style>
+          <a:lnRef idx="0"/>
+          <a:fillRef idx="0"/>
+          <a:effectRef idx="0"/>
+          <a:fontRef idx="minor"/>
+        </p:style>
+      </p:sp>
+      <p:sp>
+        <p:nvSpPr>
+          <p:cNvPr id="273" name="CustomShape 11"/>
+          <p:cNvSpPr/>
+          <p:nvPr/>
+        </p:nvSpPr>
+        <p:spPr>
           <a:xfrm flipH="1" rot="10800000">
-            <a:off x="17998560" y="11129400"/>
-            <a:ext cx="698760" cy="355320"/>
+            <a:off x="17998920" y="11129760"/>
+            <a:ext cx="698400" cy="354960"/>
           </a:xfrm>
           <a:prstGeom prst="bentUpArrow">
             <a:avLst>
@@ -16236,14 +18088,14 @@
       </p:sp>
       <p:sp>
         <p:nvSpPr>
-          <p:cNvPr id="246" name="CustomShape 15"/>
+          <p:cNvPr id="274" name="CustomShape 15"/>
           <p:cNvSpPr/>
           <p:nvPr/>
         </p:nvSpPr>
         <p:spPr>
           <a:xfrm rot="10800000">
-            <a:off x="16093800" y="11129400"/>
-            <a:ext cx="735120" cy="355320"/>
+            <a:off x="16094160" y="11129760"/>
+            <a:ext cx="734760" cy="354960"/>
           </a:xfrm>
           <a:prstGeom prst="bentUpArrow">
             <a:avLst>
@@ -16271,14 +18123,14 @@
       </p:sp>
       <p:sp>
         <p:nvSpPr>
-          <p:cNvPr id="247" name="CustomShape 2"/>
+          <p:cNvPr id="275" name="CustomShape 2"/>
           <p:cNvSpPr/>
           <p:nvPr/>
         </p:nvSpPr>
         <p:spPr>
           <a:xfrm>
             <a:off x="360000" y="1705680"/>
-            <a:ext cx="9171360" cy="4671360"/>
+            <a:ext cx="9171000" cy="4671000"/>
           </a:xfrm>
           <a:prstGeom prst="rect">
             <a:avLst/>
@@ -16321,7 +18173,7 @@
                 <a:latin typeface="Latin Modern Sans"/>
                 <a:ea typeface="DejaVu Sans"/>
               </a:rPr>
-              <a:t>Atenção a condição deve ser sempre válida</a:t>
+              <a:t>Pode também decrementar </a:t>
             </a:r>
             <a:endParaRPr b="0" lang="pt-BR" sz="1800" spc="-1" strike="noStrike">
               <a:latin typeface="Arial"/>
@@ -16345,16 +18197,16 @@
       </p:sp>
       <p:sp>
         <p:nvSpPr>
-          <p:cNvPr id="248" name="Retângulo 8"/>
+          <p:cNvPr id="276" name="Losango 1"/>
           <p:cNvSpPr/>
           <p:nvPr/>
         </p:nvSpPr>
         <p:spPr>
           <a:xfrm>
-            <a:off x="1002600" y="3272760"/>
-            <a:ext cx="2714400" cy="1381320"/>
-          </a:xfrm>
-          <a:prstGeom prst="rect">
+            <a:off x="2194200" y="3052440"/>
+            <a:ext cx="1459080" cy="1081440"/>
+          </a:xfrm>
+          <a:prstGeom prst="diamond">
             <a:avLst/>
           </a:prstGeom>
           <a:solidFill>
@@ -16385,7 +18237,7 @@
             <a:noAutofit/>
           </a:bodyPr>
           <a:p>
-            <a:pPr algn="just">
+            <a:pPr algn="ctr">
               <a:lnSpc>
                 <a:spcPct val="100000"/>
               </a:lnSpc>
@@ -16399,7 +18251,594 @@
                 <a:latin typeface="Arial"/>
                 <a:ea typeface="DejaVu Sans"/>
               </a:rPr>
-              <a:t>for i in range(0, 10, -1):</a:t>
+              <a:t>Cond</a:t>
+            </a:r>
+            <a:endParaRPr b="0" lang="pt-BR" sz="1800" spc="-1" strike="noStrike">
+              <a:latin typeface="Arial"/>
+            </a:endParaRPr>
+          </a:p>
+        </p:txBody>
+      </p:sp>
+      <p:sp>
+        <p:nvSpPr>
+          <p:cNvPr id="277" name="Fluxograma: Processo Predefinido 2"/>
+          <p:cNvSpPr/>
+          <p:nvPr/>
+        </p:nvSpPr>
+        <p:spPr>
+          <a:xfrm>
+            <a:off x="2030400" y="4957200"/>
+            <a:ext cx="1774440" cy="479880"/>
+          </a:xfrm>
+          <a:prstGeom prst="flowChartPredefinedProcess">
+            <a:avLst/>
+          </a:prstGeom>
+          <a:solidFill>
+            <a:srgbClr val="4f81bd"/>
+          </a:solidFill>
+          <a:ln>
+            <a:solidFill>
+              <a:srgbClr val="3a5f8b"/>
+            </a:solidFill>
+          </a:ln>
+        </p:spPr>
+        <p:style>
+          <a:lnRef idx="2">
+            <a:schemeClr val="accent1">
+              <a:shade val="50000"/>
+            </a:schemeClr>
+          </a:lnRef>
+          <a:fillRef idx="1">
+            <a:schemeClr val="accent1"/>
+          </a:fillRef>
+          <a:effectRef idx="0">
+            <a:schemeClr val="accent1"/>
+          </a:effectRef>
+          <a:fontRef idx="minor"/>
+        </p:style>
+      </p:sp>
+      <p:sp>
+        <p:nvSpPr>
+          <p:cNvPr id="278" name="Conector de Seta Reta 4"/>
+          <p:cNvSpPr/>
+          <p:nvPr/>
+        </p:nvSpPr>
+        <p:spPr>
+          <a:xfrm>
+            <a:off x="2916720" y="2424960"/>
+            <a:ext cx="6120" cy="626040"/>
+          </a:xfrm>
+          <a:custGeom>
+            <a:avLst/>
+            <a:gdLst/>
+            <a:ahLst/>
+            <a:rect l="l" t="t" r="r" b="b"/>
+            <a:pathLst>
+              <a:path w="21600" h="21600">
+                <a:moveTo>
+                  <a:pt x="0" y="0"/>
+                </a:moveTo>
+                <a:lnTo>
+                  <a:pt x="21600" y="21600"/>
+                </a:lnTo>
+              </a:path>
+            </a:pathLst>
+          </a:custGeom>
+          <a:noFill/>
+          <a:ln>
+            <a:solidFill>
+              <a:srgbClr val="4a7ebb"/>
+            </a:solidFill>
+            <a:tailEnd len="med" type="triangle" w="med"/>
+          </a:ln>
+        </p:spPr>
+        <p:style>
+          <a:lnRef idx="1">
+            <a:schemeClr val="accent1"/>
+          </a:lnRef>
+          <a:fillRef idx="0">
+            <a:schemeClr val="accent1"/>
+          </a:fillRef>
+          <a:effectRef idx="0">
+            <a:schemeClr val="accent1"/>
+          </a:effectRef>
+          <a:fontRef idx="minor"/>
+        </p:style>
+      </p:sp>
+      <p:sp>
+        <p:nvSpPr>
+          <p:cNvPr id="279" name="Conector de Seta Reta 6"/>
+          <p:cNvSpPr/>
+          <p:nvPr/>
+        </p:nvSpPr>
+        <p:spPr>
+          <a:xfrm flipH="1">
+            <a:off x="2917080" y="4135320"/>
+            <a:ext cx="4680" cy="820440"/>
+          </a:xfrm>
+          <a:custGeom>
+            <a:avLst/>
+            <a:gdLst/>
+            <a:ahLst/>
+            <a:rect l="l" t="t" r="r" b="b"/>
+            <a:pathLst>
+              <a:path w="21600" h="21600">
+                <a:moveTo>
+                  <a:pt x="0" y="0"/>
+                </a:moveTo>
+                <a:lnTo>
+                  <a:pt x="21600" y="21600"/>
+                </a:lnTo>
+              </a:path>
+            </a:pathLst>
+          </a:custGeom>
+          <a:noFill/>
+          <a:ln>
+            <a:solidFill>
+              <a:srgbClr val="4a7ebb"/>
+            </a:solidFill>
+            <a:tailEnd len="med" type="triangle" w="med"/>
+          </a:ln>
+        </p:spPr>
+        <p:style>
+          <a:lnRef idx="1">
+            <a:schemeClr val="accent1"/>
+          </a:lnRef>
+          <a:fillRef idx="0">
+            <a:schemeClr val="accent1"/>
+          </a:fillRef>
+          <a:effectRef idx="0">
+            <a:schemeClr val="accent1"/>
+          </a:effectRef>
+          <a:fontRef idx="minor"/>
+        </p:style>
+      </p:sp>
+      <p:sp>
+        <p:nvSpPr>
+          <p:cNvPr id="280" name="Conector: Angulado 16"/>
+          <p:cNvSpPr/>
+          <p:nvPr/>
+        </p:nvSpPr>
+        <p:spPr>
+          <a:xfrm flipH="1" rot="10800000">
+            <a:off x="2030400" y="3595320"/>
+            <a:ext cx="162360" cy="1602720"/>
+          </a:xfrm>
+          <a:prstGeom prst="bentConnector3">
+            <a:avLst>
+              <a:gd name="adj1" fmla="val -139557"/>
+            </a:avLst>
+          </a:prstGeom>
+          <a:noFill/>
+          <a:ln>
+            <a:solidFill>
+              <a:srgbClr val="4a7ebb"/>
+            </a:solidFill>
+            <a:tailEnd len="med" type="triangle" w="med"/>
+          </a:ln>
+        </p:spPr>
+        <p:style>
+          <a:lnRef idx="1">
+            <a:schemeClr val="accent1"/>
+          </a:lnRef>
+          <a:fillRef idx="0">
+            <a:schemeClr val="accent1"/>
+          </a:fillRef>
+          <a:effectRef idx="0">
+            <a:schemeClr val="accent1"/>
+          </a:effectRef>
+          <a:fontRef idx="minor"/>
+        </p:style>
+      </p:sp>
+      <p:sp>
+        <p:nvSpPr>
+          <p:cNvPr id="281" name="Conector reto 20"/>
+          <p:cNvSpPr/>
+          <p:nvPr/>
+        </p:nvSpPr>
+        <p:spPr>
+          <a:xfrm>
+            <a:off x="3654360" y="3593880"/>
+            <a:ext cx="775080" cy="360"/>
+          </a:xfrm>
+          <a:prstGeom prst="line">
+            <a:avLst/>
+          </a:prstGeom>
+          <a:ln>
+            <a:solidFill>
+              <a:srgbClr val="4a7ebb"/>
+            </a:solidFill>
+          </a:ln>
+        </p:spPr>
+        <p:style>
+          <a:lnRef idx="1">
+            <a:schemeClr val="accent1"/>
+          </a:lnRef>
+          <a:fillRef idx="0">
+            <a:schemeClr val="accent1"/>
+          </a:fillRef>
+          <a:effectRef idx="0">
+            <a:schemeClr val="accent1"/>
+          </a:effectRef>
+          <a:fontRef idx="minor"/>
+        </p:style>
+      </p:sp>
+      <p:sp>
+        <p:nvSpPr>
+          <p:cNvPr id="282" name="Conector reto 22"/>
+          <p:cNvSpPr/>
+          <p:nvPr/>
+        </p:nvSpPr>
+        <p:spPr>
+          <a:xfrm>
+            <a:off x="4429440" y="3593880"/>
+            <a:ext cx="360" cy="2755800"/>
+          </a:xfrm>
+          <a:prstGeom prst="line">
+            <a:avLst/>
+          </a:prstGeom>
+          <a:ln>
+            <a:solidFill>
+              <a:srgbClr val="4a7ebb"/>
+            </a:solidFill>
+          </a:ln>
+        </p:spPr>
+        <p:style>
+          <a:lnRef idx="1">
+            <a:schemeClr val="accent1"/>
+          </a:lnRef>
+          <a:fillRef idx="0">
+            <a:schemeClr val="accent1"/>
+          </a:fillRef>
+          <a:effectRef idx="0">
+            <a:schemeClr val="accent1"/>
+          </a:effectRef>
+          <a:fontRef idx="minor"/>
+        </p:style>
+      </p:sp>
+      <p:sp>
+        <p:nvSpPr>
+          <p:cNvPr id="283" name="Conector de Seta Reta 25"/>
+          <p:cNvSpPr/>
+          <p:nvPr/>
+        </p:nvSpPr>
+        <p:spPr>
+          <a:xfrm flipH="1">
+            <a:off x="3534120" y="6350040"/>
+            <a:ext cx="892800" cy="360"/>
+          </a:xfrm>
+          <a:custGeom>
+            <a:avLst/>
+            <a:gdLst/>
+            <a:ahLst/>
+            <a:rect l="l" t="t" r="r" b="b"/>
+            <a:pathLst>
+              <a:path w="21600" h="21600">
+                <a:moveTo>
+                  <a:pt x="0" y="0"/>
+                </a:moveTo>
+                <a:lnTo>
+                  <a:pt x="21600" y="21600"/>
+                </a:lnTo>
+              </a:path>
+            </a:pathLst>
+          </a:custGeom>
+          <a:noFill/>
+          <a:ln>
+            <a:solidFill>
+              <a:srgbClr val="4a7ebb"/>
+            </a:solidFill>
+            <a:tailEnd len="med" type="triangle" w="med"/>
+          </a:ln>
+        </p:spPr>
+        <p:style>
+          <a:lnRef idx="1">
+            <a:schemeClr val="accent1"/>
+          </a:lnRef>
+          <a:fillRef idx="0">
+            <a:schemeClr val="accent1"/>
+          </a:fillRef>
+          <a:effectRef idx="0">
+            <a:schemeClr val="accent1"/>
+          </a:effectRef>
+          <a:fontRef idx="minor"/>
+        </p:style>
+      </p:sp>
+      <p:sp>
+        <p:nvSpPr>
+          <p:cNvPr id="284" name="Seta: para Baixo 62"/>
+          <p:cNvSpPr/>
+          <p:nvPr/>
+        </p:nvSpPr>
+        <p:spPr>
+          <a:xfrm>
+            <a:off x="1155600" y="2424960"/>
+            <a:ext cx="98280" cy="4204800"/>
+          </a:xfrm>
+          <a:prstGeom prst="downArrow">
+            <a:avLst>
+              <a:gd name="adj1" fmla="val 50000"/>
+              <a:gd name="adj2" fmla="val 50000"/>
+            </a:avLst>
+          </a:prstGeom>
+          <a:solidFill>
+            <a:srgbClr val="4f81bd"/>
+          </a:solidFill>
+          <a:ln>
+            <a:solidFill>
+              <a:srgbClr val="3a5f8b"/>
+            </a:solidFill>
+          </a:ln>
+        </p:spPr>
+        <p:style>
+          <a:lnRef idx="2">
+            <a:schemeClr val="accent1">
+              <a:shade val="50000"/>
+            </a:schemeClr>
+          </a:lnRef>
+          <a:fillRef idx="1">
+            <a:schemeClr val="accent1"/>
+          </a:fillRef>
+          <a:effectRef idx="0">
+            <a:schemeClr val="accent1"/>
+          </a:effectRef>
+          <a:fontRef idx="minor"/>
+        </p:style>
+      </p:sp>
+      <p:sp>
+        <p:nvSpPr>
+          <p:cNvPr id="285" name="CaixaDeTexto 32"/>
+          <p:cNvSpPr/>
+          <p:nvPr/>
+        </p:nvSpPr>
+        <p:spPr>
+          <a:xfrm>
+            <a:off x="3060720" y="4294440"/>
+            <a:ext cx="640080" cy="363960"/>
+          </a:xfrm>
+          <a:prstGeom prst="rect">
+            <a:avLst/>
+          </a:prstGeom>
+          <a:noFill/>
+          <a:ln w="0">
+            <a:noFill/>
+          </a:ln>
+        </p:spPr>
+        <p:style>
+          <a:lnRef idx="0"/>
+          <a:fillRef idx="0"/>
+          <a:effectRef idx="0"/>
+          <a:fontRef idx="minor"/>
+        </p:style>
+        <p:txBody>
+          <a:bodyPr wrap="none" lIns="90000" rIns="90000" tIns="45000" bIns="45000" anchor="t">
+            <a:spAutoFit/>
+          </a:bodyPr>
+          <a:p>
+            <a:pPr>
+              <a:lnSpc>
+                <a:spcPct val="100000"/>
+              </a:lnSpc>
+              <a:buNone/>
+            </a:pPr>
+            <a:r>
+              <a:rPr b="0" lang="pt-BR" sz="1800" spc="-1" strike="noStrike">
+                <a:solidFill>
+                  <a:srgbClr val="000000"/>
+                </a:solidFill>
+                <a:latin typeface="Arial"/>
+                <a:ea typeface="DejaVu Sans"/>
+              </a:rPr>
+              <a:t>True</a:t>
+            </a:r>
+            <a:endParaRPr b="0" lang="pt-BR" sz="1800" spc="-1" strike="noStrike">
+              <a:latin typeface="Arial"/>
+            </a:endParaRPr>
+          </a:p>
+        </p:txBody>
+      </p:sp>
+      <p:sp>
+        <p:nvSpPr>
+          <p:cNvPr id="286" name="CaixaDeTexto 71"/>
+          <p:cNvSpPr/>
+          <p:nvPr/>
+        </p:nvSpPr>
+        <p:spPr>
+          <a:xfrm>
+            <a:off x="3670200" y="3157560"/>
+            <a:ext cx="737640" cy="363960"/>
+          </a:xfrm>
+          <a:prstGeom prst="rect">
+            <a:avLst/>
+          </a:prstGeom>
+          <a:noFill/>
+          <a:ln w="0">
+            <a:noFill/>
+          </a:ln>
+        </p:spPr>
+        <p:style>
+          <a:lnRef idx="0"/>
+          <a:fillRef idx="0"/>
+          <a:effectRef idx="0"/>
+          <a:fontRef idx="minor"/>
+        </p:style>
+        <p:txBody>
+          <a:bodyPr wrap="none" lIns="90000" rIns="90000" tIns="45000" bIns="45000" anchor="t">
+            <a:spAutoFit/>
+          </a:bodyPr>
+          <a:p>
+            <a:pPr>
+              <a:lnSpc>
+                <a:spcPct val="100000"/>
+              </a:lnSpc>
+              <a:buNone/>
+            </a:pPr>
+            <a:r>
+              <a:rPr b="0" lang="pt-BR" sz="1800" spc="-1" strike="noStrike">
+                <a:solidFill>
+                  <a:srgbClr val="000000"/>
+                </a:solidFill>
+                <a:latin typeface="Arial"/>
+                <a:ea typeface="DejaVu Sans"/>
+              </a:rPr>
+              <a:t>False</a:t>
+            </a:r>
+            <a:endParaRPr b="0" lang="pt-BR" sz="1800" spc="-1" strike="noStrike">
+              <a:latin typeface="Arial"/>
+            </a:endParaRPr>
+          </a:p>
+        </p:txBody>
+      </p:sp>
+      <p:sp>
+        <p:nvSpPr>
+          <p:cNvPr id="287" name="Seta: para a Direita 5"/>
+          <p:cNvSpPr/>
+          <p:nvPr/>
+        </p:nvSpPr>
+        <p:spPr>
+          <a:xfrm>
+            <a:off x="5040360" y="4135320"/>
+            <a:ext cx="1491120" cy="527040"/>
+          </a:xfrm>
+          <a:prstGeom prst="rightArrow">
+            <a:avLst>
+              <a:gd name="adj1" fmla="val 50000"/>
+              <a:gd name="adj2" fmla="val 50000"/>
+            </a:avLst>
+          </a:prstGeom>
+          <a:solidFill>
+            <a:srgbClr val="4f81bd"/>
+          </a:solidFill>
+          <a:ln>
+            <a:solidFill>
+              <a:srgbClr val="3a5f8b"/>
+            </a:solidFill>
+          </a:ln>
+        </p:spPr>
+        <p:style>
+          <a:lnRef idx="2">
+            <a:schemeClr val="accent1">
+              <a:shade val="50000"/>
+            </a:schemeClr>
+          </a:lnRef>
+          <a:fillRef idx="1">
+            <a:schemeClr val="accent1"/>
+          </a:fillRef>
+          <a:effectRef idx="0">
+            <a:schemeClr val="accent1"/>
+          </a:effectRef>
+          <a:fontRef idx="minor"/>
+        </p:style>
+      </p:sp>
+      <p:sp>
+        <p:nvSpPr>
+          <p:cNvPr id="288" name="CaixaDeTexto 7"/>
+          <p:cNvSpPr/>
+          <p:nvPr/>
+        </p:nvSpPr>
+        <p:spPr>
+          <a:xfrm>
+            <a:off x="5100480" y="3696840"/>
+            <a:ext cx="1370160" cy="363960"/>
+          </a:xfrm>
+          <a:prstGeom prst="rect">
+            <a:avLst/>
+          </a:prstGeom>
+          <a:noFill/>
+          <a:ln w="0">
+            <a:noFill/>
+          </a:ln>
+        </p:spPr>
+        <p:style>
+          <a:lnRef idx="0"/>
+          <a:fillRef idx="0"/>
+          <a:effectRef idx="0"/>
+          <a:fontRef idx="minor"/>
+        </p:style>
+        <p:txBody>
+          <a:bodyPr wrap="none" lIns="90000" rIns="90000" tIns="45000" bIns="45000" anchor="t">
+            <a:spAutoFit/>
+          </a:bodyPr>
+          <a:p>
+            <a:pPr>
+              <a:lnSpc>
+                <a:spcPct val="100000"/>
+              </a:lnSpc>
+              <a:buNone/>
+            </a:pPr>
+            <a:r>
+              <a:rPr b="0" lang="pt-BR" sz="1800" spc="-1" strike="noStrike">
+                <a:solidFill>
+                  <a:srgbClr val="000000"/>
+                </a:solidFill>
+                <a:latin typeface="Arial"/>
+                <a:ea typeface="DejaVu Sans"/>
+              </a:rPr>
+              <a:t>Codificação</a:t>
+            </a:r>
+            <a:endParaRPr b="0" lang="pt-BR" sz="1800" spc="-1" strike="noStrike">
+              <a:latin typeface="Arial"/>
+            </a:endParaRPr>
+          </a:p>
+        </p:txBody>
+      </p:sp>
+      <p:sp>
+        <p:nvSpPr>
+          <p:cNvPr id="289" name="Retângulo 8"/>
+          <p:cNvSpPr/>
+          <p:nvPr/>
+        </p:nvSpPr>
+        <p:spPr>
+          <a:xfrm>
+            <a:off x="6980760" y="3610440"/>
+            <a:ext cx="2714040" cy="1380960"/>
+          </a:xfrm>
+          <a:prstGeom prst="rect">
+            <a:avLst/>
+          </a:prstGeom>
+          <a:solidFill>
+            <a:srgbClr val="4f81bd"/>
+          </a:solidFill>
+          <a:ln>
+            <a:solidFill>
+              <a:srgbClr val="3a5f8b"/>
+            </a:solidFill>
+          </a:ln>
+        </p:spPr>
+        <p:style>
+          <a:lnRef idx="2">
+            <a:schemeClr val="accent1">
+              <a:shade val="50000"/>
+            </a:schemeClr>
+          </a:lnRef>
+          <a:fillRef idx="1">
+            <a:schemeClr val="accent1"/>
+          </a:fillRef>
+          <a:effectRef idx="0">
+            <a:schemeClr val="accent1"/>
+          </a:effectRef>
+          <a:fontRef idx="minor"/>
+        </p:style>
+        <p:txBody>
+          <a:bodyPr lIns="90000" rIns="90000" tIns="45000" bIns="45000" anchor="ctr">
+            <a:noAutofit/>
+          </a:bodyPr>
+          <a:p>
+            <a:pPr algn="just">
+              <a:lnSpc>
+                <a:spcPct val="100000"/>
+              </a:lnSpc>
+              <a:buNone/>
+            </a:pPr>
+            <a:r>
+              <a:rPr b="0" lang="pt-BR" sz="1800" spc="-1" strike="noStrike">
+                <a:solidFill>
+                  <a:srgbClr val="ffffff"/>
+                </a:solidFill>
+                <a:latin typeface="Arial"/>
+                <a:ea typeface="DejaVu Sans"/>
+              </a:rPr>
+              <a:t>for i in range(30, 15, -2):</a:t>
             </a:r>
             <a:endParaRPr b="0" lang="pt-BR" sz="1800" spc="-1" strike="noStrike">
               <a:latin typeface="Arial"/>
@@ -16448,244 +18887,6 @@
             </a:endParaRPr>
           </a:p>
         </p:txBody>
-      </p:sp>
-      <p:sp>
-        <p:nvSpPr>
-          <p:cNvPr id="249" name="Retângulo 23"/>
-          <p:cNvSpPr/>
-          <p:nvPr/>
-        </p:nvSpPr>
-        <p:spPr>
-          <a:xfrm>
-            <a:off x="5750280" y="3272760"/>
-            <a:ext cx="2714400" cy="1381320"/>
-          </a:xfrm>
-          <a:prstGeom prst="rect">
-            <a:avLst/>
-          </a:prstGeom>
-          <a:solidFill>
-            <a:srgbClr val="4f81bd"/>
-          </a:solidFill>
-          <a:ln>
-            <a:solidFill>
-              <a:srgbClr val="3a5f8b"/>
-            </a:solidFill>
-          </a:ln>
-        </p:spPr>
-        <p:style>
-          <a:lnRef idx="2">
-            <a:schemeClr val="accent1">
-              <a:shade val="50000"/>
-            </a:schemeClr>
-          </a:lnRef>
-          <a:fillRef idx="1">
-            <a:schemeClr val="accent1"/>
-          </a:fillRef>
-          <a:effectRef idx="0">
-            <a:schemeClr val="accent1"/>
-          </a:effectRef>
-          <a:fontRef idx="minor"/>
-        </p:style>
-        <p:txBody>
-          <a:bodyPr lIns="90000" rIns="90000" tIns="45000" bIns="45000" anchor="ctr">
-            <a:noAutofit/>
-          </a:bodyPr>
-          <a:p>
-            <a:pPr algn="just">
-              <a:lnSpc>
-                <a:spcPct val="100000"/>
-              </a:lnSpc>
-              <a:buNone/>
-            </a:pPr>
-            <a:r>
-              <a:rPr b="0" lang="pt-BR" sz="1800" spc="-1" strike="noStrike">
-                <a:solidFill>
-                  <a:srgbClr val="ffffff"/>
-                </a:solidFill>
-                <a:latin typeface="Arial"/>
-                <a:ea typeface="DejaVu Sans"/>
-              </a:rPr>
-              <a:t>for i in range(30, 15, 2):</a:t>
-            </a:r>
-            <a:endParaRPr b="0" lang="pt-BR" sz="1800" spc="-1" strike="noStrike">
-              <a:latin typeface="Arial"/>
-            </a:endParaRPr>
-          </a:p>
-          <a:p>
-            <a:pPr algn="just">
-              <a:lnSpc>
-                <a:spcPct val="100000"/>
-              </a:lnSpc>
-              <a:buNone/>
-            </a:pPr>
-            <a:endParaRPr b="0" lang="pt-BR" sz="1800" spc="-1" strike="noStrike">
-              <a:latin typeface="Arial"/>
-            </a:endParaRPr>
-          </a:p>
-          <a:p>
-            <a:pPr algn="just">
-              <a:lnSpc>
-                <a:spcPct val="100000"/>
-              </a:lnSpc>
-              <a:buNone/>
-            </a:pPr>
-            <a:r>
-              <a:rPr b="0" lang="pt-BR" sz="1800" spc="-1" strike="noStrike">
-                <a:solidFill>
-                  <a:srgbClr val="ffffff"/>
-                </a:solidFill>
-                <a:latin typeface="Arial"/>
-                <a:ea typeface="DejaVu Sans"/>
-              </a:rPr>
-              <a:t>   </a:t>
-            </a:r>
-            <a:r>
-              <a:rPr b="0" lang="pt-BR" sz="1800" spc="-1" strike="noStrike">
-                <a:solidFill>
-                  <a:srgbClr val="ffffff"/>
-                </a:solidFill>
-                <a:latin typeface="Arial"/>
-                <a:ea typeface="DejaVu Sans"/>
-              </a:rPr>
-              <a:t>print("Iteração: ", i)</a:t>
-            </a:r>
-            <a:endParaRPr b="0" lang="pt-BR" sz="1800" spc="-1" strike="noStrike">
-              <a:latin typeface="Arial"/>
-            </a:endParaRPr>
-          </a:p>
-        </p:txBody>
-      </p:sp>
-      <p:sp>
-        <p:nvSpPr>
-          <p:cNvPr id="250" name="Conector reto 11"/>
-          <p:cNvSpPr/>
-          <p:nvPr/>
-        </p:nvSpPr>
-        <p:spPr>
-          <a:xfrm>
-            <a:off x="680400" y="3092400"/>
-            <a:ext cx="3436560" cy="1804680"/>
-          </a:xfrm>
-          <a:prstGeom prst="line">
-            <a:avLst/>
-          </a:prstGeom>
-          <a:ln w="25400">
-            <a:solidFill>
-              <a:srgbClr val="c0504d"/>
-            </a:solidFill>
-          </a:ln>
-        </p:spPr>
-        <p:style>
-          <a:lnRef idx="1">
-            <a:schemeClr val="accent1"/>
-          </a:lnRef>
-          <a:fillRef idx="0">
-            <a:schemeClr val="accent1"/>
-          </a:fillRef>
-          <a:effectRef idx="0">
-            <a:schemeClr val="accent1"/>
-          </a:effectRef>
-          <a:fontRef idx="minor"/>
-        </p:style>
-      </p:sp>
-      <p:sp>
-        <p:nvSpPr>
-          <p:cNvPr id="251" name="Conector reto 30"/>
-          <p:cNvSpPr/>
-          <p:nvPr/>
-        </p:nvSpPr>
-        <p:spPr>
-          <a:xfrm flipV="1">
-            <a:off x="680400" y="3092400"/>
-            <a:ext cx="3353040" cy="1723320"/>
-          </a:xfrm>
-          <a:prstGeom prst="line">
-            <a:avLst/>
-          </a:prstGeom>
-          <a:ln w="25400">
-            <a:solidFill>
-              <a:srgbClr val="c0504d"/>
-            </a:solidFill>
-          </a:ln>
-        </p:spPr>
-        <p:style>
-          <a:lnRef idx="1">
-            <a:schemeClr val="accent1"/>
-          </a:lnRef>
-          <a:fillRef idx="0">
-            <a:schemeClr val="accent1"/>
-          </a:fillRef>
-          <a:effectRef idx="0">
-            <a:schemeClr val="accent1"/>
-          </a:effectRef>
-          <a:fontRef idx="minor"/>
-        </p:style>
-      </p:sp>
-      <p:sp>
-        <p:nvSpPr>
-          <p:cNvPr id="252" name="Conector reto 36"/>
-          <p:cNvSpPr/>
-          <p:nvPr/>
-        </p:nvSpPr>
-        <p:spPr>
-          <a:xfrm>
-            <a:off x="5486760" y="3156120"/>
-            <a:ext cx="3436200" cy="1804680"/>
-          </a:xfrm>
-          <a:prstGeom prst="line">
-            <a:avLst/>
-          </a:prstGeom>
-          <a:ln w="25400">
-            <a:solidFill>
-              <a:srgbClr val="c0504d"/>
-            </a:solidFill>
-          </a:ln>
-        </p:spPr>
-        <p:style>
-          <a:lnRef idx="1">
-            <a:schemeClr val="accent1"/>
-          </a:lnRef>
-          <a:fillRef idx="0">
-            <a:schemeClr val="accent1"/>
-          </a:fillRef>
-          <a:effectRef idx="0">
-            <a:schemeClr val="accent1"/>
-          </a:effectRef>
-          <a:fontRef idx="minor"/>
-        </p:style>
-      </p:sp>
-      <p:sp>
-        <p:nvSpPr>
-          <p:cNvPr id="253" name="Conector reto 37"/>
-          <p:cNvSpPr/>
-          <p:nvPr/>
-        </p:nvSpPr>
-        <p:spPr>
-          <a:xfrm flipV="1">
-            <a:off x="5486760" y="3156120"/>
-            <a:ext cx="3352680" cy="1723320"/>
-          </a:xfrm>
-          <a:prstGeom prst="line">
-            <a:avLst/>
-          </a:prstGeom>
-          <a:ln w="25400">
-            <a:solidFill>
-              <a:srgbClr val="c0504d"/>
-            </a:solidFill>
-          </a:ln>
-        </p:spPr>
-        <p:style>
-          <a:lnRef idx="1">
-            <a:schemeClr val="accent1"/>
-          </a:lnRef>
-          <a:fillRef idx="0">
-            <a:schemeClr val="accent1"/>
-          </a:fillRef>
-          <a:effectRef idx="0">
-            <a:schemeClr val="accent1"/>
-          </a:effectRef>
-          <a:fontRef idx="minor"/>
-        </p:style>
       </p:sp>
     </p:spTree>
   </p:cSld>
@@ -16719,14 +18920,14 @@
       </p:grpSpPr>
       <p:sp>
         <p:nvSpPr>
-          <p:cNvPr id="254" name="CustomShape 1"/>
+          <p:cNvPr id="290" name="CustomShape 1"/>
           <p:cNvSpPr/>
           <p:nvPr/>
         </p:nvSpPr>
         <p:spPr>
           <a:xfrm>
             <a:off x="360000" y="360000"/>
-            <a:ext cx="9351360" cy="891360"/>
+            <a:ext cx="9351000" cy="891000"/>
           </a:xfrm>
           <a:prstGeom prst="rect">
             <a:avLst/>
@@ -16761,7 +18962,7 @@
                 <a:latin typeface="Latin Modern Sans"/>
                 <a:ea typeface="DejaVu Sans"/>
               </a:rPr>
-              <a:t>Codificação Dialogada</a:t>
+              <a:t>Laço FOR</a:t>
             </a:r>
             <a:endParaRPr b="0" lang="pt-BR" sz="3200" spc="-1" strike="noStrike">
               <a:latin typeface="Arial"/>
@@ -16771,14 +18972,14 @@
       </p:sp>
       <p:sp>
         <p:nvSpPr>
-          <p:cNvPr id="255" name="CustomShape 2"/>
+          <p:cNvPr id="291" name="CustomShape 2"/>
           <p:cNvSpPr/>
           <p:nvPr/>
         </p:nvSpPr>
         <p:spPr>
           <a:xfrm>
             <a:off x="897120" y="6886080"/>
-            <a:ext cx="6438600" cy="356400"/>
+            <a:ext cx="6438240" cy="356040"/>
           </a:xfrm>
           <a:prstGeom prst="rect">
             <a:avLst/>
@@ -16823,14 +19024,14 @@
       </p:sp>
       <p:sp>
         <p:nvSpPr>
-          <p:cNvPr id="256" name="CustomShape 3"/>
+          <p:cNvPr id="292" name="CustomShape 3"/>
           <p:cNvSpPr/>
           <p:nvPr/>
         </p:nvSpPr>
         <p:spPr>
           <a:xfrm>
             <a:off x="7608600" y="6886080"/>
-            <a:ext cx="2276640" cy="356400"/>
+            <a:ext cx="2276280" cy="356040"/>
           </a:xfrm>
           <a:prstGeom prst="rect">
             <a:avLst/>
@@ -16875,14 +19076,14 @@
       </p:sp>
       <p:sp>
         <p:nvSpPr>
-          <p:cNvPr id="257" name="CustomShape 11"/>
+          <p:cNvPr id="293" name="CustomShape 11"/>
           <p:cNvSpPr/>
           <p:nvPr/>
         </p:nvSpPr>
         <p:spPr>
           <a:xfrm flipH="1" rot="10800000">
-            <a:off x="17998560" y="11129400"/>
-            <a:ext cx="698760" cy="355320"/>
+            <a:off x="17998920" y="11129760"/>
+            <a:ext cx="698400" cy="354960"/>
           </a:xfrm>
           <a:prstGeom prst="bentUpArrow">
             <a:avLst>
@@ -16910,14 +19111,14 @@
       </p:sp>
       <p:sp>
         <p:nvSpPr>
-          <p:cNvPr id="258" name="CustomShape 15"/>
+          <p:cNvPr id="294" name="CustomShape 15"/>
           <p:cNvSpPr/>
           <p:nvPr/>
         </p:nvSpPr>
         <p:spPr>
           <a:xfrm rot="10800000">
-            <a:off x="16093800" y="11129400"/>
-            <a:ext cx="735120" cy="355320"/>
+            <a:off x="16094160" y="11129760"/>
+            <a:ext cx="734760" cy="354960"/>
           </a:xfrm>
           <a:prstGeom prst="bentUpArrow">
             <a:avLst>
@@ -16945,14 +19146,14 @@
       </p:sp>
       <p:sp>
         <p:nvSpPr>
-          <p:cNvPr id="259" name="CustomShape 2"/>
+          <p:cNvPr id="295" name="CustomShape 2"/>
           <p:cNvSpPr/>
           <p:nvPr/>
         </p:nvSpPr>
         <p:spPr>
           <a:xfrm>
             <a:off x="360000" y="1705680"/>
-            <a:ext cx="9171360" cy="4671360"/>
+            <a:ext cx="9171000" cy="4671000"/>
           </a:xfrm>
           <a:prstGeom prst="rect">
             <a:avLst/>
@@ -16995,65 +19196,7 @@
                 <a:latin typeface="Latin Modern Sans"/>
                 <a:ea typeface="DejaVu Sans"/>
               </a:rPr>
-              <a:t>Entre 0 e 100, informe:</a:t>
-            </a:r>
-            <a:endParaRPr b="0" lang="pt-BR" sz="1800" spc="-1" strike="noStrike">
-              <a:latin typeface="Arial"/>
-            </a:endParaRPr>
-          </a:p>
-          <a:p>
-            <a:pPr lvl="1" marL="673200" indent="-208440">
-              <a:lnSpc>
-                <a:spcPct val="100000"/>
-              </a:lnSpc>
-              <a:spcAft>
-                <a:spcPts val="1140"/>
-              </a:spcAft>
-              <a:buClr>
-                <a:srgbClr val="000000"/>
-              </a:buClr>
-              <a:buSzPct val="45000"/>
-              <a:buFont typeface="Wingdings" charset="2"/>
-              <a:buChar char=""/>
-            </a:pPr>
-            <a:r>
-              <a:rPr b="0" lang="pt-BR" sz="1800" spc="-1" strike="noStrike">
-                <a:solidFill>
-                  <a:srgbClr val="1c1c1c"/>
-                </a:solidFill>
-                <a:latin typeface="Latin Modern Sans"/>
-                <a:ea typeface="DejaVu Sans"/>
-              </a:rPr>
-              <a:t>Informe os números pares e impares</a:t>
-            </a:r>
-            <a:endParaRPr b="0" lang="pt-BR" sz="1800" spc="-1" strike="noStrike">
-              <a:latin typeface="Arial"/>
-            </a:endParaRPr>
-          </a:p>
-          <a:p>
-            <a:pPr lvl="1" marL="673200" indent="-208440">
-              <a:lnSpc>
-                <a:spcPct val="100000"/>
-              </a:lnSpc>
-              <a:spcAft>
-                <a:spcPts val="1140"/>
-              </a:spcAft>
-              <a:buClr>
-                <a:srgbClr val="000000"/>
-              </a:buClr>
-              <a:buSzPct val="45000"/>
-              <a:buFont typeface="Wingdings" charset="2"/>
-              <a:buChar char=""/>
-            </a:pPr>
-            <a:r>
-              <a:rPr b="0" lang="pt-BR" sz="1800" spc="-1" strike="noStrike">
-                <a:solidFill>
-                  <a:srgbClr val="1c1c1c"/>
-                </a:solidFill>
-                <a:latin typeface="Latin Modern Sans"/>
-                <a:ea typeface="DejaVu Sans"/>
-              </a:rPr>
-              <a:t>A soma de todos os múltiplos de 5</a:t>
+              <a:t>Atenção a condição deve ser sempre válida</a:t>
             </a:r>
             <a:endParaRPr b="0" lang="pt-BR" sz="1800" spc="-1" strike="noStrike">
               <a:latin typeface="Arial"/>
@@ -17069,32 +19212,79 @@
               </a:spcAft>
               <a:buNone/>
             </a:pPr>
-            <a:endParaRPr b="0" lang="pt-BR" sz="1800" spc="-1" strike="noStrike">
-              <a:latin typeface="Arial"/>
-            </a:endParaRPr>
-          </a:p>
-          <a:p>
-            <a:pPr>
+            <a:endParaRPr b="0" lang="pt-BR" sz="1600" spc="-1" strike="noStrike">
+              <a:latin typeface="Arial"/>
+            </a:endParaRPr>
+          </a:p>
+        </p:txBody>
+      </p:sp>
+      <p:sp>
+        <p:nvSpPr>
+          <p:cNvPr id="296" name="Retângulo 8"/>
+          <p:cNvSpPr/>
+          <p:nvPr/>
+        </p:nvSpPr>
+        <p:spPr>
+          <a:xfrm>
+            <a:off x="1002600" y="3272760"/>
+            <a:ext cx="2714040" cy="1380960"/>
+          </a:xfrm>
+          <a:prstGeom prst="rect">
+            <a:avLst/>
+          </a:prstGeom>
+          <a:solidFill>
+            <a:srgbClr val="4f81bd"/>
+          </a:solidFill>
+          <a:ln>
+            <a:solidFill>
+              <a:srgbClr val="3a5f8b"/>
+            </a:solidFill>
+          </a:ln>
+        </p:spPr>
+        <p:style>
+          <a:lnRef idx="2">
+            <a:schemeClr val="accent1">
+              <a:shade val="50000"/>
+            </a:schemeClr>
+          </a:lnRef>
+          <a:fillRef idx="1">
+            <a:schemeClr val="accent1"/>
+          </a:fillRef>
+          <a:effectRef idx="0">
+            <a:schemeClr val="accent1"/>
+          </a:effectRef>
+          <a:fontRef idx="minor"/>
+        </p:style>
+        <p:txBody>
+          <a:bodyPr lIns="90000" rIns="90000" tIns="45000" bIns="45000" anchor="ctr">
+            <a:noAutofit/>
+          </a:bodyPr>
+          <a:p>
+            <a:pPr algn="just">
               <a:lnSpc>
                 <a:spcPct val="100000"/>
               </a:lnSpc>
-              <a:spcAft>
-                <a:spcPts val="1140"/>
-              </a:spcAft>
               <a:buNone/>
             </a:pPr>
+            <a:r>
+              <a:rPr b="0" lang="pt-BR" sz="1800" spc="-1" strike="noStrike">
+                <a:solidFill>
+                  <a:srgbClr val="ffffff"/>
+                </a:solidFill>
+                <a:latin typeface="Arial"/>
+                <a:ea typeface="DejaVu Sans"/>
+              </a:rPr>
+              <a:t>for i in range(0, 10, -1):</a:t>
+            </a:r>
             <a:endParaRPr b="0" lang="pt-BR" sz="1800" spc="-1" strike="noStrike">
               <a:latin typeface="Arial"/>
             </a:endParaRPr>
           </a:p>
           <a:p>
-            <a:pPr>
+            <a:pPr algn="just">
               <a:lnSpc>
                 <a:spcPct val="100000"/>
               </a:lnSpc>
-              <a:spcAft>
-                <a:spcPts val="1140"/>
-              </a:spcAft>
               <a:buNone/>
             </a:pPr>
             <a:endParaRPr b="0" lang="pt-BR" sz="1800" spc="-1" strike="noStrike">
@@ -17102,20 +19292,275 @@
             </a:endParaRPr>
           </a:p>
           <a:p>
-            <a:pPr>
+            <a:pPr algn="just">
               <a:lnSpc>
                 <a:spcPct val="100000"/>
               </a:lnSpc>
-              <a:spcAft>
-                <a:spcPts val="1140"/>
-              </a:spcAft>
               <a:buNone/>
             </a:pPr>
+            <a:r>
+              <a:rPr b="0" lang="pt-BR" sz="1800" spc="-1" strike="noStrike">
+                <a:solidFill>
+                  <a:srgbClr val="ffffff"/>
+                </a:solidFill>
+                <a:latin typeface="Arial"/>
+                <a:ea typeface="DejaVu Sans"/>
+              </a:rPr>
+              <a:t>   </a:t>
+            </a:r>
+            <a:r>
+              <a:rPr b="0" lang="pt-BR" sz="1800" spc="-1" strike="noStrike">
+                <a:solidFill>
+                  <a:srgbClr val="ffffff"/>
+                </a:solidFill>
+                <a:latin typeface="Arial"/>
+                <a:ea typeface="DejaVu Sans"/>
+              </a:rPr>
+              <a:t>print("Iteração: ", i)</a:t>
+            </a:r>
             <a:endParaRPr b="0" lang="pt-BR" sz="1800" spc="-1" strike="noStrike">
               <a:latin typeface="Arial"/>
             </a:endParaRPr>
           </a:p>
         </p:txBody>
+      </p:sp>
+      <p:sp>
+        <p:nvSpPr>
+          <p:cNvPr id="297" name="Retângulo 23"/>
+          <p:cNvSpPr/>
+          <p:nvPr/>
+        </p:nvSpPr>
+        <p:spPr>
+          <a:xfrm>
+            <a:off x="5750280" y="3272760"/>
+            <a:ext cx="2714040" cy="1380960"/>
+          </a:xfrm>
+          <a:prstGeom prst="rect">
+            <a:avLst/>
+          </a:prstGeom>
+          <a:solidFill>
+            <a:srgbClr val="4f81bd"/>
+          </a:solidFill>
+          <a:ln>
+            <a:solidFill>
+              <a:srgbClr val="3a5f8b"/>
+            </a:solidFill>
+          </a:ln>
+        </p:spPr>
+        <p:style>
+          <a:lnRef idx="2">
+            <a:schemeClr val="accent1">
+              <a:shade val="50000"/>
+            </a:schemeClr>
+          </a:lnRef>
+          <a:fillRef idx="1">
+            <a:schemeClr val="accent1"/>
+          </a:fillRef>
+          <a:effectRef idx="0">
+            <a:schemeClr val="accent1"/>
+          </a:effectRef>
+          <a:fontRef idx="minor"/>
+        </p:style>
+        <p:txBody>
+          <a:bodyPr lIns="90000" rIns="90000" tIns="45000" bIns="45000" anchor="ctr">
+            <a:noAutofit/>
+          </a:bodyPr>
+          <a:p>
+            <a:pPr algn="just">
+              <a:lnSpc>
+                <a:spcPct val="100000"/>
+              </a:lnSpc>
+              <a:buNone/>
+            </a:pPr>
+            <a:r>
+              <a:rPr b="0" lang="pt-BR" sz="1800" spc="-1" strike="noStrike">
+                <a:solidFill>
+                  <a:srgbClr val="ffffff"/>
+                </a:solidFill>
+                <a:latin typeface="Arial"/>
+                <a:ea typeface="DejaVu Sans"/>
+              </a:rPr>
+              <a:t>for i in range(30, 15, 2):</a:t>
+            </a:r>
+            <a:endParaRPr b="0" lang="pt-BR" sz="1800" spc="-1" strike="noStrike">
+              <a:latin typeface="Arial"/>
+            </a:endParaRPr>
+          </a:p>
+          <a:p>
+            <a:pPr algn="just">
+              <a:lnSpc>
+                <a:spcPct val="100000"/>
+              </a:lnSpc>
+              <a:buNone/>
+            </a:pPr>
+            <a:endParaRPr b="0" lang="pt-BR" sz="1800" spc="-1" strike="noStrike">
+              <a:latin typeface="Arial"/>
+            </a:endParaRPr>
+          </a:p>
+          <a:p>
+            <a:pPr algn="just">
+              <a:lnSpc>
+                <a:spcPct val="100000"/>
+              </a:lnSpc>
+              <a:buNone/>
+            </a:pPr>
+            <a:r>
+              <a:rPr b="0" lang="pt-BR" sz="1800" spc="-1" strike="noStrike">
+                <a:solidFill>
+                  <a:srgbClr val="ffffff"/>
+                </a:solidFill>
+                <a:latin typeface="Arial"/>
+                <a:ea typeface="DejaVu Sans"/>
+              </a:rPr>
+              <a:t>   </a:t>
+            </a:r>
+            <a:r>
+              <a:rPr b="0" lang="pt-BR" sz="1800" spc="-1" strike="noStrike">
+                <a:solidFill>
+                  <a:srgbClr val="ffffff"/>
+                </a:solidFill>
+                <a:latin typeface="Arial"/>
+                <a:ea typeface="DejaVu Sans"/>
+              </a:rPr>
+              <a:t>print("Iteração: ", i)</a:t>
+            </a:r>
+            <a:endParaRPr b="0" lang="pt-BR" sz="1800" spc="-1" strike="noStrike">
+              <a:latin typeface="Arial"/>
+            </a:endParaRPr>
+          </a:p>
+        </p:txBody>
+      </p:sp>
+      <p:sp>
+        <p:nvSpPr>
+          <p:cNvPr id="298" name="Conector reto 11"/>
+          <p:cNvSpPr/>
+          <p:nvPr/>
+        </p:nvSpPr>
+        <p:spPr>
+          <a:xfrm>
+            <a:off x="680400" y="3092400"/>
+            <a:ext cx="3436560" cy="1804680"/>
+          </a:xfrm>
+          <a:prstGeom prst="line">
+            <a:avLst/>
+          </a:prstGeom>
+          <a:ln w="25400">
+            <a:solidFill>
+              <a:srgbClr val="c0504d"/>
+            </a:solidFill>
+          </a:ln>
+        </p:spPr>
+        <p:style>
+          <a:lnRef idx="1">
+            <a:schemeClr val="accent1"/>
+          </a:lnRef>
+          <a:fillRef idx="0">
+            <a:schemeClr val="accent1"/>
+          </a:fillRef>
+          <a:effectRef idx="0">
+            <a:schemeClr val="accent1"/>
+          </a:effectRef>
+          <a:fontRef idx="minor"/>
+        </p:style>
+      </p:sp>
+      <p:sp>
+        <p:nvSpPr>
+          <p:cNvPr id="299" name="Conector reto 30"/>
+          <p:cNvSpPr/>
+          <p:nvPr/>
+        </p:nvSpPr>
+        <p:spPr>
+          <a:xfrm flipV="1">
+            <a:off x="680400" y="3092400"/>
+            <a:ext cx="3353040" cy="1723320"/>
+          </a:xfrm>
+          <a:prstGeom prst="line">
+            <a:avLst/>
+          </a:prstGeom>
+          <a:ln w="25400">
+            <a:solidFill>
+              <a:srgbClr val="c0504d"/>
+            </a:solidFill>
+          </a:ln>
+        </p:spPr>
+        <p:style>
+          <a:lnRef idx="1">
+            <a:schemeClr val="accent1"/>
+          </a:lnRef>
+          <a:fillRef idx="0">
+            <a:schemeClr val="accent1"/>
+          </a:fillRef>
+          <a:effectRef idx="0">
+            <a:schemeClr val="accent1"/>
+          </a:effectRef>
+          <a:fontRef idx="minor"/>
+        </p:style>
+      </p:sp>
+      <p:sp>
+        <p:nvSpPr>
+          <p:cNvPr id="300" name="Conector reto 36"/>
+          <p:cNvSpPr/>
+          <p:nvPr/>
+        </p:nvSpPr>
+        <p:spPr>
+          <a:xfrm>
+            <a:off x="5486760" y="3156120"/>
+            <a:ext cx="3436200" cy="1804680"/>
+          </a:xfrm>
+          <a:prstGeom prst="line">
+            <a:avLst/>
+          </a:prstGeom>
+          <a:ln w="25400">
+            <a:solidFill>
+              <a:srgbClr val="c0504d"/>
+            </a:solidFill>
+          </a:ln>
+        </p:spPr>
+        <p:style>
+          <a:lnRef idx="1">
+            <a:schemeClr val="accent1"/>
+          </a:lnRef>
+          <a:fillRef idx="0">
+            <a:schemeClr val="accent1"/>
+          </a:fillRef>
+          <a:effectRef idx="0">
+            <a:schemeClr val="accent1"/>
+          </a:effectRef>
+          <a:fontRef idx="minor"/>
+        </p:style>
+      </p:sp>
+      <p:sp>
+        <p:nvSpPr>
+          <p:cNvPr id="301" name="Conector reto 37"/>
+          <p:cNvSpPr/>
+          <p:nvPr/>
+        </p:nvSpPr>
+        <p:spPr>
+          <a:xfrm flipV="1">
+            <a:off x="5486760" y="3156120"/>
+            <a:ext cx="3352680" cy="1723320"/>
+          </a:xfrm>
+          <a:prstGeom prst="line">
+            <a:avLst/>
+          </a:prstGeom>
+          <a:ln w="25400">
+            <a:solidFill>
+              <a:srgbClr val="c0504d"/>
+            </a:solidFill>
+          </a:ln>
+        </p:spPr>
+        <p:style>
+          <a:lnRef idx="1">
+            <a:schemeClr val="accent1"/>
+          </a:lnRef>
+          <a:fillRef idx="0">
+            <a:schemeClr val="accent1"/>
+          </a:fillRef>
+          <a:effectRef idx="0">
+            <a:schemeClr val="accent1"/>
+          </a:effectRef>
+          <a:fontRef idx="minor"/>
+        </p:style>
       </p:sp>
     </p:spTree>
   </p:cSld>
@@ -18032,4 +20477,230 @@
     </a:fmtScheme>
   </a:themeElements>
 </a:theme>
+</file>
+
+<file path=ppt/theme/theme5.xml><?xml version="1.0" encoding="utf-8"?>
+<a:theme xmlns:a="http://schemas.openxmlformats.org/drawingml/2006/main" name="Office Theme">
+  <a:themeElements>
+    <a:clrScheme name="Office">
+      <a:dk1>
+        <a:sysClr val="windowText" lastClr="000000"/>
+      </a:dk1>
+      <a:lt1>
+        <a:sysClr val="window" lastClr="FFFFFF"/>
+      </a:lt1>
+      <a:dk2>
+        <a:srgbClr val="1f497d"/>
+      </a:dk2>
+      <a:lt2>
+        <a:srgbClr val="eeece1"/>
+      </a:lt2>
+      <a:accent1>
+        <a:srgbClr val="4f81bd"/>
+      </a:accent1>
+      <a:accent2>
+        <a:srgbClr val="c0504d"/>
+      </a:accent2>
+      <a:accent3>
+        <a:srgbClr val="9bbb59"/>
+      </a:accent3>
+      <a:accent4>
+        <a:srgbClr val="8064a2"/>
+      </a:accent4>
+      <a:accent5>
+        <a:srgbClr val="4bacc6"/>
+      </a:accent5>
+      <a:accent6>
+        <a:srgbClr val="f79646"/>
+      </a:accent6>
+      <a:hlink>
+        <a:srgbClr val="0000ff"/>
+      </a:hlink>
+      <a:folHlink>
+        <a:srgbClr val="800080"/>
+      </a:folHlink>
+    </a:clrScheme>
+    <a:fontScheme name="Office">
+      <a:majorFont>
+        <a:latin typeface="Arial"/>
+        <a:ea typeface="DejaVu Sans"/>
+        <a:cs typeface="DejaVu Sans"/>
+      </a:majorFont>
+      <a:minorFont>
+        <a:latin typeface="Arial"/>
+        <a:ea typeface="DejaVu Sans"/>
+        <a:cs typeface="DejaVu Sans"/>
+      </a:minorFont>
+    </a:fontScheme>
+    <a:fmtScheme name="Office">
+      <a:fillStyleLst>
+        <a:solidFill>
+          <a:schemeClr val="phClr"/>
+        </a:solidFill>
+        <a:gradFill rotWithShape="1">
+          <a:gsLst>
+            <a:gs pos="0">
+              <a:schemeClr val="phClr">
+                <a:tint val="50000"/>
+                <a:satMod val="300000"/>
+              </a:schemeClr>
+            </a:gs>
+            <a:gs pos="35000">
+              <a:schemeClr val="phClr">
+                <a:tint val="37000"/>
+                <a:satMod val="300000"/>
+              </a:schemeClr>
+            </a:gs>
+            <a:gs pos="100000">
+              <a:schemeClr val="phClr">
+                <a:tint val="15000"/>
+                <a:satMod val="350000"/>
+              </a:schemeClr>
+            </a:gs>
+          </a:gsLst>
+          <a:lin ang="16200000" scaled="1"/>
+        </a:gradFill>
+        <a:gradFill rotWithShape="1">
+          <a:gsLst>
+            <a:gs pos="0">
+              <a:schemeClr val="phClr">
+                <a:shade val="51000"/>
+                <a:satMod val="130000"/>
+              </a:schemeClr>
+            </a:gs>
+            <a:gs pos="80000">
+              <a:schemeClr val="phClr">
+                <a:shade val="93000"/>
+                <a:satMod val="130000"/>
+              </a:schemeClr>
+            </a:gs>
+            <a:gs pos="100000">
+              <a:schemeClr val="phClr">
+                <a:shade val="94000"/>
+                <a:satMod val="135000"/>
+              </a:schemeClr>
+            </a:gs>
+          </a:gsLst>
+          <a:lin ang="16200000" scaled="0"/>
+        </a:gradFill>
+      </a:fillStyleLst>
+      <a:lnStyleLst>
+        <a:ln w="9525" cap="flat" cmpd="sng" algn="ctr">
+          <a:solidFill>
+            <a:schemeClr val="phClr">
+              <a:shade val="95000"/>
+              <a:satMod val="105000"/>
+            </a:schemeClr>
+          </a:solidFill>
+          <a:prstDash val="solid"/>
+          <a:miter/>
+        </a:ln>
+        <a:ln w="25400" cap="flat" cmpd="sng" algn="ctr">
+          <a:solidFill>
+            <a:schemeClr val="phClr"/>
+          </a:solidFill>
+          <a:prstDash val="solid"/>
+          <a:miter/>
+        </a:ln>
+        <a:ln w="38100" cap="flat" cmpd="sng" algn="ctr">
+          <a:solidFill>
+            <a:schemeClr val="phClr"/>
+          </a:solidFill>
+          <a:prstDash val="solid"/>
+          <a:miter/>
+        </a:ln>
+      </a:lnStyleLst>
+      <a:effectStyleLst>
+        <a:effectStyle>
+          <a:effectLst>
+            <a:outerShdw blurRad="40000" dist="20000" dir="5400000" rotWithShape="0">
+              <a:srgbClr val="000000">
+                <a:alpha val="38000"/>
+              </a:srgbClr>
+            </a:outerShdw>
+          </a:effectLst>
+        </a:effectStyle>
+        <a:effectStyle>
+          <a:effectLst>
+            <a:outerShdw blurRad="40000" dist="23000" dir="5400000" rotWithShape="0">
+              <a:srgbClr val="000000">
+                <a:alpha val="35000"/>
+              </a:srgbClr>
+            </a:outerShdw>
+          </a:effectLst>
+        </a:effectStyle>
+        <a:effectStyle>
+          <a:effectLst>
+            <a:outerShdw blurRad="40000" dist="23000" dir="5400000" rotWithShape="0">
+              <a:srgbClr val="000000">
+                <a:alpha val="35000"/>
+              </a:srgbClr>
+            </a:outerShdw>
+          </a:effectLst>
+          <a:scene3d>
+            <a:camera prst="orthographicFront">
+              <a:rot lat="0" lon="0" rev="0"/>
+            </a:camera>
+            <a:lightRig rig="threePt" dir="t">
+              <a:rot lat="0" lon="0" rev="1200000"/>
+            </a:lightRig>
+          </a:scene3d>
+          <a:sp3d>
+            <a:bevelT w="63500" h="25400"/>
+          </a:sp3d>
+        </a:effectStyle>
+      </a:effectStyleLst>
+      <a:bgFillStyleLst>
+        <a:solidFill>
+          <a:schemeClr val="phClr"/>
+        </a:solidFill>
+        <a:gradFill rotWithShape="1">
+          <a:gsLst>
+            <a:gs pos="0">
+              <a:schemeClr val="phClr">
+                <a:tint val="40000"/>
+                <a:satMod val="350000"/>
+              </a:schemeClr>
+            </a:gs>
+            <a:gs pos="40000">
+              <a:schemeClr val="phClr">
+                <a:tint val="45000"/>
+                <a:shade val="99000"/>
+                <a:satMod val="350000"/>
+              </a:schemeClr>
+            </a:gs>
+            <a:gs pos="100000">
+              <a:schemeClr val="phClr">
+                <a:shade val="20000"/>
+                <a:satMod val="255000"/>
+              </a:schemeClr>
+            </a:gs>
+          </a:gsLst>
+          <a:path path="circle">
+            <a:fillToRect l="50000" t="-80000" r="50000" b="180000"/>
+          </a:path>
+        </a:gradFill>
+        <a:gradFill rotWithShape="1">
+          <a:gsLst>
+            <a:gs pos="0">
+              <a:schemeClr val="phClr">
+                <a:tint val="80000"/>
+                <a:satMod val="300000"/>
+              </a:schemeClr>
+            </a:gs>
+            <a:gs pos="100000">
+              <a:schemeClr val="phClr">
+                <a:shade val="30000"/>
+                <a:satMod val="200000"/>
+              </a:schemeClr>
+            </a:gs>
+          </a:gsLst>
+          <a:path path="circle">
+            <a:fillToRect l="50000" t="50000" r="50000" b="50000"/>
+          </a:path>
+        </a:gradFill>
+      </a:bgFillStyleLst>
+    </a:fmtScheme>
+  </a:themeElements>
+</a:theme>
 </file>